--- a/projects/RECAP SW1 29.pptx
+++ b/projects/RECAP SW1 29.pptx
@@ -13,9 +13,9 @@
   <p:sldIdLst>
     <p:sldId id="257" r:id="rId5"/>
     <p:sldId id="265" r:id="rId6"/>
-    <p:sldId id="266" r:id="rId7"/>
-    <p:sldId id="267" r:id="rId8"/>
-    <p:sldId id="268" r:id="rId9"/>
+    <p:sldId id="277" r:id="rId7"/>
+    <p:sldId id="266" r:id="rId8"/>
+    <p:sldId id="278" r:id="rId9"/>
     <p:sldId id="258" r:id="rId10"/>
     <p:sldId id="276" r:id="rId11"/>
     <p:sldId id="270" r:id="rId12"/>
@@ -131,6 +131,10 @@
     </p:ext>
   </p:extLst>
 </p:presentation>
+</file>
+
+<file path=ppt/revisionInfo.xml><?xml version="1.0" encoding="utf-8"?>
+<p1510:revInfo xmlns:a="http://schemas.openxmlformats.org/drawingml/2006/main" xmlns:r="http://schemas.openxmlformats.org/officeDocument/2006/relationships" xmlns:p1510="http://schemas.microsoft.com/office/powerpoint/2015/10/main"/>
 </file>
 
 <file path=ppt/handoutMasters/handoutMaster1.xml><?xml version="1.0" encoding="utf-8"?>
@@ -956,14 +960,10 @@
         </p:nvSpPr>
         <p:spPr/>
         <p:txBody>
-          <a:bodyPr rtlCol="0"/>
+          <a:bodyPr/>
           <a:lstStyle/>
           <a:p>
-            <a:pPr rtl="0"/>
-            <a:r>
-              <a:rPr lang="de-DE" dirty="0"/>
-              <a:t>NOTIZ: Wenn Sie Bilder auf dieser Folie ändern möchten, wählen Sie sie aus, und löschen Sie sie. Klicken Sie anschließend auf das Symbol "Bild einfügen" im Platzhalter, um Ihr eigenes Bild einzufügen.</a:t>
-            </a:r>
+            <a:endParaRPr lang="de-DE"/>
           </a:p>
         </p:txBody>
       </p:sp>
@@ -979,7 +979,7 @@
         </p:nvSpPr>
         <p:spPr/>
         <p:txBody>
-          <a:bodyPr rtlCol="0"/>
+          <a:bodyPr/>
           <a:lstStyle/>
           <a:p>
             <a:pPr rtl="0"/>
@@ -994,7 +994,7 @@
     </p:spTree>
     <p:extLst>
       <p:ext uri="{BB962C8B-B14F-4D97-AF65-F5344CB8AC3E}">
-        <p14:creationId xmlns:p14="http://schemas.microsoft.com/office/powerpoint/2010/main" val="3727004212"/>
+        <p14:creationId xmlns:p14="http://schemas.microsoft.com/office/powerpoint/2010/main" val="3165157591"/>
       </p:ext>
     </p:extLst>
   </p:cSld>
@@ -1083,7 +1083,7 @@
     </p:spTree>
     <p:extLst>
       <p:ext uri="{BB962C8B-B14F-4D97-AF65-F5344CB8AC3E}">
-        <p14:creationId xmlns:p14="http://schemas.microsoft.com/office/powerpoint/2010/main" val="2235521194"/>
+        <p14:creationId xmlns:p14="http://schemas.microsoft.com/office/powerpoint/2010/main" val="3727004212"/>
       </p:ext>
     </p:extLst>
   </p:cSld>
@@ -1172,7 +1172,7 @@
     </p:spTree>
     <p:extLst>
       <p:ext uri="{BB962C8B-B14F-4D97-AF65-F5344CB8AC3E}">
-        <p14:creationId xmlns:p14="http://schemas.microsoft.com/office/powerpoint/2010/main" val="553265586"/>
+        <p14:creationId xmlns:p14="http://schemas.microsoft.com/office/powerpoint/2010/main" val="1510077531"/>
       </p:ext>
     </p:extLst>
   </p:cSld>
@@ -7510,7 +7510,7 @@
           <a:graphicData uri="http://schemas.openxmlformats.org/presentationml/2006/ole">
             <mc:AlternateContent xmlns:mc="http://schemas.openxmlformats.org/markup-compatibility/2006">
               <mc:Choice xmlns:v="urn:schemas-microsoft-com:vml" Requires="v">
-                <p:oleObj spid="_x0000_s1030" name="think-cell Folie" r:id="rId6" imgW="624" imgH="623" progId="TCLayout.ActiveDocument.1">
+                <p:oleObj spid="_x0000_s1032" name="think-cell Folie" r:id="rId6" imgW="624" imgH="623" progId="TCLayout.ActiveDocument.1">
                   <p:embed/>
                 </p:oleObj>
               </mc:Choice>
@@ -7738,7 +7738,7 @@
           <a:graphicData uri="http://schemas.openxmlformats.org/presentationml/2006/ole">
             <mc:AlternateContent xmlns:mc="http://schemas.openxmlformats.org/markup-compatibility/2006">
               <mc:Choice xmlns:v="urn:schemas-microsoft-com:vml" Requires="v">
-                <p:oleObj spid="_x0000_s8195" name="think-cell Folie" r:id="rId6" imgW="624" imgH="623" progId="TCLayout.ActiveDocument.1">
+                <p:oleObj spid="_x0000_s8197" name="think-cell Folie" r:id="rId6" imgW="624" imgH="623" progId="TCLayout.ActiveDocument.1">
                   <p:embed/>
                 </p:oleObj>
               </mc:Choice>
@@ -7941,7 +7941,7 @@
           <a:graphicData uri="http://schemas.openxmlformats.org/presentationml/2006/ole">
             <mc:AlternateContent xmlns:mc="http://schemas.openxmlformats.org/markup-compatibility/2006">
               <mc:Choice xmlns:v="urn:schemas-microsoft-com:vml" Requires="v">
-                <p:oleObj spid="_x0000_s5123" name="think-cell Folie" r:id="rId6" imgW="624" imgH="623" progId="TCLayout.ActiveDocument.1">
+                <p:oleObj spid="_x0000_s5125" name="think-cell Folie" r:id="rId6" imgW="624" imgH="623" progId="TCLayout.ActiveDocument.1">
                   <p:embed/>
                 </p:oleObj>
               </mc:Choice>
@@ -8163,127 +8163,175 @@
           <a:chExt cx="0" cy="0"/>
         </a:xfrm>
       </p:grpSpPr>
-      <p:sp>
-        <p:nvSpPr>
-          <p:cNvPr id="11" name="Titel 10"/>
-          <p:cNvSpPr>
-            <a:spLocks noGrp="1"/>
-          </p:cNvSpPr>
-          <p:nvPr>
-            <p:ph type="title"/>
-          </p:nvPr>
-        </p:nvSpPr>
-        <p:spPr/>
-        <p:txBody>
-          <a:bodyPr rtlCol="0"/>
+      <p:graphicFrame>
+        <p:nvGraphicFramePr>
+          <p:cNvPr id="4" name="Objekt 3" hidden="1">
+            <a:extLst>
+              <a:ext uri="{FF2B5EF4-FFF2-40B4-BE49-F238E27FC236}">
+                <a16:creationId xmlns:a16="http://schemas.microsoft.com/office/drawing/2014/main" id="{3FFABD67-EFA4-46C3-9F73-390E2CA85C22}"/>
+              </a:ext>
+            </a:extLst>
+          </p:cNvPr>
+          <p:cNvGraphicFramePr>
+            <a:graphicFrameLocks noChangeAspect="1"/>
+          </p:cNvGraphicFramePr>
+          <p:nvPr>
+            <p:custDataLst>
+              <p:tags r:id="rId2"/>
+            </p:custDataLst>
+            <p:extLst/>
+          </p:nvPr>
+        </p:nvGraphicFramePr>
+        <p:xfrm>
+          <a:off x="1588" y="1588"/>
+          <a:ext cx="1588" cy="1588"/>
+        </p:xfrm>
+        <a:graphic>
+          <a:graphicData uri="http://schemas.openxmlformats.org/presentationml/2006/ole">
+            <mc:AlternateContent xmlns:mc="http://schemas.openxmlformats.org/markup-compatibility/2006">
+              <mc:Choice xmlns:v="urn:schemas-microsoft-com:vml" Requires="v">
+                <p:oleObj spid="_x0000_s9219" name="think-cell Folie" r:id="rId6" imgW="624" imgH="623" progId="TCLayout.ActiveDocument.1">
+                  <p:embed/>
+                </p:oleObj>
+              </mc:Choice>
+              <mc:Fallback>
+                <p:oleObj name="think-cell Folie" r:id="rId6" imgW="624" imgH="623" progId="TCLayout.ActiveDocument.1">
+                  <p:embed/>
+                  <p:pic>
+                    <p:nvPicPr>
+                      <p:cNvPr id="4" name="Objekt 3" hidden="1">
+                        <a:extLst>
+                          <a:ext uri="{FF2B5EF4-FFF2-40B4-BE49-F238E27FC236}">
+                            <a16:creationId xmlns:a16="http://schemas.microsoft.com/office/drawing/2014/main" id="{3FFABD67-EFA4-46C3-9F73-390E2CA85C22}"/>
+                          </a:ext>
+                        </a:extLst>
+                      </p:cNvPr>
+                      <p:cNvPicPr/>
+                      <p:nvPr/>
+                    </p:nvPicPr>
+                    <p:blipFill>
+                      <a:blip r:embed="rId7"/>
+                      <a:stretch>
+                        <a:fillRect/>
+                      </a:stretch>
+                    </p:blipFill>
+                    <p:spPr>
+                      <a:xfrm>
+                        <a:off x="1588" y="1588"/>
+                        <a:ext cx="1588" cy="1588"/>
+                      </a:xfrm>
+                      <a:prstGeom prst="rect">
+                        <a:avLst/>
+                      </a:prstGeom>
+                    </p:spPr>
+                  </p:pic>
+                </p:oleObj>
+              </mc:Fallback>
+            </mc:AlternateContent>
+          </a:graphicData>
+        </a:graphic>
+      </p:graphicFrame>
+      <p:sp>
+        <p:nvSpPr>
+          <p:cNvPr id="5" name="Rechteck 4" hidden="1">
+            <a:extLst>
+              <a:ext uri="{FF2B5EF4-FFF2-40B4-BE49-F238E27FC236}">
+                <a16:creationId xmlns:a16="http://schemas.microsoft.com/office/drawing/2014/main" id="{DB6A2D9B-5517-4DBF-A205-FEB8F95834DD}"/>
+              </a:ext>
+            </a:extLst>
+          </p:cNvPr>
+          <p:cNvSpPr/>
+          <p:nvPr>
+            <p:custDataLst>
+              <p:tags r:id="rId3"/>
+            </p:custDataLst>
+          </p:nvPr>
+        </p:nvSpPr>
+        <p:spPr>
+          <a:xfrm>
+            <a:off x="0" y="0"/>
+            <a:ext cx="158750" cy="158750"/>
+          </a:xfrm>
+          <a:prstGeom prst="rect">
+            <a:avLst/>
+          </a:prstGeom>
+        </p:spPr>
+        <p:style>
+          <a:lnRef idx="2">
+            <a:schemeClr val="accent1">
+              <a:shade val="50000"/>
+            </a:schemeClr>
+          </a:lnRef>
+          <a:fillRef idx="1">
+            <a:schemeClr val="accent1"/>
+          </a:fillRef>
+          <a:effectRef idx="0">
+            <a:schemeClr val="accent1"/>
+          </a:effectRef>
+          <a:fontRef idx="minor">
+            <a:schemeClr val="lt1"/>
+          </a:fontRef>
+        </p:style>
+        <p:txBody>
+          <a:bodyPr vert="horz" wrap="none" lIns="0" tIns="0" rIns="0" bIns="0" numCol="1" spcCol="0" rtlCol="0" anchor="ctr" anchorCtr="0">
+            <a:noAutofit/>
+          </a:bodyPr>
           <a:lstStyle/>
           <a:p>
-            <a:pPr rtl="0"/>
-            <a:r>
-              <a:rPr lang="de-DE" dirty="0"/>
-              <a:t>Zwei Bilder mit Beschriftungen</a:t>
-            </a:r>
+            <a:pPr algn="ctr">
+              <a:lnSpc>
+                <a:spcPct val="90000"/>
+              </a:lnSpc>
+              <a:spcBef>
+                <a:spcPct val="0"/>
+              </a:spcBef>
+              <a:spcAft>
+                <a:spcPct val="0"/>
+              </a:spcAft>
+            </a:pPr>
+            <a:endParaRPr lang="de-DE" sz="4400" dirty="0">
+              <a:latin typeface="Times New Roman" panose="02020603050405020304" pitchFamily="18" charset="0"/>
+              <a:ea typeface="+mj-ea"/>
+              <a:cs typeface="+mj-cs"/>
+              <a:sym typeface="Times New Roman" panose="02020603050405020304" pitchFamily="18" charset="0"/>
+            </a:endParaRPr>
           </a:p>
         </p:txBody>
       </p:sp>
       <p:pic>
         <p:nvPicPr>
-          <p:cNvPr id="6" name="Bildplatzhalter 5" descr="Mädchen mit einer Eiswaffel"/>
-          <p:cNvPicPr>
-            <a:picLocks noGrp="1" noChangeAspect="1"/>
-          </p:cNvPicPr>
-          <p:nvPr>
-            <p:ph type="pic" sz="quarter" idx="13"/>
-          </p:nvPr>
-        </p:nvPicPr>
-        <p:blipFill rotWithShape="1">
-          <a:blip r:embed="rId3" cstate="print">
+          <p:cNvPr id="10" name="Grafik 9">
             <a:extLst>
-              <a:ext uri="{28A0092B-C50C-407E-A947-70E740481C1C}">
-                <a14:useLocalDpi xmlns:a14="http://schemas.microsoft.com/office/drawing/2010/main" val="0"/>
+              <a:ext uri="{FF2B5EF4-FFF2-40B4-BE49-F238E27FC236}">
+                <a16:creationId xmlns:a16="http://schemas.microsoft.com/office/drawing/2014/main" id="{304E2BF9-8ADD-4A18-AD90-13423319077E}"/>
               </a:ext>
             </a:extLst>
-          </a:blip>
-          <a:srcRect l="165" r="165"/>
-          <a:stretch/>
-        </p:blipFill>
-        <p:spPr/>
-      </p:pic>
-      <p:sp>
-        <p:nvSpPr>
-          <p:cNvPr id="4" name="Textplatzhalter 3"/>
-          <p:cNvSpPr>
-            <a:spLocks noGrp="1"/>
-          </p:cNvSpPr>
-          <p:nvPr>
-            <p:ph type="body" sz="quarter" idx="14"/>
-          </p:nvPr>
-        </p:nvSpPr>
-        <p:spPr/>
-        <p:txBody>
-          <a:bodyPr rtlCol="0"/>
-          <a:lstStyle/>
-          <a:p>
-            <a:pPr rtl="0"/>
-            <a:r>
-              <a:rPr lang="de-DE" dirty="0"/>
-              <a:t>Beschriftung</a:t>
-            </a:r>
-          </a:p>
-        </p:txBody>
-      </p:sp>
-      <p:pic>
-        <p:nvPicPr>
-          <p:cNvPr id="3" name="Bildplatzhalter 2" descr="Fliegende Ballons vor Wolken"/>
+          </p:cNvPr>
           <p:cNvPicPr>
-            <a:picLocks noGrp="1" noChangeAspect="1"/>
+            <a:picLocks noChangeAspect="1"/>
           </p:cNvPicPr>
-          <p:nvPr>
-            <p:ph type="pic" sz="quarter" idx="15"/>
-          </p:nvPr>
+          <p:nvPr/>
         </p:nvPicPr>
         <p:blipFill>
-          <a:blip r:embed="rId4" cstate="print">
-            <a:extLst>
-              <a:ext uri="{28A0092B-C50C-407E-A947-70E740481C1C}">
-                <a14:useLocalDpi xmlns:a14="http://schemas.microsoft.com/office/drawing/2010/main" val="0"/>
-              </a:ext>
-            </a:extLst>
-          </a:blip>
-          <a:srcRect l="1502" r="1502"/>
+          <a:blip r:embed="rId8"/>
           <a:stretch>
             <a:fillRect/>
           </a:stretch>
         </p:blipFill>
-        <p:spPr/>
+        <p:spPr>
+          <a:xfrm>
+            <a:off x="1" y="0"/>
+            <a:ext cx="9264352" cy="6846168"/>
+          </a:xfrm>
+          <a:prstGeom prst="rect">
+            <a:avLst/>
+          </a:prstGeom>
+        </p:spPr>
       </p:pic>
-      <p:sp>
-        <p:nvSpPr>
-          <p:cNvPr id="5" name="Textplatzhalter 4"/>
-          <p:cNvSpPr>
-            <a:spLocks noGrp="1"/>
-          </p:cNvSpPr>
-          <p:nvPr>
-            <p:ph type="body" sz="quarter" idx="16"/>
-          </p:nvPr>
-        </p:nvSpPr>
-        <p:spPr/>
-        <p:txBody>
-          <a:bodyPr rtlCol="0"/>
-          <a:lstStyle/>
-          <a:p>
-            <a:pPr rtl="0"/>
-            <a:r>
-              <a:rPr lang="de-DE" dirty="0"/>
-              <a:t>Beschriftung</a:t>
-            </a:r>
-          </a:p>
-        </p:txBody>
-      </p:sp>
     </p:spTree>
     <p:extLst>
       <p:ext uri="{BB962C8B-B14F-4D97-AF65-F5344CB8AC3E}">
-        <p14:creationId xmlns:p14="http://schemas.microsoft.com/office/powerpoint/2010/main" val="3864440091"/>
+        <p14:creationId xmlns:p14="http://schemas.microsoft.com/office/powerpoint/2010/main" val="444297826"/>
       </p:ext>
     </p:extLst>
   </p:cSld>
@@ -8322,32 +8370,15 @@
           <a:chExt cx="0" cy="0"/>
         </a:xfrm>
       </p:grpSpPr>
-      <p:sp>
-        <p:nvSpPr>
-          <p:cNvPr id="6" name="Titel 5"/>
-          <p:cNvSpPr>
-            <a:spLocks noGrp="1"/>
-          </p:cNvSpPr>
-          <p:nvPr>
-            <p:ph type="title"/>
-          </p:nvPr>
-        </p:nvSpPr>
-        <p:spPr/>
-        <p:txBody>
-          <a:bodyPr rtlCol="0"/>
-          <a:lstStyle/>
-          <a:p>
-            <a:pPr rtl="0"/>
-            <a:r>
-              <a:rPr lang="de-DE" dirty="0"/>
-              <a:t>Drei Bilder mit Beschriftung</a:t>
-            </a:r>
-          </a:p>
-        </p:txBody>
-      </p:sp>
       <p:pic>
         <p:nvPicPr>
-          <p:cNvPr id="7" name="Bildplatzhalter 6" descr="Gelber Labrador-Retriever in einem Fluss"/>
+          <p:cNvPr id="20" name="Bildplatzhalter 19">
+            <a:extLst>
+              <a:ext uri="{FF2B5EF4-FFF2-40B4-BE49-F238E27FC236}">
+                <a16:creationId xmlns:a16="http://schemas.microsoft.com/office/drawing/2014/main" id="{49EF2987-DCE4-4B0F-B55E-0BB592F0C2C9}"/>
+              </a:ext>
+            </a:extLst>
+          </p:cNvPr>
           <p:cNvPicPr>
             <a:picLocks noGrp="1" noChangeAspect="1"/>
           </p:cNvPicPr>
@@ -8355,92 +8386,170 @@
             <p:ph type="pic" sz="quarter" idx="13"/>
           </p:nvPr>
         </p:nvPicPr>
-        <p:blipFill rotWithShape="1">
-          <a:blip r:embed="rId3" cstate="print">
-            <a:extLst>
-              <a:ext uri="{28A0092B-C50C-407E-A947-70E740481C1C}">
-                <a14:useLocalDpi xmlns:a14="http://schemas.microsoft.com/office/drawing/2010/main" val="0"/>
-              </a:ext>
-            </a:extLst>
-          </a:blip>
-          <a:srcRect/>
-          <a:stretch/>
+        <p:blipFill>
+          <a:blip r:embed="rId3"/>
+          <a:srcRect l="1502" r="1502"/>
+          <a:stretch>
+            <a:fillRect/>
+          </a:stretch>
         </p:blipFill>
         <p:spPr/>
       </p:pic>
+      <p:sp>
+        <p:nvSpPr>
+          <p:cNvPr id="21" name="Textfeld 20">
+            <a:extLst>
+              <a:ext uri="{FF2B5EF4-FFF2-40B4-BE49-F238E27FC236}">
+                <a16:creationId xmlns:a16="http://schemas.microsoft.com/office/drawing/2014/main" id="{E68A9852-27E5-44B7-B23D-97EC0B7FCF70}"/>
+              </a:ext>
+            </a:extLst>
+          </p:cNvPr>
+          <p:cNvSpPr txBox="1"/>
+          <p:nvPr/>
+        </p:nvSpPr>
+        <p:spPr>
+          <a:xfrm>
+            <a:off x="1271464" y="5589240"/>
+            <a:ext cx="5256584" cy="584775"/>
+          </a:xfrm>
+          <a:prstGeom prst="rect">
+            <a:avLst/>
+          </a:prstGeom>
+          <a:noFill/>
+        </p:spPr>
+        <p:txBody>
+          <a:bodyPr wrap="square" rtlCol="0">
+            <a:spAutoFit/>
+          </a:bodyPr>
+          <a:lstStyle/>
+          <a:p>
+            <a:r>
+              <a:rPr lang="de-CH" sz="3200" dirty="0"/>
+              <a:t>GitHub Desktop</a:t>
+            </a:r>
+            <a:endParaRPr lang="en-GB" sz="3200" dirty="0"/>
+          </a:p>
+        </p:txBody>
+      </p:sp>
+      <p:sp>
+        <p:nvSpPr>
+          <p:cNvPr id="22" name="Textfeld 21">
+            <a:extLst>
+              <a:ext uri="{FF2B5EF4-FFF2-40B4-BE49-F238E27FC236}">
+                <a16:creationId xmlns:a16="http://schemas.microsoft.com/office/drawing/2014/main" id="{A236D6FD-A764-4272-BDF7-541CA8BA879B}"/>
+              </a:ext>
+            </a:extLst>
+          </p:cNvPr>
+          <p:cNvSpPr txBox="1"/>
+          <p:nvPr/>
+        </p:nvSpPr>
+        <p:spPr>
+          <a:xfrm>
+            <a:off x="6096000" y="5589239"/>
+            <a:ext cx="5256584" cy="584775"/>
+          </a:xfrm>
+          <a:prstGeom prst="rect">
+            <a:avLst/>
+          </a:prstGeom>
+          <a:noFill/>
+        </p:spPr>
+        <p:txBody>
+          <a:bodyPr wrap="square" rtlCol="0">
+            <a:spAutoFit/>
+          </a:bodyPr>
+          <a:lstStyle/>
+          <a:p>
+            <a:r>
+              <a:rPr lang="de-CH" sz="3200" dirty="0"/>
+              <a:t>Source </a:t>
+            </a:r>
+            <a:r>
+              <a:rPr lang="de-CH" sz="3200" dirty="0" err="1"/>
+              <a:t>tree</a:t>
+            </a:r>
+            <a:endParaRPr lang="en-GB" sz="3200" dirty="0"/>
+          </a:p>
+        </p:txBody>
+      </p:sp>
+      <p:sp>
+        <p:nvSpPr>
+          <p:cNvPr id="27" name="AutoShape 2" descr="Bildergebnis für source tree icon">
+            <a:extLst>
+              <a:ext uri="{FF2B5EF4-FFF2-40B4-BE49-F238E27FC236}">
+                <a16:creationId xmlns:a16="http://schemas.microsoft.com/office/drawing/2014/main" id="{295044DA-4F9E-4B97-A032-7B481D12A695}"/>
+              </a:ext>
+            </a:extLst>
+          </p:cNvPr>
+          <p:cNvSpPr>
+            <a:spLocks noChangeAspect="1" noChangeArrowheads="1"/>
+          </p:cNvSpPr>
+          <p:nvPr/>
+        </p:nvSpPr>
+        <p:spPr bwMode="auto">
+          <a:xfrm>
+            <a:off x="4648200" y="1595438"/>
+            <a:ext cx="2895600" cy="3667125"/>
+          </a:xfrm>
+          <a:prstGeom prst="rect">
+            <a:avLst/>
+          </a:prstGeom>
+          <a:noFill/>
+          <a:extLst>
+            <a:ext uri="{909E8E84-426E-40DD-AFC4-6F175D3DCCD1}">
+              <a14:hiddenFill xmlns:a14="http://schemas.microsoft.com/office/drawing/2010/main">
+                <a:solidFill>
+                  <a:srgbClr val="FFFFFF"/>
+                </a:solidFill>
+              </a14:hiddenFill>
+            </a:ext>
+          </a:extLst>
+        </p:spPr>
+        <p:txBody>
+          <a:bodyPr vert="horz" wrap="square" lIns="91440" tIns="45720" rIns="91440" bIns="45720" numCol="1" anchor="t" anchorCtr="0" compatLnSpc="1">
+            <a:prstTxWarp prst="textNoShape">
+              <a:avLst/>
+            </a:prstTxWarp>
+          </a:bodyPr>
+          <a:lstStyle/>
+          <a:p>
+            <a:endParaRPr lang="en-GB"/>
+          </a:p>
+        </p:txBody>
+      </p:sp>
       <p:pic>
         <p:nvPicPr>
-          <p:cNvPr id="8" name="Bildplatzhalter 7" descr="Zwei junge Mädchen, am Strand stehend"/>
-          <p:cNvPicPr>
-            <a:picLocks noGrp="1" noChangeAspect="1"/>
-          </p:cNvPicPr>
-          <p:nvPr>
-            <p:ph type="pic" sz="quarter" idx="15"/>
-          </p:nvPr>
-        </p:nvPicPr>
-        <p:blipFill rotWithShape="1">
-          <a:blip r:embed="rId4" cstate="print">
+          <p:cNvPr id="30" name="Grafik 29">
             <a:extLst>
-              <a:ext uri="{28A0092B-C50C-407E-A947-70E740481C1C}">
-                <a14:useLocalDpi xmlns:a14="http://schemas.microsoft.com/office/drawing/2010/main" val="0"/>
+              <a:ext uri="{FF2B5EF4-FFF2-40B4-BE49-F238E27FC236}">
+                <a16:creationId xmlns:a16="http://schemas.microsoft.com/office/drawing/2014/main" id="{0B189F1E-8183-438F-8683-F649EA794891}"/>
               </a:ext>
             </a:extLst>
-          </a:blip>
-          <a:srcRect/>
-          <a:stretch/>
+          </p:cNvPr>
+          <p:cNvPicPr>
+            <a:picLocks noChangeAspect="1"/>
+          </p:cNvPicPr>
+          <p:nvPr/>
+        </p:nvPicPr>
+        <p:blipFill>
+          <a:blip r:embed="rId4"/>
+          <a:stretch>
+            <a:fillRect/>
+          </a:stretch>
         </p:blipFill>
-        <p:spPr/>
+        <p:spPr>
+          <a:xfrm>
+            <a:off x="5563310" y="1241945"/>
+            <a:ext cx="3492472" cy="3492472"/>
+          </a:xfrm>
+          <a:prstGeom prst="rect">
+            <a:avLst/>
+          </a:prstGeom>
+        </p:spPr>
       </p:pic>
-      <p:pic>
-        <p:nvPicPr>
-          <p:cNvPr id="9" name="Bildplatzhalter 8" descr="Junges Mädchen mit Seifenblasen"/>
-          <p:cNvPicPr>
-            <a:picLocks noGrp="1" noChangeAspect="1"/>
-          </p:cNvPicPr>
-          <p:nvPr>
-            <p:ph type="pic" sz="quarter" idx="16"/>
-          </p:nvPr>
-        </p:nvPicPr>
-        <p:blipFill rotWithShape="1">
-          <a:blip r:embed="rId5" cstate="print">
-            <a:extLst>
-              <a:ext uri="{28A0092B-C50C-407E-A947-70E740481C1C}">
-                <a14:useLocalDpi xmlns:a14="http://schemas.microsoft.com/office/drawing/2010/main" val="0"/>
-              </a:ext>
-            </a:extLst>
-          </a:blip>
-          <a:srcRect/>
-          <a:stretch/>
-        </p:blipFill>
-        <p:spPr/>
-      </p:pic>
-      <p:sp>
-        <p:nvSpPr>
-          <p:cNvPr id="4" name="Textplatzhalter 3"/>
-          <p:cNvSpPr>
-            <a:spLocks noGrp="1"/>
-          </p:cNvSpPr>
-          <p:nvPr>
-            <p:ph type="body" sz="quarter" idx="14"/>
-          </p:nvPr>
-        </p:nvSpPr>
-        <p:spPr/>
-        <p:txBody>
-          <a:bodyPr rtlCol="0"/>
-          <a:lstStyle/>
-          <a:p>
-            <a:pPr rtl="0"/>
-            <a:r>
-              <a:rPr lang="de-DE" dirty="0"/>
-              <a:t>Beschriftung</a:t>
-            </a:r>
-          </a:p>
-        </p:txBody>
-      </p:sp>
     </p:spTree>
     <p:extLst>
       <p:ext uri="{BB962C8B-B14F-4D97-AF65-F5344CB8AC3E}">
-        <p14:creationId xmlns:p14="http://schemas.microsoft.com/office/powerpoint/2010/main" val="2560558900"/>
+        <p14:creationId xmlns:p14="http://schemas.microsoft.com/office/powerpoint/2010/main" val="3864440091"/>
       </p:ext>
     </p:extLst>
   </p:cSld>
@@ -8479,9 +8588,144 @@
           <a:chExt cx="0" cy="0"/>
         </a:xfrm>
       </p:grpSpPr>
-      <p:sp>
-        <p:nvSpPr>
-          <p:cNvPr id="13" name="Titel 12"/>
+      <p:graphicFrame>
+        <p:nvGraphicFramePr>
+          <p:cNvPr id="7" name="Objekt 6" hidden="1">
+            <a:extLst>
+              <a:ext uri="{FF2B5EF4-FFF2-40B4-BE49-F238E27FC236}">
+                <a16:creationId xmlns:a16="http://schemas.microsoft.com/office/drawing/2014/main" id="{79F15764-8645-417C-A8F5-F40DDE03DEA9}"/>
+              </a:ext>
+            </a:extLst>
+          </p:cNvPr>
+          <p:cNvGraphicFramePr>
+            <a:graphicFrameLocks noChangeAspect="1"/>
+          </p:cNvGraphicFramePr>
+          <p:nvPr>
+            <p:custDataLst>
+              <p:tags r:id="rId2"/>
+            </p:custDataLst>
+            <p:extLst/>
+          </p:nvPr>
+        </p:nvGraphicFramePr>
+        <p:xfrm>
+          <a:off x="1588" y="1588"/>
+          <a:ext cx="1588" cy="1588"/>
+        </p:xfrm>
+        <a:graphic>
+          <a:graphicData uri="http://schemas.openxmlformats.org/presentationml/2006/ole">
+            <mc:AlternateContent xmlns:mc="http://schemas.openxmlformats.org/markup-compatibility/2006">
+              <mc:Choice xmlns:v="urn:schemas-microsoft-com:vml" Requires="v">
+                <p:oleObj spid="_x0000_s11267" name="think-cell Folie" r:id="rId6" imgW="624" imgH="623" progId="TCLayout.ActiveDocument.1">
+                  <p:embed/>
+                </p:oleObj>
+              </mc:Choice>
+              <mc:Fallback>
+                <p:oleObj name="think-cell Folie" r:id="rId6" imgW="624" imgH="623" progId="TCLayout.ActiveDocument.1">
+                  <p:embed/>
+                  <p:pic>
+                    <p:nvPicPr>
+                      <p:cNvPr id="7" name="Objekt 6" hidden="1">
+                        <a:extLst>
+                          <a:ext uri="{FF2B5EF4-FFF2-40B4-BE49-F238E27FC236}">
+                            <a16:creationId xmlns:a16="http://schemas.microsoft.com/office/drawing/2014/main" id="{79F15764-8645-417C-A8F5-F40DDE03DEA9}"/>
+                          </a:ext>
+                        </a:extLst>
+                      </p:cNvPr>
+                      <p:cNvPicPr/>
+                      <p:nvPr/>
+                    </p:nvPicPr>
+                    <p:blipFill>
+                      <a:blip r:embed="rId7"/>
+                      <a:stretch>
+                        <a:fillRect/>
+                      </a:stretch>
+                    </p:blipFill>
+                    <p:spPr>
+                      <a:xfrm>
+                        <a:off x="1588" y="1588"/>
+                        <a:ext cx="1588" cy="1588"/>
+                      </a:xfrm>
+                      <a:prstGeom prst="rect">
+                        <a:avLst/>
+                      </a:prstGeom>
+                    </p:spPr>
+                  </p:pic>
+                </p:oleObj>
+              </mc:Fallback>
+            </mc:AlternateContent>
+          </a:graphicData>
+        </a:graphic>
+      </p:graphicFrame>
+      <p:sp>
+        <p:nvSpPr>
+          <p:cNvPr id="6" name="Rechteck 5" hidden="1">
+            <a:extLst>
+              <a:ext uri="{FF2B5EF4-FFF2-40B4-BE49-F238E27FC236}">
+                <a16:creationId xmlns:a16="http://schemas.microsoft.com/office/drawing/2014/main" id="{12D0C613-B704-4D25-B7C9-BE88395369A9}"/>
+              </a:ext>
+            </a:extLst>
+          </p:cNvPr>
+          <p:cNvSpPr/>
+          <p:nvPr>
+            <p:custDataLst>
+              <p:tags r:id="rId3"/>
+            </p:custDataLst>
+          </p:nvPr>
+        </p:nvSpPr>
+        <p:spPr>
+          <a:xfrm>
+            <a:off x="0" y="0"/>
+            <a:ext cx="158750" cy="158750"/>
+          </a:xfrm>
+          <a:prstGeom prst="rect">
+            <a:avLst/>
+          </a:prstGeom>
+        </p:spPr>
+        <p:style>
+          <a:lnRef idx="2">
+            <a:schemeClr val="accent1">
+              <a:shade val="50000"/>
+            </a:schemeClr>
+          </a:lnRef>
+          <a:fillRef idx="1">
+            <a:schemeClr val="accent1"/>
+          </a:fillRef>
+          <a:effectRef idx="0">
+            <a:schemeClr val="accent1"/>
+          </a:effectRef>
+          <a:fontRef idx="minor">
+            <a:schemeClr val="lt1"/>
+          </a:fontRef>
+        </p:style>
+        <p:txBody>
+          <a:bodyPr vert="horz" wrap="none" lIns="0" tIns="0" rIns="0" bIns="0" numCol="1" spcCol="0" rtlCol="0" anchor="ctr" anchorCtr="0">
+            <a:noAutofit/>
+          </a:bodyPr>
+          <a:lstStyle/>
+          <a:p>
+            <a:pPr algn="ctr">
+              <a:lnSpc>
+                <a:spcPct val="90000"/>
+              </a:lnSpc>
+              <a:spcBef>
+                <a:spcPct val="0"/>
+              </a:spcBef>
+              <a:spcAft>
+                <a:spcPct val="0"/>
+              </a:spcAft>
+            </a:pPr>
+            <a:endParaRPr lang="de-DE" sz="3200" dirty="0">
+              <a:latin typeface="Times New Roman" panose="02020603050405020304" pitchFamily="18" charset="0"/>
+              <a:ea typeface="+mj-ea"/>
+              <a:cs typeface="+mj-cs"/>
+              <a:sym typeface="Times New Roman" panose="02020603050405020304" pitchFamily="18" charset="0"/>
+            </a:endParaRPr>
+          </a:p>
+        </p:txBody>
+      </p:sp>
+      <p:sp>
+        <p:nvSpPr>
+          <p:cNvPr id="2" name="Titel 1"/>
           <p:cNvSpPr>
             <a:spLocks noGrp="1"/>
           </p:cNvSpPr>
@@ -8496,135 +8740,133 @@
           <a:p>
             <a:pPr rtl="0"/>
             <a:r>
+              <a:rPr lang="de-DE" dirty="0" err="1"/>
+              <a:t>Ignoring</a:t>
+            </a:r>
+            <a:r>
               <a:rPr lang="de-DE" dirty="0"/>
-              <a:t>Fünf Bilder</a:t>
+              <a:t> </a:t>
+            </a:r>
+            <a:r>
+              <a:rPr lang="de-DE" dirty="0" err="1"/>
+              <a:t>files</a:t>
+            </a:r>
+            <a:endParaRPr lang="de-DE" dirty="0"/>
+          </a:p>
+        </p:txBody>
+      </p:sp>
+      <p:sp>
+        <p:nvSpPr>
+          <p:cNvPr id="3" name="Textplatzhalter 2"/>
+          <p:cNvSpPr>
+            <a:spLocks noGrp="1"/>
+          </p:cNvSpPr>
+          <p:nvPr>
+            <p:ph type="body" sz="half" idx="2"/>
+          </p:nvPr>
+        </p:nvSpPr>
+        <p:spPr>
+          <a:xfrm>
+            <a:off x="7010400" y="1628800"/>
+            <a:ext cx="3657600" cy="2811755"/>
+          </a:xfrm>
+        </p:spPr>
+        <p:txBody>
+          <a:bodyPr rtlCol="0"/>
+          <a:lstStyle/>
+          <a:p>
+            <a:pPr marL="285750" indent="-285750" rtl="0">
+              <a:buFontTx/>
+              <a:buChar char="-"/>
+            </a:pPr>
+            <a:r>
+              <a:rPr lang="de-DE" dirty="0"/>
+              <a:t>Zum Projekt .</a:t>
+            </a:r>
+            <a:r>
+              <a:rPr lang="de-DE" dirty="0" err="1"/>
+              <a:t>gitignore</a:t>
+            </a:r>
+            <a:r>
+              <a:rPr lang="de-DE" dirty="0"/>
+              <a:t> File hinzufügen und erst dann </a:t>
+            </a:r>
+            <a:r>
+              <a:rPr lang="de-DE" dirty="0" err="1"/>
+              <a:t>commite</a:t>
+            </a:r>
+            <a:endParaRPr lang="de-DE" dirty="0"/>
+          </a:p>
+          <a:p>
+            <a:pPr marL="285750" indent="-285750" rtl="0">
+              <a:buFontTx/>
+              <a:buChar char="-"/>
+            </a:pPr>
+            <a:r>
+              <a:rPr lang="de-DE" dirty="0"/>
+              <a:t>Durch das File wird </a:t>
+            </a:r>
+            <a:r>
+              <a:rPr lang="de-DE" dirty="0" err="1"/>
+              <a:t>gererierter</a:t>
+            </a:r>
+            <a:r>
+              <a:rPr lang="de-DE" dirty="0"/>
+              <a:t> Code und alle Textfiles </a:t>
+            </a:r>
+            <a:r>
+              <a:rPr lang="de-DE" dirty="0" err="1"/>
+              <a:t>iognoriert</a:t>
+            </a:r>
+            <a:r>
+              <a:rPr lang="de-DE" dirty="0"/>
+              <a:t>, bzw. nicht </a:t>
+            </a:r>
+            <a:r>
+              <a:rPr lang="de-DE" dirty="0" err="1"/>
+              <a:t>commited</a:t>
+            </a:r>
+            <a:r>
+              <a:rPr lang="de-DE" dirty="0"/>
+              <a:t> </a:t>
             </a:r>
           </a:p>
         </p:txBody>
       </p:sp>
       <p:pic>
         <p:nvPicPr>
-          <p:cNvPr id="10" name="Bildplatzhalter 9" descr="Mädchen , Blaubeeren essend"/>
+          <p:cNvPr id="4" name="Grafik 3">
+            <a:extLst>
+              <a:ext uri="{FF2B5EF4-FFF2-40B4-BE49-F238E27FC236}">
+                <a16:creationId xmlns:a16="http://schemas.microsoft.com/office/drawing/2014/main" id="{7E0AF16A-3775-4453-B5DB-AF939DD52EFF}"/>
+              </a:ext>
+            </a:extLst>
+          </p:cNvPr>
           <p:cNvPicPr>
-            <a:picLocks noGrp="1" noChangeAspect="1"/>
+            <a:picLocks noChangeAspect="1"/>
           </p:cNvPicPr>
-          <p:nvPr>
-            <p:ph type="pic" sz="quarter" idx="13"/>
-          </p:nvPr>
+          <p:nvPr/>
         </p:nvPicPr>
         <p:blipFill>
-          <a:blip r:embed="rId3" cstate="print">
-            <a:extLst>
-              <a:ext uri="{28A0092B-C50C-407E-A947-70E740481C1C}">
-                <a14:useLocalDpi xmlns:a14="http://schemas.microsoft.com/office/drawing/2010/main" val="0"/>
-              </a:ext>
-            </a:extLst>
-          </a:blip>
-          <a:srcRect t="109" b="109"/>
+          <a:blip r:embed="rId8"/>
           <a:stretch>
             <a:fillRect/>
           </a:stretch>
         </p:blipFill>
-        <p:spPr/>
-      </p:pic>
-      <p:pic>
-        <p:nvPicPr>
-          <p:cNvPr id="7" name="Bildplatzhalter 6" descr="Mädchen und Junge in Regenmänteln"/>
-          <p:cNvPicPr>
-            <a:picLocks noGrp="1" noChangeAspect="1"/>
-          </p:cNvPicPr>
-          <p:nvPr>
-            <p:ph type="pic" sz="quarter" idx="15"/>
-          </p:nvPr>
-        </p:nvPicPr>
-        <p:blipFill rotWithShape="1">
-          <a:blip r:embed="rId4" cstate="print">
-            <a:extLst>
-              <a:ext uri="{28A0092B-C50C-407E-A947-70E740481C1C}">
-                <a14:useLocalDpi xmlns:a14="http://schemas.microsoft.com/office/drawing/2010/main" val="0"/>
-              </a:ext>
-            </a:extLst>
-          </a:blip>
-          <a:srcRect t="209" b="209"/>
-          <a:stretch/>
-        </p:blipFill>
-        <p:spPr/>
-      </p:pic>
-      <p:pic>
-        <p:nvPicPr>
-          <p:cNvPr id="8" name="Bildplatzhalter 7" descr="Aufgeschnittene Wassermelone"/>
-          <p:cNvPicPr>
-            <a:picLocks noGrp="1" noChangeAspect="1"/>
-          </p:cNvPicPr>
-          <p:nvPr>
-            <p:ph type="pic" sz="quarter" idx="16"/>
-          </p:nvPr>
-        </p:nvPicPr>
-        <p:blipFill>
-          <a:blip r:embed="rId5" cstate="print">
-            <a:extLst>
-              <a:ext uri="{28A0092B-C50C-407E-A947-70E740481C1C}">
-                <a14:useLocalDpi xmlns:a14="http://schemas.microsoft.com/office/drawing/2010/main" val="0"/>
-              </a:ext>
-            </a:extLst>
-          </a:blip>
-          <a:srcRect l="143" r="143"/>
-          <a:stretch>
-            <a:fillRect/>
-          </a:stretch>
-        </p:blipFill>
-        <p:spPr/>
-      </p:pic>
-      <p:pic>
-        <p:nvPicPr>
-          <p:cNvPr id="9" name="Bildplatzhalter 8" descr="Junges Mädchen im blauen Regenmantel"/>
-          <p:cNvPicPr>
-            <a:picLocks noGrp="1" noChangeAspect="1"/>
-          </p:cNvPicPr>
-          <p:nvPr>
-            <p:ph type="pic" sz="quarter" idx="17"/>
-          </p:nvPr>
-        </p:nvPicPr>
-        <p:blipFill rotWithShape="1">
-          <a:blip r:embed="rId6" cstate="print">
-            <a:extLst>
-              <a:ext uri="{28A0092B-C50C-407E-A947-70E740481C1C}">
-                <a14:useLocalDpi xmlns:a14="http://schemas.microsoft.com/office/drawing/2010/main" val="0"/>
-              </a:ext>
-            </a:extLst>
-          </a:blip>
-          <a:srcRect l="37" r="37"/>
-          <a:stretch/>
-        </p:blipFill>
-        <p:spPr/>
-      </p:pic>
-      <p:pic>
-        <p:nvPicPr>
-          <p:cNvPr id="11" name="Bildplatzhalter 10" descr="Kleiner Junge in einer Strickhängematte"/>
-          <p:cNvPicPr>
-            <a:picLocks noGrp="1" noChangeAspect="1"/>
-          </p:cNvPicPr>
-          <p:nvPr>
-            <p:ph type="pic" sz="quarter" idx="18"/>
-          </p:nvPr>
-        </p:nvPicPr>
-        <p:blipFill rotWithShape="1">
-          <a:blip r:embed="rId7" cstate="print">
-            <a:extLst>
-              <a:ext uri="{28A0092B-C50C-407E-A947-70E740481C1C}">
-                <a14:useLocalDpi xmlns:a14="http://schemas.microsoft.com/office/drawing/2010/main" val="0"/>
-              </a:ext>
-            </a:extLst>
-          </a:blip>
-          <a:srcRect l="3" r="3"/>
-          <a:stretch/>
-        </p:blipFill>
-        <p:spPr/>
+        <p:spPr>
+          <a:xfrm>
+            <a:off x="983432" y="2730440"/>
+            <a:ext cx="5184576" cy="1438855"/>
+          </a:xfrm>
+          <a:prstGeom prst="rect">
+            <a:avLst/>
+          </a:prstGeom>
+        </p:spPr>
       </p:pic>
     </p:spTree>
     <p:extLst>
       <p:ext uri="{BB962C8B-B14F-4D97-AF65-F5344CB8AC3E}">
-        <p14:creationId xmlns:p14="http://schemas.microsoft.com/office/powerpoint/2010/main" val="807962408"/>
+        <p14:creationId xmlns:p14="http://schemas.microsoft.com/office/powerpoint/2010/main" val="3018903544"/>
       </p:ext>
     </p:extLst>
   </p:cSld>
@@ -8694,7 +8936,7 @@
           <a:graphicData uri="http://schemas.openxmlformats.org/presentationml/2006/ole">
             <mc:AlternateContent xmlns:mc="http://schemas.openxmlformats.org/markup-compatibility/2006">
               <mc:Choice xmlns:v="urn:schemas-microsoft-com:vml" Requires="v">
-                <p:oleObj spid="_x0000_s6147" name="think-cell Folie" r:id="rId6" imgW="624" imgH="623" progId="TCLayout.ActiveDocument.1">
+                <p:oleObj spid="_x0000_s6149" name="think-cell Folie" r:id="rId6" imgW="624" imgH="623" progId="TCLayout.ActiveDocument.1">
                   <p:embed/>
                 </p:oleObj>
               </mc:Choice>
@@ -8897,7 +9139,7 @@
           <a:graphicData uri="http://schemas.openxmlformats.org/presentationml/2006/ole">
             <mc:AlternateContent xmlns:mc="http://schemas.openxmlformats.org/markup-compatibility/2006">
               <mc:Choice xmlns:v="urn:schemas-microsoft-com:vml" Requires="v">
-                <p:oleObj spid="_x0000_s7171" name="think-cell Folie" r:id="rId6" imgW="624" imgH="623" progId="TCLayout.ActiveDocument.1">
+                <p:oleObj spid="_x0000_s7173" name="think-cell Folie" r:id="rId6" imgW="624" imgH="623" progId="TCLayout.ActiveDocument.1">
                   <p:embed/>
                 </p:oleObj>
               </mc:Choice>
@@ -9255,7 +9497,7 @@
           <a:graphicData uri="http://schemas.openxmlformats.org/presentationml/2006/ole">
             <mc:AlternateContent xmlns:mc="http://schemas.openxmlformats.org/markup-compatibility/2006">
               <mc:Choice xmlns:v="urn:schemas-microsoft-com:vml" Requires="v">
-                <p:oleObj spid="_x0000_s3078" name="think-cell Folie" r:id="rId6" imgW="624" imgH="623" progId="TCLayout.ActiveDocument.1">
+                <p:oleObj spid="_x0000_s3080" name="think-cell Folie" r:id="rId6" imgW="624" imgH="623" progId="TCLayout.ActiveDocument.1">
                   <p:embed/>
                 </p:oleObj>
               </mc:Choice>
@@ -9400,26 +9642,22 @@
             <a:pPr rtl="0"/>
             <a:r>
               <a:rPr lang="de-DE" b="1" dirty="0"/>
-              <a:t>F: </a:t>
-            </a:r>
-            <a:r>
-              <a:rPr lang="de-DE" dirty="0"/>
-              <a:t>Warum stellt man das </a:t>
-            </a:r>
-            <a:r>
-              <a:rPr lang="de-DE" dirty="0" err="1"/>
+              <a:t>F: Warum stellt man das </a:t>
+            </a:r>
+            <a:r>
+              <a:rPr lang="de-DE" b="1" dirty="0" err="1"/>
               <a:t>Object</a:t>
             </a:r>
             <a:r>
-              <a:rPr lang="de-DE" dirty="0"/>
+              <a:rPr lang="de-DE" b="1" dirty="0"/>
               <a:t>-File (</a:t>
             </a:r>
             <a:r>
-              <a:rPr lang="de-DE" dirty="0" err="1"/>
+              <a:rPr lang="de-DE" b="1" dirty="0" err="1"/>
               <a:t>z.B</a:t>
             </a:r>
             <a:r>
-              <a:rPr lang="de-DE" dirty="0"/>
+              <a:rPr lang="de-DE" b="1" dirty="0"/>
               <a:t> main.obj) nicht in ein Verwaltungssystem wie beispielsweise GitHub?</a:t>
             </a:r>
           </a:p>
@@ -9630,7 +9868,7 @@
           <a:graphicData uri="http://schemas.openxmlformats.org/presentationml/2006/ole">
             <mc:AlternateContent xmlns:mc="http://schemas.openxmlformats.org/markup-compatibility/2006">
               <mc:Choice xmlns:v="urn:schemas-microsoft-com:vml" Requires="v">
-                <p:oleObj spid="_x0000_s4102" name="think-cell Folie" r:id="rId6" imgW="624" imgH="623" progId="TCLayout.ActiveDocument.1">
+                <p:oleObj spid="_x0000_s4104" name="think-cell Folie" r:id="rId6" imgW="624" imgH="623" progId="TCLayout.ActiveDocument.1">
                   <p:embed/>
                 </p:oleObj>
               </mc:Choice>
@@ -9781,11 +10019,7 @@
             <a:pPr rtl="0"/>
             <a:r>
               <a:rPr lang="de-DE" b="1" dirty="0"/>
-              <a:t>F: </a:t>
-            </a:r>
-            <a:r>
-              <a:rPr lang="de-DE" dirty="0"/>
-              <a:t>Was könnte der Grund sein, dass, man das  Projekt plötzlich nicht mehr übersetzen kann)</a:t>
+              <a:t>F: Was könnte der Grund sein, dass, man das  Projekt plötzlich nicht mehr übersetzen kann)</a:t>
             </a:r>
           </a:p>
           <a:p>
@@ -9981,7 +10215,7 @@
 
 <file path=ppt/tags/tag11.xml><?xml version="1.0" encoding="utf-8"?>
 <p:tagLst xmlns:a="http://schemas.openxmlformats.org/drawingml/2006/main" xmlns:r="http://schemas.openxmlformats.org/officeDocument/2006/relationships" xmlns:p="http://schemas.openxmlformats.org/presentationml/2006/main">
-  <p:tag name="THINKCELLSHAPEDONOTDELETE" val="tqd2cb32ZQkqaKVJLtkjegQ"/>
+  <p:tag name="THINKCELLSHAPEDONOTDELETE" val="ti_m7J4YsS2KjZ3V6OXZpBQ"/>
 </p:tagLst>
 </file>
 
@@ -10004,6 +10238,30 @@
 </file>
 
 <file path=ppt/tags/tag15.xml><?xml version="1.0" encoding="utf-8"?>
+<p:tagLst xmlns:a="http://schemas.openxmlformats.org/drawingml/2006/main" xmlns:r="http://schemas.openxmlformats.org/officeDocument/2006/relationships" xmlns:p="http://schemas.openxmlformats.org/presentationml/2006/main">
+  <p:tag name="THINKCELLSHAPEDONOTDELETE" val="tqd2cb32ZQkqaKVJLtkjegQ"/>
+</p:tagLst>
+</file>
+
+<file path=ppt/tags/tag16.xml><?xml version="1.0" encoding="utf-8"?>
+<p:tagLst xmlns:a="http://schemas.openxmlformats.org/drawingml/2006/main" xmlns:r="http://schemas.openxmlformats.org/officeDocument/2006/relationships" xmlns:p="http://schemas.openxmlformats.org/presentationml/2006/main">
+  <p:tag name="THINKCELLSHAPEDONOTDELETE" val="thinkcellActiveDocDoNotDelete"/>
+</p:tagLst>
+</file>
+
+<file path=ppt/tags/tag17.xml><?xml version="1.0" encoding="utf-8"?>
+<p:tagLst xmlns:a="http://schemas.openxmlformats.org/drawingml/2006/main" xmlns:r="http://schemas.openxmlformats.org/officeDocument/2006/relationships" xmlns:p="http://schemas.openxmlformats.org/presentationml/2006/main">
+  <p:tag name="THINKCELLSHAPEDONOTDELETE" val="tqd2cb32ZQkqaKVJLtkjegQ"/>
+</p:tagLst>
+</file>
+
+<file path=ppt/tags/tag18.xml><?xml version="1.0" encoding="utf-8"?>
+<p:tagLst xmlns:a="http://schemas.openxmlformats.org/drawingml/2006/main" xmlns:r="http://schemas.openxmlformats.org/officeDocument/2006/relationships" xmlns:p="http://schemas.openxmlformats.org/presentationml/2006/main">
+  <p:tag name="THINKCELLSHAPEDONOTDELETE" val="thinkcellActiveDocDoNotDelete"/>
+</p:tagLst>
+</file>
+
+<file path=ppt/tags/tag19.xml><?xml version="1.0" encoding="utf-8"?>
 <p:tagLst xmlns:a="http://schemas.openxmlformats.org/drawingml/2006/main" xmlns:r="http://schemas.openxmlformats.org/officeDocument/2006/relationships" xmlns:p="http://schemas.openxmlformats.org/presentationml/2006/main">
   <p:tag name="THINKCELLSHAPEDONOTDELETE" val="tKWe1Bb6UQqSyzY7tkz4J2g"/>
 </p:tagLst>
@@ -10041,7 +10299,7 @@
 
 <file path=ppt/tags/tag7.xml><?xml version="1.0" encoding="utf-8"?>
 <p:tagLst xmlns:a="http://schemas.openxmlformats.org/drawingml/2006/main" xmlns:r="http://schemas.openxmlformats.org/officeDocument/2006/relationships" xmlns:p="http://schemas.openxmlformats.org/presentationml/2006/main">
-  <p:tag name="THINKCELLSHAPEDONOTDELETE" val="ti_m7J4YsS2KjZ3V6OXZpBQ"/>
+  <p:tag name="THINKCELLSHAPEDONOTDELETE" val="tFSvwoB6vQri361h8Z9IN8g"/>
 </p:tagLst>
 </file>
 
@@ -10053,7 +10311,7 @@
 
 <file path=ppt/tags/tag9.xml><?xml version="1.0" encoding="utf-8"?>
 <p:tagLst xmlns:a="http://schemas.openxmlformats.org/drawingml/2006/main" xmlns:r="http://schemas.openxmlformats.org/officeDocument/2006/relationships" xmlns:p="http://schemas.openxmlformats.org/presentationml/2006/main">
-  <p:tag name="THINKCELLSHAPEDONOTDELETE" val="tqd2cb32ZQkqaKVJLtkjegQ"/>
+  <p:tag name="THINKCELLSHAPEDONOTDELETE" val="tLjSbRRWWRhewStM98COTig"/>
 </p:tagLst>
 </file>
 
@@ -10841,12 +11099,14 @@
 </file>
 
 <file path=customXml/item1.xml><?xml version="1.0" encoding="utf-8"?>
-<?mso-contentType ?>
-<FormTemplates xmlns="http://schemas.microsoft.com/sharepoint/v3/contenttype/forms">
-  <Display>DocumentLibraryForm</Display>
-  <Edit>DocumentLibraryForm</Edit>
-  <New>DocumentLibraryForm</New>
-</FormTemplates>
+<p:properties xmlns:p="http://schemas.microsoft.com/office/2006/metadata/properties" xmlns:xsi="http://www.w3.org/2001/XMLSchema-instance" xmlns:pc="http://schemas.microsoft.com/office/infopath/2007/PartnerControls">
+  <documentManagement>
+    <VSO_x0020_item_x0020_id xmlns="40262f94-9f35-4ac3-9a90-690165a166b7" xsi:nil="true"/>
+    <Assetid_x0020_ xmlns="40262f94-9f35-4ac3-9a90-690165a166b7" xsi:nil="true"/>
+    <Item_x0020_Details xmlns="40262f94-9f35-4ac3-9a90-690165a166b7" xsi:nil="true"/>
+    <Template_x0020_details xmlns="40262f94-9f35-4ac3-9a90-690165a166b7" xsi:nil="true"/>
+  </documentManagement>
+</p:properties>
 </file>
 
 <file path=customXml/item2.xml><?xml version="1.0" encoding="utf-8"?>
@@ -11031,20 +11291,27 @@
 </file>
 
 <file path=customXml/item3.xml><?xml version="1.0" encoding="utf-8"?>
-<p:properties xmlns:p="http://schemas.microsoft.com/office/2006/metadata/properties" xmlns:xsi="http://www.w3.org/2001/XMLSchema-instance" xmlns:pc="http://schemas.microsoft.com/office/infopath/2007/PartnerControls">
-  <documentManagement>
-    <VSO_x0020_item_x0020_id xmlns="40262f94-9f35-4ac3-9a90-690165a166b7" xsi:nil="true"/>
-    <Assetid_x0020_ xmlns="40262f94-9f35-4ac3-9a90-690165a166b7" xsi:nil="true"/>
-    <Item_x0020_Details xmlns="40262f94-9f35-4ac3-9a90-690165a166b7" xsi:nil="true"/>
-    <Template_x0020_details xmlns="40262f94-9f35-4ac3-9a90-690165a166b7" xsi:nil="true"/>
-  </documentManagement>
-</p:properties>
+<?mso-contentType ?>
+<FormTemplates xmlns="http://schemas.microsoft.com/sharepoint/v3/contenttype/forms">
+  <Display>DocumentLibraryForm</Display>
+  <Edit>DocumentLibraryForm</Edit>
+  <New>DocumentLibraryForm</New>
+</FormTemplates>
 </file>
 
 <file path=customXml/itemProps1.xml><?xml version="1.0" encoding="utf-8"?>
-<ds:datastoreItem xmlns:ds="http://schemas.openxmlformats.org/officeDocument/2006/customXml" ds:itemID="{9EDF6667-B669-49A4-BBE6-2132BA71C0C7}">
+<ds:datastoreItem xmlns:ds="http://schemas.openxmlformats.org/officeDocument/2006/customXml" ds:itemID="{1DA15C6C-6BB6-4DB6-B7D6-7F14EAB2CC5C}">
   <ds:schemaRefs>
-    <ds:schemaRef ds:uri="http://schemas.microsoft.com/sharepoint/v3/contenttype/forms"/>
+    <ds:schemaRef ds:uri="http://schemas.microsoft.com/office/2006/documentManagement/types"/>
+    <ds:schemaRef ds:uri="http://schemas.openxmlformats.org/package/2006/metadata/core-properties"/>
+    <ds:schemaRef ds:uri="http://purl.org/dc/elements/1.1/"/>
+    <ds:schemaRef ds:uri="http://www.w3.org/XML/1998/namespace"/>
+    <ds:schemaRef ds:uri="40262f94-9f35-4ac3-9a90-690165a166b7"/>
+    <ds:schemaRef ds:uri="http://purl.org/dc/dcmitype/"/>
+    <ds:schemaRef ds:uri="a4f35948-e619-41b3-aa29-22878b09cfd2"/>
+    <ds:schemaRef ds:uri="http://schemas.microsoft.com/office/infopath/2007/PartnerControls"/>
+    <ds:schemaRef ds:uri="http://schemas.microsoft.com/office/2006/metadata/properties"/>
+    <ds:schemaRef ds:uri="http://purl.org/dc/terms/"/>
   </ds:schemaRefs>
 </ds:datastoreItem>
 </file>
@@ -11069,18 +11336,9 @@
 </file>
 
 <file path=customXml/itemProps3.xml><?xml version="1.0" encoding="utf-8"?>
-<ds:datastoreItem xmlns:ds="http://schemas.openxmlformats.org/officeDocument/2006/customXml" ds:itemID="{1DA15C6C-6BB6-4DB6-B7D6-7F14EAB2CC5C}">
+<ds:datastoreItem xmlns:ds="http://schemas.openxmlformats.org/officeDocument/2006/customXml" ds:itemID="{9EDF6667-B669-49A4-BBE6-2132BA71C0C7}">
   <ds:schemaRefs>
-    <ds:schemaRef ds:uri="http://schemas.microsoft.com/office/2006/documentManagement/types"/>
-    <ds:schemaRef ds:uri="http://schemas.openxmlformats.org/package/2006/metadata/core-properties"/>
-    <ds:schemaRef ds:uri="http://purl.org/dc/elements/1.1/"/>
-    <ds:schemaRef ds:uri="http://www.w3.org/XML/1998/namespace"/>
-    <ds:schemaRef ds:uri="40262f94-9f35-4ac3-9a90-690165a166b7"/>
-    <ds:schemaRef ds:uri="http://purl.org/dc/dcmitype/"/>
-    <ds:schemaRef ds:uri="a4f35948-e619-41b3-aa29-22878b09cfd2"/>
-    <ds:schemaRef ds:uri="http://schemas.microsoft.com/office/infopath/2007/PartnerControls"/>
-    <ds:schemaRef ds:uri="http://schemas.microsoft.com/office/2006/metadata/properties"/>
-    <ds:schemaRef ds:uri="http://purl.org/dc/terms/"/>
+    <ds:schemaRef ds:uri="http://schemas.microsoft.com/sharepoint/v3/contenttype/forms"/>
   </ds:schemaRefs>
 </ds:datastoreItem>
 </file>
--- a/projects/RECAP SW1 29.pptx
+++ b/projects/RECAP SW1 29.pptx
@@ -5,27 +5,29 @@
     <p:sldMasterId id="2147483648" r:id="rId4"/>
   </p:sldMasterIdLst>
   <p:notesMasterIdLst>
-    <p:notesMasterId r:id="rId15"/>
+    <p:notesMasterId r:id="rId17"/>
   </p:notesMasterIdLst>
   <p:handoutMasterIdLst>
-    <p:handoutMasterId r:id="rId16"/>
+    <p:handoutMasterId r:id="rId18"/>
   </p:handoutMasterIdLst>
   <p:sldIdLst>
     <p:sldId id="257" r:id="rId5"/>
     <p:sldId id="265" r:id="rId6"/>
-    <p:sldId id="266" r:id="rId7"/>
-    <p:sldId id="267" r:id="rId8"/>
-    <p:sldId id="268" r:id="rId9"/>
-    <p:sldId id="258" r:id="rId10"/>
-    <p:sldId id="276" r:id="rId11"/>
-    <p:sldId id="270" r:id="rId12"/>
-    <p:sldId id="275" r:id="rId13"/>
-    <p:sldId id="274" r:id="rId14"/>
+    <p:sldId id="278" r:id="rId7"/>
+    <p:sldId id="277" r:id="rId8"/>
+    <p:sldId id="266" r:id="rId9"/>
+    <p:sldId id="267" r:id="rId10"/>
+    <p:sldId id="268" r:id="rId11"/>
+    <p:sldId id="258" r:id="rId12"/>
+    <p:sldId id="276" r:id="rId13"/>
+    <p:sldId id="270" r:id="rId14"/>
+    <p:sldId id="275" r:id="rId15"/>
+    <p:sldId id="274" r:id="rId16"/>
   </p:sldIdLst>
   <p:sldSz cx="12192000" cy="6858000"/>
   <p:notesSz cx="6858000" cy="9144000"/>
   <p:custDataLst>
-    <p:tags r:id="rId17"/>
+    <p:tags r:id="rId19"/>
   </p:custDataLst>
   <p:defaultTextStyle>
     <a:defPPr rtl="0">
@@ -816,6 +818,176 @@
     </p:spTree>
     <p:extLst>
       <p:ext uri="{BB962C8B-B14F-4D97-AF65-F5344CB8AC3E}">
+        <p14:creationId xmlns:p14="http://schemas.microsoft.com/office/powerpoint/2010/main" val="399514710"/>
+      </p:ext>
+    </p:extLst>
+  </p:cSld>
+  <p:clrMapOvr>
+    <a:masterClrMapping/>
+  </p:clrMapOvr>
+</p:notes>
+</file>
+
+<file path=ppt/notesSlides/notesSlide11.xml><?xml version="1.0" encoding="utf-8"?>
+<p:notes xmlns:a="http://schemas.openxmlformats.org/drawingml/2006/main" xmlns:r="http://schemas.openxmlformats.org/officeDocument/2006/relationships" xmlns:p="http://schemas.openxmlformats.org/presentationml/2006/main">
+  <p:cSld>
+    <p:spTree>
+      <p:nvGrpSpPr>
+        <p:cNvPr id="1" name=""/>
+        <p:cNvGrpSpPr/>
+        <p:nvPr/>
+      </p:nvGrpSpPr>
+      <p:grpSpPr>
+        <a:xfrm>
+          <a:off x="0" y="0"/>
+          <a:ext cx="0" cy="0"/>
+          <a:chOff x="0" y="0"/>
+          <a:chExt cx="0" cy="0"/>
+        </a:xfrm>
+      </p:grpSpPr>
+      <p:sp>
+        <p:nvSpPr>
+          <p:cNvPr id="2" name="Folienbildplatzhalter 1"/>
+          <p:cNvSpPr>
+            <a:spLocks noGrp="1" noRot="1" noChangeAspect="1"/>
+          </p:cNvSpPr>
+          <p:nvPr>
+            <p:ph type="sldImg"/>
+          </p:nvPr>
+        </p:nvSpPr>
+        <p:spPr/>
+      </p:sp>
+      <p:sp>
+        <p:nvSpPr>
+          <p:cNvPr id="3" name="Notizenplatzhalter 2"/>
+          <p:cNvSpPr>
+            <a:spLocks noGrp="1"/>
+          </p:cNvSpPr>
+          <p:nvPr>
+            <p:ph type="body" idx="1"/>
+          </p:nvPr>
+        </p:nvSpPr>
+        <p:spPr/>
+        <p:txBody>
+          <a:bodyPr/>
+          <a:lstStyle/>
+          <a:p>
+            <a:endParaRPr lang="de-DE"/>
+          </a:p>
+        </p:txBody>
+      </p:sp>
+      <p:sp>
+        <p:nvSpPr>
+          <p:cNvPr id="4" name="Foliennummernplatzhalter 3"/>
+          <p:cNvSpPr>
+            <a:spLocks noGrp="1"/>
+          </p:cNvSpPr>
+          <p:nvPr>
+            <p:ph type="sldNum" sz="quarter" idx="10"/>
+          </p:nvPr>
+        </p:nvSpPr>
+        <p:spPr/>
+        <p:txBody>
+          <a:bodyPr/>
+          <a:lstStyle/>
+          <a:p>
+            <a:pPr rtl="0"/>
+            <a:fld id="{5534C2EF-8A97-4DAF-B099-E567883644D6}" type="slidenum">
+              <a:rPr lang="de-DE" smtClean="0"/>
+              <a:t>11</a:t>
+            </a:fld>
+            <a:endParaRPr lang="de-DE" dirty="0"/>
+          </a:p>
+        </p:txBody>
+      </p:sp>
+    </p:spTree>
+    <p:extLst>
+      <p:ext uri="{BB962C8B-B14F-4D97-AF65-F5344CB8AC3E}">
+        <p14:creationId xmlns:p14="http://schemas.microsoft.com/office/powerpoint/2010/main" val="389879566"/>
+      </p:ext>
+    </p:extLst>
+  </p:cSld>
+  <p:clrMapOvr>
+    <a:masterClrMapping/>
+  </p:clrMapOvr>
+</p:notes>
+</file>
+
+<file path=ppt/notesSlides/notesSlide12.xml><?xml version="1.0" encoding="utf-8"?>
+<p:notes xmlns:a="http://schemas.openxmlformats.org/drawingml/2006/main" xmlns:r="http://schemas.openxmlformats.org/officeDocument/2006/relationships" xmlns:p="http://schemas.openxmlformats.org/presentationml/2006/main">
+  <p:cSld>
+    <p:spTree>
+      <p:nvGrpSpPr>
+        <p:cNvPr id="1" name=""/>
+        <p:cNvGrpSpPr/>
+        <p:nvPr/>
+      </p:nvGrpSpPr>
+      <p:grpSpPr>
+        <a:xfrm>
+          <a:off x="0" y="0"/>
+          <a:ext cx="0" cy="0"/>
+          <a:chOff x="0" y="0"/>
+          <a:chExt cx="0" cy="0"/>
+        </a:xfrm>
+      </p:grpSpPr>
+      <p:sp>
+        <p:nvSpPr>
+          <p:cNvPr id="2" name="Folienbildplatzhalter 1"/>
+          <p:cNvSpPr>
+            <a:spLocks noGrp="1" noRot="1" noChangeAspect="1"/>
+          </p:cNvSpPr>
+          <p:nvPr>
+            <p:ph type="sldImg"/>
+          </p:nvPr>
+        </p:nvSpPr>
+        <p:spPr/>
+      </p:sp>
+      <p:sp>
+        <p:nvSpPr>
+          <p:cNvPr id="3" name="Notizenplatzhalter 2"/>
+          <p:cNvSpPr>
+            <a:spLocks noGrp="1"/>
+          </p:cNvSpPr>
+          <p:nvPr>
+            <p:ph type="body" idx="1"/>
+          </p:nvPr>
+        </p:nvSpPr>
+        <p:spPr/>
+        <p:txBody>
+          <a:bodyPr/>
+          <a:lstStyle/>
+          <a:p>
+            <a:endParaRPr lang="de-DE"/>
+          </a:p>
+        </p:txBody>
+      </p:sp>
+      <p:sp>
+        <p:nvSpPr>
+          <p:cNvPr id="4" name="Foliennummernplatzhalter 3"/>
+          <p:cNvSpPr>
+            <a:spLocks noGrp="1"/>
+          </p:cNvSpPr>
+          <p:nvPr>
+            <p:ph type="sldNum" sz="quarter" idx="10"/>
+          </p:nvPr>
+        </p:nvSpPr>
+        <p:spPr/>
+        <p:txBody>
+          <a:bodyPr/>
+          <a:lstStyle/>
+          <a:p>
+            <a:pPr rtl="0"/>
+            <a:fld id="{5534C2EF-8A97-4DAF-B099-E567883644D6}" type="slidenum">
+              <a:rPr lang="de-DE" smtClean="0"/>
+              <a:t>12</a:t>
+            </a:fld>
+            <a:endParaRPr lang="de-DE" dirty="0"/>
+          </a:p>
+        </p:txBody>
+      </p:sp>
+    </p:spTree>
+    <p:extLst>
+      <p:ext uri="{BB962C8B-B14F-4D97-AF65-F5344CB8AC3E}">
         <p14:creationId xmlns:p14="http://schemas.microsoft.com/office/powerpoint/2010/main" val="1230453072"/>
       </p:ext>
     </p:extLst>
@@ -994,7 +1166,7 @@
     </p:spTree>
     <p:extLst>
       <p:ext uri="{BB962C8B-B14F-4D97-AF65-F5344CB8AC3E}">
-        <p14:creationId xmlns:p14="http://schemas.microsoft.com/office/powerpoint/2010/main" val="3727004212"/>
+        <p14:creationId xmlns:p14="http://schemas.microsoft.com/office/powerpoint/2010/main" val="4144821991"/>
       </p:ext>
     </p:extLst>
   </p:cSld>
@@ -1045,14 +1217,10 @@
         </p:nvSpPr>
         <p:spPr/>
         <p:txBody>
-          <a:bodyPr rtlCol="0"/>
+          <a:bodyPr/>
           <a:lstStyle/>
           <a:p>
-            <a:pPr rtl="0"/>
-            <a:r>
-              <a:rPr lang="de-DE" dirty="0"/>
-              <a:t>NOTIZ: Wenn Sie Bilder auf dieser Folie ändern möchten, wählen Sie sie aus, und löschen Sie sie. Klicken Sie anschließend auf das Symbol "Bild einfügen" im Platzhalter, um Ihr eigenes Bild einzufügen.</a:t>
-            </a:r>
+            <a:endParaRPr lang="de-DE"/>
           </a:p>
         </p:txBody>
       </p:sp>
@@ -1068,7 +1236,7 @@
         </p:nvSpPr>
         <p:spPr/>
         <p:txBody>
-          <a:bodyPr rtlCol="0"/>
+          <a:bodyPr/>
           <a:lstStyle/>
           <a:p>
             <a:pPr rtl="0"/>
@@ -1083,7 +1251,7 @@
     </p:spTree>
     <p:extLst>
       <p:ext uri="{BB962C8B-B14F-4D97-AF65-F5344CB8AC3E}">
-        <p14:creationId xmlns:p14="http://schemas.microsoft.com/office/powerpoint/2010/main" val="2235521194"/>
+        <p14:creationId xmlns:p14="http://schemas.microsoft.com/office/powerpoint/2010/main" val="3402996731"/>
       </p:ext>
     </p:extLst>
   </p:cSld>
@@ -1172,7 +1340,7 @@
     </p:spTree>
     <p:extLst>
       <p:ext uri="{BB962C8B-B14F-4D97-AF65-F5344CB8AC3E}">
-        <p14:creationId xmlns:p14="http://schemas.microsoft.com/office/powerpoint/2010/main" val="553265586"/>
+        <p14:creationId xmlns:p14="http://schemas.microsoft.com/office/powerpoint/2010/main" val="3727004212"/>
       </p:ext>
     </p:extLst>
   </p:cSld>
@@ -1223,10 +1391,14 @@
         </p:nvSpPr>
         <p:spPr/>
         <p:txBody>
-          <a:bodyPr/>
+          <a:bodyPr rtlCol="0"/>
           <a:lstStyle/>
           <a:p>
-            <a:endParaRPr lang="de-DE"/>
+            <a:pPr rtl="0"/>
+            <a:r>
+              <a:rPr lang="de-DE" dirty="0"/>
+              <a:t>NOTIZ: Wenn Sie Bilder auf dieser Folie ändern möchten, wählen Sie sie aus, und löschen Sie sie. Klicken Sie anschließend auf das Symbol "Bild einfügen" im Platzhalter, um Ihr eigenes Bild einzufügen.</a:t>
+            </a:r>
           </a:p>
         </p:txBody>
       </p:sp>
@@ -1242,7 +1414,7 @@
         </p:nvSpPr>
         <p:spPr/>
         <p:txBody>
-          <a:bodyPr/>
+          <a:bodyPr rtlCol="0"/>
           <a:lstStyle/>
           <a:p>
             <a:pPr rtl="0"/>
@@ -1257,7 +1429,7 @@
     </p:spTree>
     <p:extLst>
       <p:ext uri="{BB962C8B-B14F-4D97-AF65-F5344CB8AC3E}">
-        <p14:creationId xmlns:p14="http://schemas.microsoft.com/office/powerpoint/2010/main" val="4097601951"/>
+        <p14:creationId xmlns:p14="http://schemas.microsoft.com/office/powerpoint/2010/main" val="2235521194"/>
       </p:ext>
     </p:extLst>
   </p:cSld>
@@ -1308,10 +1480,14 @@
         </p:nvSpPr>
         <p:spPr/>
         <p:txBody>
-          <a:bodyPr/>
+          <a:bodyPr rtlCol="0"/>
           <a:lstStyle/>
           <a:p>
-            <a:endParaRPr lang="de-DE"/>
+            <a:pPr rtl="0"/>
+            <a:r>
+              <a:rPr lang="de-DE" dirty="0"/>
+              <a:t>NOTIZ: Wenn Sie Bilder auf dieser Folie ändern möchten, wählen Sie sie aus, und löschen Sie sie. Klicken Sie anschließend auf das Symbol "Bild einfügen" im Platzhalter, um Ihr eigenes Bild einzufügen.</a:t>
+            </a:r>
           </a:p>
         </p:txBody>
       </p:sp>
@@ -1327,7 +1503,7 @@
         </p:nvSpPr>
         <p:spPr/>
         <p:txBody>
-          <a:bodyPr/>
+          <a:bodyPr rtlCol="0"/>
           <a:lstStyle/>
           <a:p>
             <a:pPr rtl="0"/>
@@ -1342,7 +1518,7 @@
     </p:spTree>
     <p:extLst>
       <p:ext uri="{BB962C8B-B14F-4D97-AF65-F5344CB8AC3E}">
-        <p14:creationId xmlns:p14="http://schemas.microsoft.com/office/powerpoint/2010/main" val="3737963847"/>
+        <p14:creationId xmlns:p14="http://schemas.microsoft.com/office/powerpoint/2010/main" val="553265586"/>
       </p:ext>
     </p:extLst>
   </p:cSld>
@@ -1427,7 +1603,7 @@
     </p:spTree>
     <p:extLst>
       <p:ext uri="{BB962C8B-B14F-4D97-AF65-F5344CB8AC3E}">
-        <p14:creationId xmlns:p14="http://schemas.microsoft.com/office/powerpoint/2010/main" val="399514710"/>
+        <p14:creationId xmlns:p14="http://schemas.microsoft.com/office/powerpoint/2010/main" val="4097601951"/>
       </p:ext>
     </p:extLst>
   </p:cSld>
@@ -1512,7 +1688,7 @@
     </p:spTree>
     <p:extLst>
       <p:ext uri="{BB962C8B-B14F-4D97-AF65-F5344CB8AC3E}">
-        <p14:creationId xmlns:p14="http://schemas.microsoft.com/office/powerpoint/2010/main" val="389879566"/>
+        <p14:creationId xmlns:p14="http://schemas.microsoft.com/office/powerpoint/2010/main" val="3737963847"/>
       </p:ext>
     </p:extLst>
   </p:cSld>
@@ -7510,7 +7686,7 @@
           <a:graphicData uri="http://schemas.openxmlformats.org/presentationml/2006/ole">
             <mc:AlternateContent xmlns:mc="http://schemas.openxmlformats.org/markup-compatibility/2006">
               <mc:Choice xmlns:v="urn:schemas-microsoft-com:vml" Requires="v">
-                <p:oleObj spid="_x0000_s1030" name="think-cell Folie" r:id="rId6" imgW="624" imgH="623" progId="TCLayout.ActiveDocument.1">
+                <p:oleObj spid="_x0000_s1032" name="think-cell Folie" r:id="rId6" imgW="624" imgH="623" progId="TCLayout.ActiveDocument.1">
                   <p:embed/>
                 </p:oleObj>
               </mc:Choice>
@@ -7712,7 +7888,7 @@
           <p:cNvPr id="5" name="Objekt 4" hidden="1">
             <a:extLst>
               <a:ext uri="{FF2B5EF4-FFF2-40B4-BE49-F238E27FC236}">
-                <a16:creationId xmlns:a16="http://schemas.microsoft.com/office/drawing/2014/main" id="{A4C4BE58-6BB5-44D3-8E51-6D22570DA483}"/>
+                <a16:creationId xmlns:a16="http://schemas.microsoft.com/office/drawing/2014/main" id="{B98CE904-E53C-4803-82DC-1758881BF8AA}"/>
               </a:ext>
             </a:extLst>
           </p:cNvPr>
@@ -7725,7 +7901,7 @@
             </p:custDataLst>
             <p:extLst>
               <p:ext uri="{D42A27DB-BD31-4B8C-83A1-F6EECF244321}">
-                <p14:modId xmlns:p14="http://schemas.microsoft.com/office/powerpoint/2010/main" val="3036564040"/>
+                <p14:modId xmlns:p14="http://schemas.microsoft.com/office/powerpoint/2010/main" val="1433998511"/>
               </p:ext>
             </p:extLst>
           </p:nvPr>
@@ -7738,1524 +7914,7 @@
           <a:graphicData uri="http://schemas.openxmlformats.org/presentationml/2006/ole">
             <mc:AlternateContent xmlns:mc="http://schemas.openxmlformats.org/markup-compatibility/2006">
               <mc:Choice xmlns:v="urn:schemas-microsoft-com:vml" Requires="v">
-                <p:oleObj spid="_x0000_s8195" name="think-cell Folie" r:id="rId6" imgW="624" imgH="623" progId="TCLayout.ActiveDocument.1">
-                  <p:embed/>
-                </p:oleObj>
-              </mc:Choice>
-              <mc:Fallback>
-                <p:oleObj name="think-cell Folie" r:id="rId6" imgW="624" imgH="623" progId="TCLayout.ActiveDocument.1">
-                  <p:embed/>
-                  <p:pic>
-                    <p:nvPicPr>
-                      <p:cNvPr id="0" name=""/>
-                      <p:cNvPicPr/>
-                      <p:nvPr/>
-                    </p:nvPicPr>
-                    <p:blipFill>
-                      <a:blip r:embed="rId7"/>
-                      <a:stretch>
-                        <a:fillRect/>
-                      </a:stretch>
-                    </p:blipFill>
-                    <p:spPr>
-                      <a:xfrm>
-                        <a:off x="1588" y="1588"/>
-                        <a:ext cx="1588" cy="1588"/>
-                      </a:xfrm>
-                      <a:prstGeom prst="rect">
-                        <a:avLst/>
-                      </a:prstGeom>
-                    </p:spPr>
-                  </p:pic>
-                </p:oleObj>
-              </mc:Fallback>
-            </mc:AlternateContent>
-          </a:graphicData>
-        </a:graphic>
-      </p:graphicFrame>
-      <p:sp>
-        <p:nvSpPr>
-          <p:cNvPr id="6" name="Rechteck 5" hidden="1">
-            <a:extLst>
-              <a:ext uri="{FF2B5EF4-FFF2-40B4-BE49-F238E27FC236}">
-                <a16:creationId xmlns:a16="http://schemas.microsoft.com/office/drawing/2014/main" id="{708AD227-9621-4FA2-A70B-62306FAC6EC9}"/>
-              </a:ext>
-            </a:extLst>
-          </p:cNvPr>
-          <p:cNvSpPr/>
-          <p:nvPr>
-            <p:custDataLst>
-              <p:tags r:id="rId3"/>
-            </p:custDataLst>
-          </p:nvPr>
-        </p:nvSpPr>
-        <p:spPr>
-          <a:xfrm>
-            <a:off x="0" y="0"/>
-            <a:ext cx="158750" cy="158750"/>
-          </a:xfrm>
-          <a:prstGeom prst="rect">
-            <a:avLst/>
-          </a:prstGeom>
-        </p:spPr>
-        <p:style>
-          <a:lnRef idx="2">
-            <a:schemeClr val="accent1">
-              <a:shade val="50000"/>
-            </a:schemeClr>
-          </a:lnRef>
-          <a:fillRef idx="1">
-            <a:schemeClr val="accent1"/>
-          </a:fillRef>
-          <a:effectRef idx="0">
-            <a:schemeClr val="accent1"/>
-          </a:effectRef>
-          <a:fontRef idx="minor">
-            <a:schemeClr val="lt1"/>
-          </a:fontRef>
-        </p:style>
-        <p:txBody>
-          <a:bodyPr vert="horz" wrap="none" lIns="0" tIns="0" rIns="0" bIns="0" numCol="1" spcCol="0" rtlCol="0" anchor="ctr" anchorCtr="0">
-            <a:noAutofit/>
-          </a:bodyPr>
-          <a:lstStyle/>
-          <a:p>
-            <a:pPr algn="ctr">
-              <a:lnSpc>
-                <a:spcPct val="90000"/>
-              </a:lnSpc>
-              <a:spcBef>
-                <a:spcPct val="0"/>
-              </a:spcBef>
-              <a:spcAft>
-                <a:spcPct val="0"/>
-              </a:spcAft>
-            </a:pPr>
-            <a:endParaRPr lang="de-DE" sz="3200" dirty="0">
-              <a:latin typeface="Times New Roman" panose="02020603050405020304" pitchFamily="18" charset="0"/>
-              <a:ea typeface="+mj-ea"/>
-              <a:cs typeface="+mj-cs"/>
-              <a:sym typeface="Times New Roman" panose="02020603050405020304" pitchFamily="18" charset="0"/>
-            </a:endParaRPr>
-          </a:p>
-        </p:txBody>
-      </p:sp>
-      <p:sp>
-        <p:nvSpPr>
-          <p:cNvPr id="2" name="Titel 1"/>
-          <p:cNvSpPr>
-            <a:spLocks noGrp="1"/>
-          </p:cNvSpPr>
-          <p:nvPr>
-            <p:ph type="title"/>
-          </p:nvPr>
-        </p:nvSpPr>
-        <p:spPr>
-          <a:xfrm>
-            <a:off x="3071664" y="2636912"/>
-            <a:ext cx="5688632" cy="1082674"/>
-          </a:xfrm>
-        </p:spPr>
-        <p:txBody>
-          <a:bodyPr rtlCol="0"/>
-          <a:lstStyle/>
-          <a:p>
-            <a:pPr rtl="0"/>
-            <a:r>
-              <a:rPr lang="de-DE" dirty="0"/>
-              <a:t>Sind noch Fragen aufgetaucht?</a:t>
-            </a:r>
-          </a:p>
-        </p:txBody>
-      </p:sp>
-    </p:spTree>
-    <p:extLst>
-      <p:ext uri="{BB962C8B-B14F-4D97-AF65-F5344CB8AC3E}">
-        <p14:creationId xmlns:p14="http://schemas.microsoft.com/office/powerpoint/2010/main" val="3032947896"/>
-      </p:ext>
-    </p:extLst>
-  </p:cSld>
-  <p:clrMapOvr>
-    <a:masterClrMapping/>
-  </p:clrMapOvr>
-  <mc:AlternateContent xmlns:mc="http://schemas.openxmlformats.org/markup-compatibility/2006" xmlns:p14="http://schemas.microsoft.com/office/powerpoint/2010/main">
-    <mc:Choice Requires="p14">
-      <p:transition spd="med" p14:dur="700">
-        <p:fade/>
-      </p:transition>
-    </mc:Choice>
-    <mc:Fallback xmlns="">
-      <p:transition spd="med">
-        <p:fade/>
-      </p:transition>
-    </mc:Fallback>
-  </mc:AlternateContent>
-</p:sld>
-</file>
-
-<file path=ppt/slides/slide2.xml><?xml version="1.0" encoding="utf-8"?>
-<p:sld xmlns:a="http://schemas.openxmlformats.org/drawingml/2006/main" xmlns:r="http://schemas.openxmlformats.org/officeDocument/2006/relationships" xmlns:p="http://schemas.openxmlformats.org/presentationml/2006/main">
-  <p:cSld>
-    <p:spTree>
-      <p:nvGrpSpPr>
-        <p:cNvPr id="1" name=""/>
-        <p:cNvGrpSpPr/>
-        <p:nvPr/>
-      </p:nvGrpSpPr>
-      <p:grpSpPr>
-        <a:xfrm>
-          <a:off x="0" y="0"/>
-          <a:ext cx="0" cy="0"/>
-          <a:chOff x="0" y="0"/>
-          <a:chExt cx="0" cy="0"/>
-        </a:xfrm>
-      </p:grpSpPr>
-      <p:graphicFrame>
-        <p:nvGraphicFramePr>
-          <p:cNvPr id="7" name="Objekt 6" hidden="1">
-            <a:extLst>
-              <a:ext uri="{FF2B5EF4-FFF2-40B4-BE49-F238E27FC236}">
-                <a16:creationId xmlns:a16="http://schemas.microsoft.com/office/drawing/2014/main" id="{79F15764-8645-417C-A8F5-F40DDE03DEA9}"/>
-              </a:ext>
-            </a:extLst>
-          </p:cNvPr>
-          <p:cNvGraphicFramePr>
-            <a:graphicFrameLocks noChangeAspect="1"/>
-          </p:cNvGraphicFramePr>
-          <p:nvPr>
-            <p:custDataLst>
-              <p:tags r:id="rId2"/>
-            </p:custDataLst>
-            <p:extLst>
-              <p:ext uri="{D42A27DB-BD31-4B8C-83A1-F6EECF244321}">
-                <p14:modId xmlns:p14="http://schemas.microsoft.com/office/powerpoint/2010/main" val="2907686186"/>
-              </p:ext>
-            </p:extLst>
-          </p:nvPr>
-        </p:nvGraphicFramePr>
-        <p:xfrm>
-          <a:off x="1588" y="1588"/>
-          <a:ext cx="1588" cy="1588"/>
-        </p:xfrm>
-        <a:graphic>
-          <a:graphicData uri="http://schemas.openxmlformats.org/presentationml/2006/ole">
-            <mc:AlternateContent xmlns:mc="http://schemas.openxmlformats.org/markup-compatibility/2006">
-              <mc:Choice xmlns:v="urn:schemas-microsoft-com:vml" Requires="v">
-                <p:oleObj spid="_x0000_s5123" name="think-cell Folie" r:id="rId6" imgW="624" imgH="623" progId="TCLayout.ActiveDocument.1">
-                  <p:embed/>
-                </p:oleObj>
-              </mc:Choice>
-              <mc:Fallback>
-                <p:oleObj name="think-cell Folie" r:id="rId6" imgW="624" imgH="623" progId="TCLayout.ActiveDocument.1">
-                  <p:embed/>
-                  <p:pic>
-                    <p:nvPicPr>
-                      <p:cNvPr id="0" name=""/>
-                      <p:cNvPicPr/>
-                      <p:nvPr/>
-                    </p:nvPicPr>
-                    <p:blipFill>
-                      <a:blip r:embed="rId7"/>
-                      <a:stretch>
-                        <a:fillRect/>
-                      </a:stretch>
-                    </p:blipFill>
-                    <p:spPr>
-                      <a:xfrm>
-                        <a:off x="1588" y="1588"/>
-                        <a:ext cx="1588" cy="1588"/>
-                      </a:xfrm>
-                      <a:prstGeom prst="rect">
-                        <a:avLst/>
-                      </a:prstGeom>
-                    </p:spPr>
-                  </p:pic>
-                </p:oleObj>
-              </mc:Fallback>
-            </mc:AlternateContent>
-          </a:graphicData>
-        </a:graphic>
-      </p:graphicFrame>
-      <p:sp>
-        <p:nvSpPr>
-          <p:cNvPr id="6" name="Rechteck 5" hidden="1">
-            <a:extLst>
-              <a:ext uri="{FF2B5EF4-FFF2-40B4-BE49-F238E27FC236}">
-                <a16:creationId xmlns:a16="http://schemas.microsoft.com/office/drawing/2014/main" id="{12D0C613-B704-4D25-B7C9-BE88395369A9}"/>
-              </a:ext>
-            </a:extLst>
-          </p:cNvPr>
-          <p:cNvSpPr/>
-          <p:nvPr>
-            <p:custDataLst>
-              <p:tags r:id="rId3"/>
-            </p:custDataLst>
-          </p:nvPr>
-        </p:nvSpPr>
-        <p:spPr>
-          <a:xfrm>
-            <a:off x="0" y="0"/>
-            <a:ext cx="158750" cy="158750"/>
-          </a:xfrm>
-          <a:prstGeom prst="rect">
-            <a:avLst/>
-          </a:prstGeom>
-        </p:spPr>
-        <p:style>
-          <a:lnRef idx="2">
-            <a:schemeClr val="accent1">
-              <a:shade val="50000"/>
-            </a:schemeClr>
-          </a:lnRef>
-          <a:fillRef idx="1">
-            <a:schemeClr val="accent1"/>
-          </a:fillRef>
-          <a:effectRef idx="0">
-            <a:schemeClr val="accent1"/>
-          </a:effectRef>
-          <a:fontRef idx="minor">
-            <a:schemeClr val="lt1"/>
-          </a:fontRef>
-        </p:style>
-        <p:txBody>
-          <a:bodyPr vert="horz" wrap="none" lIns="0" tIns="0" rIns="0" bIns="0" numCol="1" spcCol="0" rtlCol="0" anchor="ctr" anchorCtr="0">
-            <a:noAutofit/>
-          </a:bodyPr>
-          <a:lstStyle/>
-          <a:p>
-            <a:pPr algn="ctr">
-              <a:lnSpc>
-                <a:spcPct val="90000"/>
-              </a:lnSpc>
-              <a:spcBef>
-                <a:spcPct val="0"/>
-              </a:spcBef>
-              <a:spcAft>
-                <a:spcPct val="0"/>
-              </a:spcAft>
-            </a:pPr>
-            <a:endParaRPr lang="de-DE" sz="3200" dirty="0">
-              <a:latin typeface="Times New Roman" panose="02020603050405020304" pitchFamily="18" charset="0"/>
-              <a:ea typeface="+mj-ea"/>
-              <a:cs typeface="+mj-cs"/>
-              <a:sym typeface="Times New Roman" panose="02020603050405020304" pitchFamily="18" charset="0"/>
-            </a:endParaRPr>
-          </a:p>
-        </p:txBody>
-      </p:sp>
-      <p:sp>
-        <p:nvSpPr>
-          <p:cNvPr id="2" name="Titel 1"/>
-          <p:cNvSpPr>
-            <a:spLocks noGrp="1"/>
-          </p:cNvSpPr>
-          <p:nvPr>
-            <p:ph type="title"/>
-          </p:nvPr>
-        </p:nvSpPr>
-        <p:spPr/>
-        <p:txBody>
-          <a:bodyPr rtlCol="0"/>
-          <a:lstStyle/>
-          <a:p>
-            <a:pPr rtl="0"/>
-            <a:r>
-              <a:rPr lang="de-DE" dirty="0"/>
-              <a:t>VCS – Version Control Systems</a:t>
-            </a:r>
-          </a:p>
-        </p:txBody>
-      </p:sp>
-      <p:sp>
-        <p:nvSpPr>
-          <p:cNvPr id="3" name="Textplatzhalter 2"/>
-          <p:cNvSpPr>
-            <a:spLocks noGrp="1"/>
-          </p:cNvSpPr>
-          <p:nvPr>
-            <p:ph type="body" sz="half" idx="2"/>
-          </p:nvPr>
-        </p:nvSpPr>
-        <p:spPr>
-          <a:xfrm>
-            <a:off x="7010400" y="1628800"/>
-            <a:ext cx="3657600" cy="2811755"/>
-          </a:xfrm>
-        </p:spPr>
-        <p:txBody>
-          <a:bodyPr rtlCol="0"/>
-          <a:lstStyle/>
-          <a:p>
-            <a:pPr rtl="0"/>
-            <a:endParaRPr lang="de-DE" dirty="0"/>
-          </a:p>
-        </p:txBody>
-      </p:sp>
-      <p:pic>
-        <p:nvPicPr>
-          <p:cNvPr id="12" name="Grafik 11">
-            <a:extLst>
-              <a:ext uri="{FF2B5EF4-FFF2-40B4-BE49-F238E27FC236}">
-                <a16:creationId xmlns:a16="http://schemas.microsoft.com/office/drawing/2014/main" id="{395D1116-7DB5-45A6-9A95-8469FF770712}"/>
-              </a:ext>
-            </a:extLst>
-          </p:cNvPr>
-          <p:cNvPicPr>
-            <a:picLocks noChangeAspect="1"/>
-          </p:cNvPicPr>
-          <p:nvPr/>
-        </p:nvPicPr>
-        <p:blipFill>
-          <a:blip r:embed="rId8"/>
-          <a:stretch>
-            <a:fillRect/>
-          </a:stretch>
-        </p:blipFill>
-        <p:spPr>
-          <a:xfrm>
-            <a:off x="1271464" y="2636912"/>
-            <a:ext cx="4580852" cy="1593156"/>
-          </a:xfrm>
-          <a:prstGeom prst="rect">
-            <a:avLst/>
-          </a:prstGeom>
-        </p:spPr>
-      </p:pic>
-    </p:spTree>
-    <p:extLst>
-      <p:ext uri="{BB962C8B-B14F-4D97-AF65-F5344CB8AC3E}">
-        <p14:creationId xmlns:p14="http://schemas.microsoft.com/office/powerpoint/2010/main" val="2333893970"/>
-      </p:ext>
-    </p:extLst>
-  </p:cSld>
-  <p:clrMapOvr>
-    <a:masterClrMapping/>
-  </p:clrMapOvr>
-  <mc:AlternateContent xmlns:mc="http://schemas.openxmlformats.org/markup-compatibility/2006" xmlns:p14="http://schemas.microsoft.com/office/powerpoint/2010/main">
-    <mc:Choice Requires="p14">
-      <p:transition spd="med" p14:dur="700">
-        <p:fade/>
-      </p:transition>
-    </mc:Choice>
-    <mc:Fallback xmlns="">
-      <p:transition spd="med">
-        <p:fade/>
-      </p:transition>
-    </mc:Fallback>
-  </mc:AlternateContent>
-</p:sld>
-</file>
-
-<file path=ppt/slides/slide3.xml><?xml version="1.0" encoding="utf-8"?>
-<p:sld xmlns:a="http://schemas.openxmlformats.org/drawingml/2006/main" xmlns:r="http://schemas.openxmlformats.org/officeDocument/2006/relationships" xmlns:p="http://schemas.openxmlformats.org/presentationml/2006/main">
-  <p:cSld>
-    <p:spTree>
-      <p:nvGrpSpPr>
-        <p:cNvPr id="1" name=""/>
-        <p:cNvGrpSpPr/>
-        <p:nvPr/>
-      </p:nvGrpSpPr>
-      <p:grpSpPr>
-        <a:xfrm>
-          <a:off x="0" y="0"/>
-          <a:ext cx="0" cy="0"/>
-          <a:chOff x="0" y="0"/>
-          <a:chExt cx="0" cy="0"/>
-        </a:xfrm>
-      </p:grpSpPr>
-      <p:sp>
-        <p:nvSpPr>
-          <p:cNvPr id="11" name="Titel 10"/>
-          <p:cNvSpPr>
-            <a:spLocks noGrp="1"/>
-          </p:cNvSpPr>
-          <p:nvPr>
-            <p:ph type="title"/>
-          </p:nvPr>
-        </p:nvSpPr>
-        <p:spPr/>
-        <p:txBody>
-          <a:bodyPr rtlCol="0"/>
-          <a:lstStyle/>
-          <a:p>
-            <a:pPr rtl="0"/>
-            <a:r>
-              <a:rPr lang="de-DE" dirty="0"/>
-              <a:t>Zwei Bilder mit Beschriftungen</a:t>
-            </a:r>
-          </a:p>
-        </p:txBody>
-      </p:sp>
-      <p:pic>
-        <p:nvPicPr>
-          <p:cNvPr id="6" name="Bildplatzhalter 5" descr="Mädchen mit einer Eiswaffel"/>
-          <p:cNvPicPr>
-            <a:picLocks noGrp="1" noChangeAspect="1"/>
-          </p:cNvPicPr>
-          <p:nvPr>
-            <p:ph type="pic" sz="quarter" idx="13"/>
-          </p:nvPr>
-        </p:nvPicPr>
-        <p:blipFill rotWithShape="1">
-          <a:blip r:embed="rId3" cstate="print">
-            <a:extLst>
-              <a:ext uri="{28A0092B-C50C-407E-A947-70E740481C1C}">
-                <a14:useLocalDpi xmlns:a14="http://schemas.microsoft.com/office/drawing/2010/main" val="0"/>
-              </a:ext>
-            </a:extLst>
-          </a:blip>
-          <a:srcRect l="165" r="165"/>
-          <a:stretch/>
-        </p:blipFill>
-        <p:spPr/>
-      </p:pic>
-      <p:sp>
-        <p:nvSpPr>
-          <p:cNvPr id="4" name="Textplatzhalter 3"/>
-          <p:cNvSpPr>
-            <a:spLocks noGrp="1"/>
-          </p:cNvSpPr>
-          <p:nvPr>
-            <p:ph type="body" sz="quarter" idx="14"/>
-          </p:nvPr>
-        </p:nvSpPr>
-        <p:spPr/>
-        <p:txBody>
-          <a:bodyPr rtlCol="0"/>
-          <a:lstStyle/>
-          <a:p>
-            <a:pPr rtl="0"/>
-            <a:r>
-              <a:rPr lang="de-DE" dirty="0"/>
-              <a:t>Beschriftung</a:t>
-            </a:r>
-          </a:p>
-        </p:txBody>
-      </p:sp>
-      <p:pic>
-        <p:nvPicPr>
-          <p:cNvPr id="3" name="Bildplatzhalter 2" descr="Fliegende Ballons vor Wolken"/>
-          <p:cNvPicPr>
-            <a:picLocks noGrp="1" noChangeAspect="1"/>
-          </p:cNvPicPr>
-          <p:nvPr>
-            <p:ph type="pic" sz="quarter" idx="15"/>
-          </p:nvPr>
-        </p:nvPicPr>
-        <p:blipFill>
-          <a:blip r:embed="rId4" cstate="print">
-            <a:extLst>
-              <a:ext uri="{28A0092B-C50C-407E-A947-70E740481C1C}">
-                <a14:useLocalDpi xmlns:a14="http://schemas.microsoft.com/office/drawing/2010/main" val="0"/>
-              </a:ext>
-            </a:extLst>
-          </a:blip>
-          <a:srcRect l="1502" r="1502"/>
-          <a:stretch>
-            <a:fillRect/>
-          </a:stretch>
-        </p:blipFill>
-        <p:spPr/>
-      </p:pic>
-      <p:sp>
-        <p:nvSpPr>
-          <p:cNvPr id="5" name="Textplatzhalter 4"/>
-          <p:cNvSpPr>
-            <a:spLocks noGrp="1"/>
-          </p:cNvSpPr>
-          <p:nvPr>
-            <p:ph type="body" sz="quarter" idx="16"/>
-          </p:nvPr>
-        </p:nvSpPr>
-        <p:spPr/>
-        <p:txBody>
-          <a:bodyPr rtlCol="0"/>
-          <a:lstStyle/>
-          <a:p>
-            <a:pPr rtl="0"/>
-            <a:r>
-              <a:rPr lang="de-DE" dirty="0"/>
-              <a:t>Beschriftung</a:t>
-            </a:r>
-          </a:p>
-        </p:txBody>
-      </p:sp>
-    </p:spTree>
-    <p:extLst>
-      <p:ext uri="{BB962C8B-B14F-4D97-AF65-F5344CB8AC3E}">
-        <p14:creationId xmlns:p14="http://schemas.microsoft.com/office/powerpoint/2010/main" val="3864440091"/>
-      </p:ext>
-    </p:extLst>
-  </p:cSld>
-  <p:clrMapOvr>
-    <a:masterClrMapping/>
-  </p:clrMapOvr>
-  <mc:AlternateContent xmlns:mc="http://schemas.openxmlformats.org/markup-compatibility/2006" xmlns:p14="http://schemas.microsoft.com/office/powerpoint/2010/main">
-    <mc:Choice Requires="p14">
-      <p:transition spd="med" p14:dur="700">
-        <p:fade/>
-      </p:transition>
-    </mc:Choice>
-    <mc:Fallback xmlns="">
-      <p:transition spd="med">
-        <p:fade/>
-      </p:transition>
-    </mc:Fallback>
-  </mc:AlternateContent>
-</p:sld>
-</file>
-
-<file path=ppt/slides/slide4.xml><?xml version="1.0" encoding="utf-8"?>
-<p:sld xmlns:a="http://schemas.openxmlformats.org/drawingml/2006/main" xmlns:r="http://schemas.openxmlformats.org/officeDocument/2006/relationships" xmlns:p="http://schemas.openxmlformats.org/presentationml/2006/main">
-  <p:cSld>
-    <p:spTree>
-      <p:nvGrpSpPr>
-        <p:cNvPr id="1" name=""/>
-        <p:cNvGrpSpPr/>
-        <p:nvPr/>
-      </p:nvGrpSpPr>
-      <p:grpSpPr>
-        <a:xfrm>
-          <a:off x="0" y="0"/>
-          <a:ext cx="0" cy="0"/>
-          <a:chOff x="0" y="0"/>
-          <a:chExt cx="0" cy="0"/>
-        </a:xfrm>
-      </p:grpSpPr>
-      <p:sp>
-        <p:nvSpPr>
-          <p:cNvPr id="6" name="Titel 5"/>
-          <p:cNvSpPr>
-            <a:spLocks noGrp="1"/>
-          </p:cNvSpPr>
-          <p:nvPr>
-            <p:ph type="title"/>
-          </p:nvPr>
-        </p:nvSpPr>
-        <p:spPr/>
-        <p:txBody>
-          <a:bodyPr rtlCol="0"/>
-          <a:lstStyle/>
-          <a:p>
-            <a:pPr rtl="0"/>
-            <a:r>
-              <a:rPr lang="de-DE" dirty="0"/>
-              <a:t>Drei Bilder mit Beschriftung</a:t>
-            </a:r>
-          </a:p>
-        </p:txBody>
-      </p:sp>
-      <p:pic>
-        <p:nvPicPr>
-          <p:cNvPr id="7" name="Bildplatzhalter 6" descr="Gelber Labrador-Retriever in einem Fluss"/>
-          <p:cNvPicPr>
-            <a:picLocks noGrp="1" noChangeAspect="1"/>
-          </p:cNvPicPr>
-          <p:nvPr>
-            <p:ph type="pic" sz="quarter" idx="13"/>
-          </p:nvPr>
-        </p:nvPicPr>
-        <p:blipFill rotWithShape="1">
-          <a:blip r:embed="rId3" cstate="print">
-            <a:extLst>
-              <a:ext uri="{28A0092B-C50C-407E-A947-70E740481C1C}">
-                <a14:useLocalDpi xmlns:a14="http://schemas.microsoft.com/office/drawing/2010/main" val="0"/>
-              </a:ext>
-            </a:extLst>
-          </a:blip>
-          <a:srcRect/>
-          <a:stretch/>
-        </p:blipFill>
-        <p:spPr/>
-      </p:pic>
-      <p:pic>
-        <p:nvPicPr>
-          <p:cNvPr id="8" name="Bildplatzhalter 7" descr="Zwei junge Mädchen, am Strand stehend"/>
-          <p:cNvPicPr>
-            <a:picLocks noGrp="1" noChangeAspect="1"/>
-          </p:cNvPicPr>
-          <p:nvPr>
-            <p:ph type="pic" sz="quarter" idx="15"/>
-          </p:nvPr>
-        </p:nvPicPr>
-        <p:blipFill rotWithShape="1">
-          <a:blip r:embed="rId4" cstate="print">
-            <a:extLst>
-              <a:ext uri="{28A0092B-C50C-407E-A947-70E740481C1C}">
-                <a14:useLocalDpi xmlns:a14="http://schemas.microsoft.com/office/drawing/2010/main" val="0"/>
-              </a:ext>
-            </a:extLst>
-          </a:blip>
-          <a:srcRect/>
-          <a:stretch/>
-        </p:blipFill>
-        <p:spPr/>
-      </p:pic>
-      <p:pic>
-        <p:nvPicPr>
-          <p:cNvPr id="9" name="Bildplatzhalter 8" descr="Junges Mädchen mit Seifenblasen"/>
-          <p:cNvPicPr>
-            <a:picLocks noGrp="1" noChangeAspect="1"/>
-          </p:cNvPicPr>
-          <p:nvPr>
-            <p:ph type="pic" sz="quarter" idx="16"/>
-          </p:nvPr>
-        </p:nvPicPr>
-        <p:blipFill rotWithShape="1">
-          <a:blip r:embed="rId5" cstate="print">
-            <a:extLst>
-              <a:ext uri="{28A0092B-C50C-407E-A947-70E740481C1C}">
-                <a14:useLocalDpi xmlns:a14="http://schemas.microsoft.com/office/drawing/2010/main" val="0"/>
-              </a:ext>
-            </a:extLst>
-          </a:blip>
-          <a:srcRect/>
-          <a:stretch/>
-        </p:blipFill>
-        <p:spPr/>
-      </p:pic>
-      <p:sp>
-        <p:nvSpPr>
-          <p:cNvPr id="4" name="Textplatzhalter 3"/>
-          <p:cNvSpPr>
-            <a:spLocks noGrp="1"/>
-          </p:cNvSpPr>
-          <p:nvPr>
-            <p:ph type="body" sz="quarter" idx="14"/>
-          </p:nvPr>
-        </p:nvSpPr>
-        <p:spPr/>
-        <p:txBody>
-          <a:bodyPr rtlCol="0"/>
-          <a:lstStyle/>
-          <a:p>
-            <a:pPr rtl="0"/>
-            <a:r>
-              <a:rPr lang="de-DE" dirty="0"/>
-              <a:t>Beschriftung</a:t>
-            </a:r>
-          </a:p>
-        </p:txBody>
-      </p:sp>
-    </p:spTree>
-    <p:extLst>
-      <p:ext uri="{BB962C8B-B14F-4D97-AF65-F5344CB8AC3E}">
-        <p14:creationId xmlns:p14="http://schemas.microsoft.com/office/powerpoint/2010/main" val="2560558900"/>
-      </p:ext>
-    </p:extLst>
-  </p:cSld>
-  <p:clrMapOvr>
-    <a:masterClrMapping/>
-  </p:clrMapOvr>
-  <mc:AlternateContent xmlns:mc="http://schemas.openxmlformats.org/markup-compatibility/2006" xmlns:p14="http://schemas.microsoft.com/office/powerpoint/2010/main">
-    <mc:Choice Requires="p14">
-      <p:transition spd="med" p14:dur="700">
-        <p:fade/>
-      </p:transition>
-    </mc:Choice>
-    <mc:Fallback xmlns="">
-      <p:transition spd="med">
-        <p:fade/>
-      </p:transition>
-    </mc:Fallback>
-  </mc:AlternateContent>
-</p:sld>
-</file>
-
-<file path=ppt/slides/slide5.xml><?xml version="1.0" encoding="utf-8"?>
-<p:sld xmlns:a="http://schemas.openxmlformats.org/drawingml/2006/main" xmlns:r="http://schemas.openxmlformats.org/officeDocument/2006/relationships" xmlns:p="http://schemas.openxmlformats.org/presentationml/2006/main">
-  <p:cSld>
-    <p:spTree>
-      <p:nvGrpSpPr>
-        <p:cNvPr id="1" name=""/>
-        <p:cNvGrpSpPr/>
-        <p:nvPr/>
-      </p:nvGrpSpPr>
-      <p:grpSpPr>
-        <a:xfrm>
-          <a:off x="0" y="0"/>
-          <a:ext cx="0" cy="0"/>
-          <a:chOff x="0" y="0"/>
-          <a:chExt cx="0" cy="0"/>
-        </a:xfrm>
-      </p:grpSpPr>
-      <p:sp>
-        <p:nvSpPr>
-          <p:cNvPr id="13" name="Titel 12"/>
-          <p:cNvSpPr>
-            <a:spLocks noGrp="1"/>
-          </p:cNvSpPr>
-          <p:nvPr>
-            <p:ph type="title"/>
-          </p:nvPr>
-        </p:nvSpPr>
-        <p:spPr/>
-        <p:txBody>
-          <a:bodyPr rtlCol="0"/>
-          <a:lstStyle/>
-          <a:p>
-            <a:pPr rtl="0"/>
-            <a:r>
-              <a:rPr lang="de-DE" dirty="0"/>
-              <a:t>Fünf Bilder</a:t>
-            </a:r>
-          </a:p>
-        </p:txBody>
-      </p:sp>
-      <p:pic>
-        <p:nvPicPr>
-          <p:cNvPr id="10" name="Bildplatzhalter 9" descr="Mädchen , Blaubeeren essend"/>
-          <p:cNvPicPr>
-            <a:picLocks noGrp="1" noChangeAspect="1"/>
-          </p:cNvPicPr>
-          <p:nvPr>
-            <p:ph type="pic" sz="quarter" idx="13"/>
-          </p:nvPr>
-        </p:nvPicPr>
-        <p:blipFill>
-          <a:blip r:embed="rId3" cstate="print">
-            <a:extLst>
-              <a:ext uri="{28A0092B-C50C-407E-A947-70E740481C1C}">
-                <a14:useLocalDpi xmlns:a14="http://schemas.microsoft.com/office/drawing/2010/main" val="0"/>
-              </a:ext>
-            </a:extLst>
-          </a:blip>
-          <a:srcRect t="109" b="109"/>
-          <a:stretch>
-            <a:fillRect/>
-          </a:stretch>
-        </p:blipFill>
-        <p:spPr/>
-      </p:pic>
-      <p:pic>
-        <p:nvPicPr>
-          <p:cNvPr id="7" name="Bildplatzhalter 6" descr="Mädchen und Junge in Regenmänteln"/>
-          <p:cNvPicPr>
-            <a:picLocks noGrp="1" noChangeAspect="1"/>
-          </p:cNvPicPr>
-          <p:nvPr>
-            <p:ph type="pic" sz="quarter" idx="15"/>
-          </p:nvPr>
-        </p:nvPicPr>
-        <p:blipFill rotWithShape="1">
-          <a:blip r:embed="rId4" cstate="print">
-            <a:extLst>
-              <a:ext uri="{28A0092B-C50C-407E-A947-70E740481C1C}">
-                <a14:useLocalDpi xmlns:a14="http://schemas.microsoft.com/office/drawing/2010/main" val="0"/>
-              </a:ext>
-            </a:extLst>
-          </a:blip>
-          <a:srcRect t="209" b="209"/>
-          <a:stretch/>
-        </p:blipFill>
-        <p:spPr/>
-      </p:pic>
-      <p:pic>
-        <p:nvPicPr>
-          <p:cNvPr id="8" name="Bildplatzhalter 7" descr="Aufgeschnittene Wassermelone"/>
-          <p:cNvPicPr>
-            <a:picLocks noGrp="1" noChangeAspect="1"/>
-          </p:cNvPicPr>
-          <p:nvPr>
-            <p:ph type="pic" sz="quarter" idx="16"/>
-          </p:nvPr>
-        </p:nvPicPr>
-        <p:blipFill>
-          <a:blip r:embed="rId5" cstate="print">
-            <a:extLst>
-              <a:ext uri="{28A0092B-C50C-407E-A947-70E740481C1C}">
-                <a14:useLocalDpi xmlns:a14="http://schemas.microsoft.com/office/drawing/2010/main" val="0"/>
-              </a:ext>
-            </a:extLst>
-          </a:blip>
-          <a:srcRect l="143" r="143"/>
-          <a:stretch>
-            <a:fillRect/>
-          </a:stretch>
-        </p:blipFill>
-        <p:spPr/>
-      </p:pic>
-      <p:pic>
-        <p:nvPicPr>
-          <p:cNvPr id="9" name="Bildplatzhalter 8" descr="Junges Mädchen im blauen Regenmantel"/>
-          <p:cNvPicPr>
-            <a:picLocks noGrp="1" noChangeAspect="1"/>
-          </p:cNvPicPr>
-          <p:nvPr>
-            <p:ph type="pic" sz="quarter" idx="17"/>
-          </p:nvPr>
-        </p:nvPicPr>
-        <p:blipFill rotWithShape="1">
-          <a:blip r:embed="rId6" cstate="print">
-            <a:extLst>
-              <a:ext uri="{28A0092B-C50C-407E-A947-70E740481C1C}">
-                <a14:useLocalDpi xmlns:a14="http://schemas.microsoft.com/office/drawing/2010/main" val="0"/>
-              </a:ext>
-            </a:extLst>
-          </a:blip>
-          <a:srcRect l="37" r="37"/>
-          <a:stretch/>
-        </p:blipFill>
-        <p:spPr/>
-      </p:pic>
-      <p:pic>
-        <p:nvPicPr>
-          <p:cNvPr id="11" name="Bildplatzhalter 10" descr="Kleiner Junge in einer Strickhängematte"/>
-          <p:cNvPicPr>
-            <a:picLocks noGrp="1" noChangeAspect="1"/>
-          </p:cNvPicPr>
-          <p:nvPr>
-            <p:ph type="pic" sz="quarter" idx="18"/>
-          </p:nvPr>
-        </p:nvPicPr>
-        <p:blipFill rotWithShape="1">
-          <a:blip r:embed="rId7" cstate="print">
-            <a:extLst>
-              <a:ext uri="{28A0092B-C50C-407E-A947-70E740481C1C}">
-                <a14:useLocalDpi xmlns:a14="http://schemas.microsoft.com/office/drawing/2010/main" val="0"/>
-              </a:ext>
-            </a:extLst>
-          </a:blip>
-          <a:srcRect l="3" r="3"/>
-          <a:stretch/>
-        </p:blipFill>
-        <p:spPr/>
-      </p:pic>
-    </p:spTree>
-    <p:extLst>
-      <p:ext uri="{BB962C8B-B14F-4D97-AF65-F5344CB8AC3E}">
-        <p14:creationId xmlns:p14="http://schemas.microsoft.com/office/powerpoint/2010/main" val="807962408"/>
-      </p:ext>
-    </p:extLst>
-  </p:cSld>
-  <p:clrMapOvr>
-    <a:masterClrMapping/>
-  </p:clrMapOvr>
-  <mc:AlternateContent xmlns:mc="http://schemas.openxmlformats.org/markup-compatibility/2006" xmlns:p14="http://schemas.microsoft.com/office/powerpoint/2010/main">
-    <mc:Choice Requires="p14">
-      <p:transition spd="med" p14:dur="700">
-        <p:fade/>
-      </p:transition>
-    </mc:Choice>
-    <mc:Fallback xmlns="">
-      <p:transition spd="med">
-        <p:fade/>
-      </p:transition>
-    </mc:Fallback>
-  </mc:AlternateContent>
-</p:sld>
-</file>
-
-<file path=ppt/slides/slide6.xml><?xml version="1.0" encoding="utf-8"?>
-<p:sld xmlns:a="http://schemas.openxmlformats.org/drawingml/2006/main" xmlns:r="http://schemas.openxmlformats.org/officeDocument/2006/relationships" xmlns:p="http://schemas.openxmlformats.org/presentationml/2006/main">
-  <p:cSld>
-    <p:spTree>
-      <p:nvGrpSpPr>
-        <p:cNvPr id="1" name=""/>
-        <p:cNvGrpSpPr/>
-        <p:nvPr/>
-      </p:nvGrpSpPr>
-      <p:grpSpPr>
-        <a:xfrm>
-          <a:off x="0" y="0"/>
-          <a:ext cx="0" cy="0"/>
-          <a:chOff x="0" y="0"/>
-          <a:chExt cx="0" cy="0"/>
-        </a:xfrm>
-      </p:grpSpPr>
-      <p:graphicFrame>
-        <p:nvGraphicFramePr>
-          <p:cNvPr id="4" name="Objekt 3" hidden="1">
-            <a:extLst>
-              <a:ext uri="{FF2B5EF4-FFF2-40B4-BE49-F238E27FC236}">
-                <a16:creationId xmlns:a16="http://schemas.microsoft.com/office/drawing/2014/main" id="{A8BDBCCE-6B85-4CDA-9B56-9F43D2A75F2F}"/>
-              </a:ext>
-            </a:extLst>
-          </p:cNvPr>
-          <p:cNvGraphicFramePr>
-            <a:graphicFrameLocks noChangeAspect="1"/>
-          </p:cNvGraphicFramePr>
-          <p:nvPr>
-            <p:custDataLst>
-              <p:tags r:id="rId2"/>
-            </p:custDataLst>
-            <p:extLst>
-              <p:ext uri="{D42A27DB-BD31-4B8C-83A1-F6EECF244321}">
-                <p14:modId xmlns:p14="http://schemas.microsoft.com/office/powerpoint/2010/main" val="3545052205"/>
-              </p:ext>
-            </p:extLst>
-          </p:nvPr>
-        </p:nvGraphicFramePr>
-        <p:xfrm>
-          <a:off x="1588" y="1588"/>
-          <a:ext cx="1588" cy="1588"/>
-        </p:xfrm>
-        <a:graphic>
-          <a:graphicData uri="http://schemas.openxmlformats.org/presentationml/2006/ole">
-            <mc:AlternateContent xmlns:mc="http://schemas.openxmlformats.org/markup-compatibility/2006">
-              <mc:Choice xmlns:v="urn:schemas-microsoft-com:vml" Requires="v">
-                <p:oleObj spid="_x0000_s6147" name="think-cell Folie" r:id="rId6" imgW="624" imgH="623" progId="TCLayout.ActiveDocument.1">
-                  <p:embed/>
-                </p:oleObj>
-              </mc:Choice>
-              <mc:Fallback>
-                <p:oleObj name="think-cell Folie" r:id="rId6" imgW="624" imgH="623" progId="TCLayout.ActiveDocument.1">
-                  <p:embed/>
-                  <p:pic>
-                    <p:nvPicPr>
-                      <p:cNvPr id="0" name=""/>
-                      <p:cNvPicPr/>
-                      <p:nvPr/>
-                    </p:nvPicPr>
-                    <p:blipFill>
-                      <a:blip r:embed="rId7"/>
-                      <a:stretch>
-                        <a:fillRect/>
-                      </a:stretch>
-                    </p:blipFill>
-                    <p:spPr>
-                      <a:xfrm>
-                        <a:off x="1588" y="1588"/>
-                        <a:ext cx="1588" cy="1588"/>
-                      </a:xfrm>
-                      <a:prstGeom prst="rect">
-                        <a:avLst/>
-                      </a:prstGeom>
-                    </p:spPr>
-                  </p:pic>
-                </p:oleObj>
-              </mc:Fallback>
-            </mc:AlternateContent>
-          </a:graphicData>
-        </a:graphic>
-      </p:graphicFrame>
-      <p:sp>
-        <p:nvSpPr>
-          <p:cNvPr id="5" name="Rechteck 4" hidden="1">
-            <a:extLst>
-              <a:ext uri="{FF2B5EF4-FFF2-40B4-BE49-F238E27FC236}">
-                <a16:creationId xmlns:a16="http://schemas.microsoft.com/office/drawing/2014/main" id="{7F4FDDED-2FDB-4466-A0A3-EB455EE68E18}"/>
-              </a:ext>
-            </a:extLst>
-          </p:cNvPr>
-          <p:cNvSpPr/>
-          <p:nvPr>
-            <p:custDataLst>
-              <p:tags r:id="rId3"/>
-            </p:custDataLst>
-          </p:nvPr>
-        </p:nvSpPr>
-        <p:spPr>
-          <a:xfrm>
-            <a:off x="0" y="0"/>
-            <a:ext cx="158750" cy="158750"/>
-          </a:xfrm>
-          <a:prstGeom prst="rect">
-            <a:avLst/>
-          </a:prstGeom>
-        </p:spPr>
-        <p:style>
-          <a:lnRef idx="2">
-            <a:schemeClr val="accent1">
-              <a:shade val="50000"/>
-            </a:schemeClr>
-          </a:lnRef>
-          <a:fillRef idx="1">
-            <a:schemeClr val="accent1"/>
-          </a:fillRef>
-          <a:effectRef idx="0">
-            <a:schemeClr val="accent1"/>
-          </a:effectRef>
-          <a:fontRef idx="minor">
-            <a:schemeClr val="lt1"/>
-          </a:fontRef>
-        </p:style>
-        <p:txBody>
-          <a:bodyPr vert="horz" wrap="none" lIns="0" tIns="0" rIns="0" bIns="0" numCol="1" spcCol="0" rtlCol="0" anchor="ctr" anchorCtr="0">
-            <a:noAutofit/>
-          </a:bodyPr>
-          <a:lstStyle/>
-          <a:p>
-            <a:pPr algn="ctr">
-              <a:lnSpc>
-                <a:spcPct val="90000"/>
-              </a:lnSpc>
-              <a:spcBef>
-                <a:spcPct val="0"/>
-              </a:spcBef>
-              <a:spcAft>
-                <a:spcPct val="0"/>
-              </a:spcAft>
-            </a:pPr>
-            <a:endParaRPr lang="de-DE" sz="4400" dirty="0">
-              <a:latin typeface="Times New Roman" panose="02020603050405020304" pitchFamily="18" charset="0"/>
-              <a:ea typeface="+mj-ea"/>
-              <a:cs typeface="+mj-cs"/>
-              <a:sym typeface="Times New Roman" panose="02020603050405020304" pitchFamily="18" charset="0"/>
-            </a:endParaRPr>
-          </a:p>
-        </p:txBody>
-      </p:sp>
-      <p:sp>
-        <p:nvSpPr>
-          <p:cNvPr id="2" name="Titel 1"/>
-          <p:cNvSpPr>
-            <a:spLocks noGrp="1"/>
-          </p:cNvSpPr>
-          <p:nvPr>
-            <p:ph type="title"/>
-          </p:nvPr>
-        </p:nvSpPr>
-        <p:spPr>
-          <a:xfrm>
-            <a:off x="3431704" y="1700808"/>
-            <a:ext cx="7315200" cy="1828800"/>
-          </a:xfrm>
-        </p:spPr>
-        <p:txBody>
-          <a:bodyPr rtlCol="0"/>
-          <a:lstStyle/>
-          <a:p>
-            <a:pPr rtl="0"/>
-            <a:r>
-              <a:rPr lang="de-DE" dirty="0"/>
-              <a:t>QUIZ QUESTIONS</a:t>
-            </a:r>
-          </a:p>
-        </p:txBody>
-      </p:sp>
-    </p:spTree>
-    <p:extLst>
-      <p:ext uri="{BB962C8B-B14F-4D97-AF65-F5344CB8AC3E}">
-        <p14:creationId xmlns:p14="http://schemas.microsoft.com/office/powerpoint/2010/main" val="684342303"/>
-      </p:ext>
-    </p:extLst>
-  </p:cSld>
-  <p:clrMapOvr>
-    <a:masterClrMapping/>
-  </p:clrMapOvr>
-  <mc:AlternateContent xmlns:mc="http://schemas.openxmlformats.org/markup-compatibility/2006" xmlns:p14="http://schemas.microsoft.com/office/powerpoint/2010/main">
-    <mc:Choice Requires="p14">
-      <p:transition spd="med" p14:dur="700">
-        <p:fade/>
-      </p:transition>
-    </mc:Choice>
-    <mc:Fallback xmlns="">
-      <p:transition spd="med">
-        <p:fade/>
-      </p:transition>
-    </mc:Fallback>
-  </mc:AlternateContent>
-</p:sld>
-</file>
-
-<file path=ppt/slides/slide7.xml><?xml version="1.0" encoding="utf-8"?>
-<p:sld xmlns:a="http://schemas.openxmlformats.org/drawingml/2006/main" xmlns:r="http://schemas.openxmlformats.org/officeDocument/2006/relationships" xmlns:p="http://schemas.openxmlformats.org/presentationml/2006/main">
-  <p:cSld>
-    <p:spTree>
-      <p:nvGrpSpPr>
-        <p:cNvPr id="1" name=""/>
-        <p:cNvGrpSpPr/>
-        <p:nvPr/>
-      </p:nvGrpSpPr>
-      <p:grpSpPr>
-        <a:xfrm>
-          <a:off x="0" y="0"/>
-          <a:ext cx="0" cy="0"/>
-          <a:chOff x="0" y="0"/>
-          <a:chExt cx="0" cy="0"/>
-        </a:xfrm>
-      </p:grpSpPr>
-      <p:graphicFrame>
-        <p:nvGraphicFramePr>
-          <p:cNvPr id="5" name="Objekt 4" hidden="1">
-            <a:extLst>
-              <a:ext uri="{FF2B5EF4-FFF2-40B4-BE49-F238E27FC236}">
-                <a16:creationId xmlns:a16="http://schemas.microsoft.com/office/drawing/2014/main" id="{B98CE904-E53C-4803-82DC-1758881BF8AA}"/>
-              </a:ext>
-            </a:extLst>
-          </p:cNvPr>
-          <p:cNvGraphicFramePr>
-            <a:graphicFrameLocks noChangeAspect="1"/>
-          </p:cNvGraphicFramePr>
-          <p:nvPr>
-            <p:custDataLst>
-              <p:tags r:id="rId2"/>
-            </p:custDataLst>
-            <p:extLst>
-              <p:ext uri="{D42A27DB-BD31-4B8C-83A1-F6EECF244321}">
-                <p14:modId xmlns:p14="http://schemas.microsoft.com/office/powerpoint/2010/main" val="546565352"/>
-              </p:ext>
-            </p:extLst>
-          </p:nvPr>
-        </p:nvGraphicFramePr>
-        <p:xfrm>
-          <a:off x="1588" y="1588"/>
-          <a:ext cx="1588" cy="1588"/>
-        </p:xfrm>
-        <a:graphic>
-          <a:graphicData uri="http://schemas.openxmlformats.org/presentationml/2006/ole">
-            <mc:AlternateContent xmlns:mc="http://schemas.openxmlformats.org/markup-compatibility/2006">
-              <mc:Choice xmlns:v="urn:schemas-microsoft-com:vml" Requires="v">
-                <p:oleObj spid="_x0000_s7171" name="think-cell Folie" r:id="rId6" imgW="624" imgH="623" progId="TCLayout.ActiveDocument.1">
-                  <p:embed/>
-                </p:oleObj>
-              </mc:Choice>
-              <mc:Fallback>
-                <p:oleObj name="think-cell Folie" r:id="rId6" imgW="624" imgH="623" progId="TCLayout.ActiveDocument.1">
-                  <p:embed/>
-                  <p:pic>
-                    <p:nvPicPr>
-                      <p:cNvPr id="5" name="Objekt 4" hidden="1">
-                        <a:extLst>
-                          <a:ext uri="{FF2B5EF4-FFF2-40B4-BE49-F238E27FC236}">
-                            <a16:creationId xmlns:a16="http://schemas.microsoft.com/office/drawing/2014/main" id="{B98CE904-E53C-4803-82DC-1758881BF8AA}"/>
-                          </a:ext>
-                        </a:extLst>
-                      </p:cNvPr>
-                      <p:cNvPicPr/>
-                      <p:nvPr/>
-                    </p:nvPicPr>
-                    <p:blipFill>
-                      <a:blip r:embed="rId7"/>
-                      <a:stretch>
-                        <a:fillRect/>
-                      </a:stretch>
-                    </p:blipFill>
-                    <p:spPr>
-                      <a:xfrm>
-                        <a:off x="1588" y="1588"/>
-                        <a:ext cx="1588" cy="1588"/>
-                      </a:xfrm>
-                      <a:prstGeom prst="rect">
-                        <a:avLst/>
-                      </a:prstGeom>
-                    </p:spPr>
-                  </p:pic>
-                </p:oleObj>
-              </mc:Fallback>
-            </mc:AlternateContent>
-          </a:graphicData>
-        </a:graphic>
-      </p:graphicFrame>
-      <p:sp>
-        <p:nvSpPr>
-          <p:cNvPr id="6" name="Rechteck 5" hidden="1">
-            <a:extLst>
-              <a:ext uri="{FF2B5EF4-FFF2-40B4-BE49-F238E27FC236}">
-                <a16:creationId xmlns:a16="http://schemas.microsoft.com/office/drawing/2014/main" id="{01203DCD-D588-46F0-AEEF-C908EA47801A}"/>
-              </a:ext>
-            </a:extLst>
-          </p:cNvPr>
-          <p:cNvSpPr/>
-          <p:nvPr>
-            <p:custDataLst>
-              <p:tags r:id="rId3"/>
-            </p:custDataLst>
-          </p:nvPr>
-        </p:nvSpPr>
-        <p:spPr>
-          <a:xfrm>
-            <a:off x="0" y="0"/>
-            <a:ext cx="158750" cy="158750"/>
-          </a:xfrm>
-          <a:prstGeom prst="rect">
-            <a:avLst/>
-          </a:prstGeom>
-        </p:spPr>
-        <p:style>
-          <a:lnRef idx="2">
-            <a:schemeClr val="accent1">
-              <a:shade val="50000"/>
-            </a:schemeClr>
-          </a:lnRef>
-          <a:fillRef idx="1">
-            <a:schemeClr val="accent1"/>
-          </a:fillRef>
-          <a:effectRef idx="0">
-            <a:schemeClr val="accent1"/>
-          </a:effectRef>
-          <a:fontRef idx="minor">
-            <a:schemeClr val="lt1"/>
-          </a:fontRef>
-        </p:style>
-        <p:txBody>
-          <a:bodyPr vert="horz" wrap="none" lIns="0" tIns="0" rIns="0" bIns="0" numCol="1" spcCol="0" rtlCol="0" anchor="ctr" anchorCtr="0">
-            <a:noAutofit/>
-          </a:bodyPr>
-          <a:lstStyle/>
-          <a:p>
-            <a:pPr algn="ctr">
-              <a:lnSpc>
-                <a:spcPct val="90000"/>
-              </a:lnSpc>
-              <a:spcBef>
-                <a:spcPct val="0"/>
-              </a:spcBef>
-              <a:spcAft>
-                <a:spcPct val="0"/>
-              </a:spcAft>
-            </a:pPr>
-            <a:endParaRPr lang="de-DE" sz="3200" dirty="0">
-              <a:latin typeface="Times New Roman" panose="02020603050405020304" pitchFamily="18" charset="0"/>
-              <a:ea typeface="+mj-ea"/>
-              <a:cs typeface="+mj-cs"/>
-              <a:sym typeface="Times New Roman" panose="02020603050405020304" pitchFamily="18" charset="0"/>
-            </a:endParaRPr>
-          </a:p>
-        </p:txBody>
-      </p:sp>
-      <p:sp>
-        <p:nvSpPr>
-          <p:cNvPr id="2" name="Titel 1"/>
-          <p:cNvSpPr>
-            <a:spLocks noGrp="1"/>
-          </p:cNvSpPr>
-          <p:nvPr>
-            <p:ph type="title"/>
-          </p:nvPr>
-        </p:nvSpPr>
-        <p:spPr/>
-        <p:txBody>
-          <a:bodyPr rtlCol="0"/>
-          <a:lstStyle/>
-          <a:p>
-            <a:pPr rtl="0"/>
-            <a:r>
-              <a:rPr lang="de-DE" dirty="0"/>
-              <a:t>QUIZ QUESTION 1</a:t>
-            </a:r>
-          </a:p>
-        </p:txBody>
-      </p:sp>
-      <p:sp>
-        <p:nvSpPr>
-          <p:cNvPr id="3" name="Inhaltsplatzhalter 2"/>
-          <p:cNvSpPr>
-            <a:spLocks noGrp="1"/>
-          </p:cNvSpPr>
-          <p:nvPr>
-            <p:ph sz="half" idx="1"/>
-          </p:nvPr>
-        </p:nvSpPr>
-        <p:spPr/>
-        <p:txBody>
-          <a:bodyPr rtlCol="0">
-            <a:normAutofit/>
-          </a:bodyPr>
-          <a:lstStyle/>
-          <a:p>
-            <a:pPr rtl="0"/>
-            <a:r>
-              <a:rPr lang="de-DE" b="1" dirty="0"/>
-              <a:t>F: Was wird bei einem pessimistischen </a:t>
-            </a:r>
-            <a:endParaRPr lang="de-DE" dirty="0"/>
-          </a:p>
-          <a:p>
-            <a:pPr rtl="0"/>
-            <a:r>
-              <a:rPr lang="de-DE" b="1" dirty="0"/>
-              <a:t>A:</a:t>
-            </a:r>
-            <a:r>
-              <a:rPr lang="de-DE" dirty="0"/>
-              <a:t> Beim </a:t>
-            </a:r>
-            <a:r>
-              <a:rPr lang="de-DE" dirty="0" err="1"/>
-              <a:t>Object</a:t>
-            </a:r>
-            <a:r>
-              <a:rPr lang="de-DE" dirty="0"/>
-              <a:t>-File handelt es sich um eine binäre Datei. Der Code ist identisch, jedoch </a:t>
-            </a:r>
-            <a:r>
-              <a:rPr lang="de-DE" dirty="0" err="1"/>
-              <a:t>Debug</a:t>
-            </a:r>
-            <a:r>
-              <a:rPr lang="de-DE" dirty="0"/>
-              <a:t>-Pfade, Zeitstempel etc. sind nicht dieselben, was zu schweren Fehlern führen kann.</a:t>
-            </a:r>
-          </a:p>
-        </p:txBody>
-      </p:sp>
-      <p:sp>
-        <p:nvSpPr>
-          <p:cNvPr id="4" name="Inhaltsplatzhalter 3"/>
-          <p:cNvSpPr>
-            <a:spLocks noGrp="1"/>
-          </p:cNvSpPr>
-          <p:nvPr>
-            <p:ph sz="half" idx="2"/>
-          </p:nvPr>
-        </p:nvSpPr>
-        <p:spPr/>
-        <p:txBody>
-          <a:bodyPr rtlCol="0"/>
-          <a:lstStyle/>
-          <a:p>
-            <a:pPr marL="0" indent="0" rtl="0">
-              <a:buNone/>
-            </a:pPr>
-            <a:endParaRPr lang="de-DE" dirty="0"/>
-          </a:p>
-        </p:txBody>
-      </p:sp>
-    </p:spTree>
-    <p:extLst>
-      <p:ext uri="{BB962C8B-B14F-4D97-AF65-F5344CB8AC3E}">
-        <p14:creationId xmlns:p14="http://schemas.microsoft.com/office/powerpoint/2010/main" val="611777097"/>
-      </p:ext>
-    </p:extLst>
-  </p:cSld>
-  <p:clrMapOvr>
-    <a:masterClrMapping/>
-  </p:clrMapOvr>
-  <mc:AlternateContent xmlns:mc="http://schemas.openxmlformats.org/markup-compatibility/2006" xmlns:p14="http://schemas.microsoft.com/office/powerpoint/2010/main">
-    <mc:Choice Requires="p14">
-      <p:transition spd="med" p14:dur="700">
-        <p:fade/>
-      </p:transition>
-    </mc:Choice>
-    <mc:Fallback xmlns="">
-      <p:transition spd="med">
-        <p:fade/>
-      </p:transition>
-    </mc:Fallback>
-  </mc:AlternateContent>
-  <p:timing>
-    <p:tnLst>
-      <p:par>
-        <p:cTn id="1" dur="indefinite" restart="never" nodeType="tmRoot">
-          <p:childTnLst>
-            <p:seq concurrent="1" nextAc="seek">
-              <p:cTn id="2" dur="indefinite" nodeType="mainSeq">
-                <p:childTnLst>
-                  <p:par>
-                    <p:cTn id="3" fill="hold">
-                      <p:stCondLst>
-                        <p:cond delay="indefinite"/>
-                      </p:stCondLst>
-                      <p:childTnLst>
-                        <p:par>
-                          <p:cTn id="4" fill="hold">
-                            <p:stCondLst>
-                              <p:cond delay="0"/>
-                            </p:stCondLst>
-                            <p:childTnLst>
-                              <p:par>
-                                <p:cTn id="5" presetID="1" presetClass="entr" presetSubtype="0" fill="hold" nodeType="clickEffect">
-                                  <p:stCondLst>
-                                    <p:cond delay="0"/>
-                                  </p:stCondLst>
-                                  <p:childTnLst>
-                                    <p:set>
-                                      <p:cBhvr>
-                                        <p:cTn id="6" dur="1" fill="hold">
-                                          <p:stCondLst>
-                                            <p:cond delay="0"/>
-                                          </p:stCondLst>
-                                        </p:cTn>
-                                        <p:tgtEl>
-                                          <p:spTgt spid="3">
-                                            <p:txEl>
-                                              <p:pRg st="1" end="1"/>
-                                            </p:txEl>
-                                          </p:spTgt>
-                                        </p:tgtEl>
-                                        <p:attrNameLst>
-                                          <p:attrName>style.visibility</p:attrName>
-                                        </p:attrNameLst>
-                                      </p:cBhvr>
-                                      <p:to>
-                                        <p:strVal val="visible"/>
-                                      </p:to>
-                                    </p:set>
-                                  </p:childTnLst>
-                                </p:cTn>
-                              </p:par>
-                            </p:childTnLst>
-                          </p:cTn>
-                        </p:par>
-                      </p:childTnLst>
-                    </p:cTn>
-                  </p:par>
-                </p:childTnLst>
-              </p:cTn>
-              <p:prevCondLst>
-                <p:cond evt="onPrev" delay="0">
-                  <p:tgtEl>
-                    <p:sldTgt/>
-                  </p:tgtEl>
-                </p:cond>
-              </p:prevCondLst>
-              <p:nextCondLst>
-                <p:cond evt="onNext" delay="0">
-                  <p:tgtEl>
-                    <p:sldTgt/>
-                  </p:tgtEl>
-                </p:cond>
-              </p:nextCondLst>
-            </p:seq>
-          </p:childTnLst>
-        </p:cTn>
-      </p:par>
-    </p:tnLst>
-  </p:timing>
-</p:sld>
-</file>
-
-<file path=ppt/slides/slide8.xml><?xml version="1.0" encoding="utf-8"?>
-<p:sld xmlns:a="http://schemas.openxmlformats.org/drawingml/2006/main" xmlns:r="http://schemas.openxmlformats.org/officeDocument/2006/relationships" xmlns:p="http://schemas.openxmlformats.org/presentationml/2006/main">
-  <p:cSld>
-    <p:spTree>
-      <p:nvGrpSpPr>
-        <p:cNvPr id="1" name=""/>
-        <p:cNvGrpSpPr/>
-        <p:nvPr/>
-      </p:nvGrpSpPr>
-      <p:grpSpPr>
-        <a:xfrm>
-          <a:off x="0" y="0"/>
-          <a:ext cx="0" cy="0"/>
-          <a:chOff x="0" y="0"/>
-          <a:chExt cx="0" cy="0"/>
-        </a:xfrm>
-      </p:grpSpPr>
-      <p:graphicFrame>
-        <p:nvGraphicFramePr>
-          <p:cNvPr id="5" name="Objekt 4" hidden="1">
-            <a:extLst>
-              <a:ext uri="{FF2B5EF4-FFF2-40B4-BE49-F238E27FC236}">
-                <a16:creationId xmlns:a16="http://schemas.microsoft.com/office/drawing/2014/main" id="{B98CE904-E53C-4803-82DC-1758881BF8AA}"/>
-              </a:ext>
-            </a:extLst>
-          </p:cNvPr>
-          <p:cNvGraphicFramePr>
-            <a:graphicFrameLocks noChangeAspect="1"/>
-          </p:cNvGraphicFramePr>
-          <p:nvPr>
-            <p:custDataLst>
-              <p:tags r:id="rId2"/>
-            </p:custDataLst>
-            <p:extLst>
-              <p:ext uri="{D42A27DB-BD31-4B8C-83A1-F6EECF244321}">
-                <p14:modId xmlns:p14="http://schemas.microsoft.com/office/powerpoint/2010/main" val="1433998511"/>
-              </p:ext>
-            </p:extLst>
-          </p:nvPr>
-        </p:nvGraphicFramePr>
-        <p:xfrm>
-          <a:off x="1588" y="1588"/>
-          <a:ext cx="1588" cy="1588"/>
-        </p:xfrm>
-        <a:graphic>
-          <a:graphicData uri="http://schemas.openxmlformats.org/presentationml/2006/ole">
-            <mc:AlternateContent xmlns:mc="http://schemas.openxmlformats.org/markup-compatibility/2006">
-              <mc:Choice xmlns:v="urn:schemas-microsoft-com:vml" Requires="v">
-                <p:oleObj spid="_x0000_s3078" name="think-cell Folie" r:id="rId6" imgW="624" imgH="623" progId="TCLayout.ActiveDocument.1">
+                <p:oleObj spid="_x0000_s3080" name="think-cell Folie" r:id="rId6" imgW="624" imgH="623" progId="TCLayout.ActiveDocument.1">
                   <p:embed/>
                 </p:oleObj>
               </mc:Choice>
@@ -9582,7 +8241,7 @@
 </p:sld>
 </file>
 
-<file path=ppt/slides/slide9.xml><?xml version="1.0" encoding="utf-8"?>
+<file path=ppt/slides/slide11.xml><?xml version="1.0" encoding="utf-8"?>
 <p:sld xmlns:a="http://schemas.openxmlformats.org/drawingml/2006/main" xmlns:r="http://schemas.openxmlformats.org/officeDocument/2006/relationships" xmlns:p="http://schemas.openxmlformats.org/presentationml/2006/main">
   <p:cSld>
     <p:spTree>
@@ -9630,7 +8289,7 @@
           <a:graphicData uri="http://schemas.openxmlformats.org/presentationml/2006/ole">
             <mc:AlternateContent xmlns:mc="http://schemas.openxmlformats.org/markup-compatibility/2006">
               <mc:Choice xmlns:v="urn:schemas-microsoft-com:vml" Requires="v">
-                <p:oleObj spid="_x0000_s4102" name="think-cell Folie" r:id="rId6" imgW="624" imgH="623" progId="TCLayout.ActiveDocument.1">
+                <p:oleObj spid="_x0000_s4104" name="think-cell Folie" r:id="rId6" imgW="624" imgH="623" progId="TCLayout.ActiveDocument.1">
                   <p:embed/>
                 </p:oleObj>
               </mc:Choice>
@@ -9785,7 +8444,7 @@
             </a:r>
             <a:r>
               <a:rPr lang="de-DE" dirty="0"/>
-              <a:t>Was könnte der Grund sein, dass, man das  Projekt plötzlich nicht mehr übersetzen kann)</a:t>
+              <a:t>Was könnte der Grund sein, dass, man das  Projekt plötzlich nicht mehr übersetzen kann?</a:t>
             </a:r>
           </a:p>
           <a:p>
@@ -9967,6 +8626,2183 @@
 </p:sld>
 </file>
 
+<file path=ppt/slides/slide12.xml><?xml version="1.0" encoding="utf-8"?>
+<p:sld xmlns:a="http://schemas.openxmlformats.org/drawingml/2006/main" xmlns:r="http://schemas.openxmlformats.org/officeDocument/2006/relationships" xmlns:p="http://schemas.openxmlformats.org/presentationml/2006/main">
+  <p:cSld>
+    <p:spTree>
+      <p:nvGrpSpPr>
+        <p:cNvPr id="1" name=""/>
+        <p:cNvGrpSpPr/>
+        <p:nvPr/>
+      </p:nvGrpSpPr>
+      <p:grpSpPr>
+        <a:xfrm>
+          <a:off x="0" y="0"/>
+          <a:ext cx="0" cy="0"/>
+          <a:chOff x="0" y="0"/>
+          <a:chExt cx="0" cy="0"/>
+        </a:xfrm>
+      </p:grpSpPr>
+      <p:graphicFrame>
+        <p:nvGraphicFramePr>
+          <p:cNvPr id="5" name="Objekt 4" hidden="1">
+            <a:extLst>
+              <a:ext uri="{FF2B5EF4-FFF2-40B4-BE49-F238E27FC236}">
+                <a16:creationId xmlns:a16="http://schemas.microsoft.com/office/drawing/2014/main" id="{A4C4BE58-6BB5-44D3-8E51-6D22570DA483}"/>
+              </a:ext>
+            </a:extLst>
+          </p:cNvPr>
+          <p:cNvGraphicFramePr>
+            <a:graphicFrameLocks noChangeAspect="1"/>
+          </p:cNvGraphicFramePr>
+          <p:nvPr>
+            <p:custDataLst>
+              <p:tags r:id="rId2"/>
+            </p:custDataLst>
+            <p:extLst>
+              <p:ext uri="{D42A27DB-BD31-4B8C-83A1-F6EECF244321}">
+                <p14:modId xmlns:p14="http://schemas.microsoft.com/office/powerpoint/2010/main" val="3036564040"/>
+              </p:ext>
+            </p:extLst>
+          </p:nvPr>
+        </p:nvGraphicFramePr>
+        <p:xfrm>
+          <a:off x="1588" y="1588"/>
+          <a:ext cx="1588" cy="1588"/>
+        </p:xfrm>
+        <a:graphic>
+          <a:graphicData uri="http://schemas.openxmlformats.org/presentationml/2006/ole">
+            <mc:AlternateContent xmlns:mc="http://schemas.openxmlformats.org/markup-compatibility/2006">
+              <mc:Choice xmlns:v="urn:schemas-microsoft-com:vml" Requires="v">
+                <p:oleObj spid="_x0000_s8197" name="think-cell Folie" r:id="rId6" imgW="624" imgH="623" progId="TCLayout.ActiveDocument.1">
+                  <p:embed/>
+                </p:oleObj>
+              </mc:Choice>
+              <mc:Fallback>
+                <p:oleObj name="think-cell Folie" r:id="rId6" imgW="624" imgH="623" progId="TCLayout.ActiveDocument.1">
+                  <p:embed/>
+                  <p:pic>
+                    <p:nvPicPr>
+                      <p:cNvPr id="0" name=""/>
+                      <p:cNvPicPr/>
+                      <p:nvPr/>
+                    </p:nvPicPr>
+                    <p:blipFill>
+                      <a:blip r:embed="rId7"/>
+                      <a:stretch>
+                        <a:fillRect/>
+                      </a:stretch>
+                    </p:blipFill>
+                    <p:spPr>
+                      <a:xfrm>
+                        <a:off x="1588" y="1588"/>
+                        <a:ext cx="1588" cy="1588"/>
+                      </a:xfrm>
+                      <a:prstGeom prst="rect">
+                        <a:avLst/>
+                      </a:prstGeom>
+                    </p:spPr>
+                  </p:pic>
+                </p:oleObj>
+              </mc:Fallback>
+            </mc:AlternateContent>
+          </a:graphicData>
+        </a:graphic>
+      </p:graphicFrame>
+      <p:sp>
+        <p:nvSpPr>
+          <p:cNvPr id="6" name="Rechteck 5" hidden="1">
+            <a:extLst>
+              <a:ext uri="{FF2B5EF4-FFF2-40B4-BE49-F238E27FC236}">
+                <a16:creationId xmlns:a16="http://schemas.microsoft.com/office/drawing/2014/main" id="{708AD227-9621-4FA2-A70B-62306FAC6EC9}"/>
+              </a:ext>
+            </a:extLst>
+          </p:cNvPr>
+          <p:cNvSpPr/>
+          <p:nvPr>
+            <p:custDataLst>
+              <p:tags r:id="rId3"/>
+            </p:custDataLst>
+          </p:nvPr>
+        </p:nvSpPr>
+        <p:spPr>
+          <a:xfrm>
+            <a:off x="0" y="0"/>
+            <a:ext cx="158750" cy="158750"/>
+          </a:xfrm>
+          <a:prstGeom prst="rect">
+            <a:avLst/>
+          </a:prstGeom>
+        </p:spPr>
+        <p:style>
+          <a:lnRef idx="2">
+            <a:schemeClr val="accent1">
+              <a:shade val="50000"/>
+            </a:schemeClr>
+          </a:lnRef>
+          <a:fillRef idx="1">
+            <a:schemeClr val="accent1"/>
+          </a:fillRef>
+          <a:effectRef idx="0">
+            <a:schemeClr val="accent1"/>
+          </a:effectRef>
+          <a:fontRef idx="minor">
+            <a:schemeClr val="lt1"/>
+          </a:fontRef>
+        </p:style>
+        <p:txBody>
+          <a:bodyPr vert="horz" wrap="none" lIns="0" tIns="0" rIns="0" bIns="0" numCol="1" spcCol="0" rtlCol="0" anchor="ctr" anchorCtr="0">
+            <a:noAutofit/>
+          </a:bodyPr>
+          <a:lstStyle/>
+          <a:p>
+            <a:pPr algn="ctr">
+              <a:lnSpc>
+                <a:spcPct val="90000"/>
+              </a:lnSpc>
+              <a:spcBef>
+                <a:spcPct val="0"/>
+              </a:spcBef>
+              <a:spcAft>
+                <a:spcPct val="0"/>
+              </a:spcAft>
+            </a:pPr>
+            <a:endParaRPr lang="de-DE" sz="3200" dirty="0">
+              <a:latin typeface="Times New Roman" panose="02020603050405020304" pitchFamily="18" charset="0"/>
+              <a:ea typeface="+mj-ea"/>
+              <a:cs typeface="+mj-cs"/>
+              <a:sym typeface="Times New Roman" panose="02020603050405020304" pitchFamily="18" charset="0"/>
+            </a:endParaRPr>
+          </a:p>
+        </p:txBody>
+      </p:sp>
+      <p:sp>
+        <p:nvSpPr>
+          <p:cNvPr id="2" name="Titel 1"/>
+          <p:cNvSpPr>
+            <a:spLocks noGrp="1"/>
+          </p:cNvSpPr>
+          <p:nvPr>
+            <p:ph type="title"/>
+          </p:nvPr>
+        </p:nvSpPr>
+        <p:spPr>
+          <a:xfrm>
+            <a:off x="3071664" y="2636912"/>
+            <a:ext cx="5688632" cy="1082674"/>
+          </a:xfrm>
+        </p:spPr>
+        <p:txBody>
+          <a:bodyPr rtlCol="0"/>
+          <a:lstStyle/>
+          <a:p>
+            <a:pPr rtl="0"/>
+            <a:r>
+              <a:rPr lang="de-DE" dirty="0"/>
+              <a:t>Sind noch Fragen aufgetaucht?</a:t>
+            </a:r>
+          </a:p>
+        </p:txBody>
+      </p:sp>
+    </p:spTree>
+    <p:extLst>
+      <p:ext uri="{BB962C8B-B14F-4D97-AF65-F5344CB8AC3E}">
+        <p14:creationId xmlns:p14="http://schemas.microsoft.com/office/powerpoint/2010/main" val="3032947896"/>
+      </p:ext>
+    </p:extLst>
+  </p:cSld>
+  <p:clrMapOvr>
+    <a:masterClrMapping/>
+  </p:clrMapOvr>
+  <mc:AlternateContent xmlns:mc="http://schemas.openxmlformats.org/markup-compatibility/2006" xmlns:p14="http://schemas.microsoft.com/office/powerpoint/2010/main">
+    <mc:Choice Requires="p14">
+      <p:transition spd="med" p14:dur="700">
+        <p:fade/>
+      </p:transition>
+    </mc:Choice>
+    <mc:Fallback xmlns="">
+      <p:transition spd="med">
+        <p:fade/>
+      </p:transition>
+    </mc:Fallback>
+  </mc:AlternateContent>
+</p:sld>
+</file>
+
+<file path=ppt/slides/slide2.xml><?xml version="1.0" encoding="utf-8"?>
+<p:sld xmlns:a="http://schemas.openxmlformats.org/drawingml/2006/main" xmlns:r="http://schemas.openxmlformats.org/officeDocument/2006/relationships" xmlns:p="http://schemas.openxmlformats.org/presentationml/2006/main">
+  <p:cSld>
+    <p:spTree>
+      <p:nvGrpSpPr>
+        <p:cNvPr id="1" name=""/>
+        <p:cNvGrpSpPr/>
+        <p:nvPr/>
+      </p:nvGrpSpPr>
+      <p:grpSpPr>
+        <a:xfrm>
+          <a:off x="0" y="0"/>
+          <a:ext cx="0" cy="0"/>
+          <a:chOff x="0" y="0"/>
+          <a:chExt cx="0" cy="0"/>
+        </a:xfrm>
+      </p:grpSpPr>
+      <p:graphicFrame>
+        <p:nvGraphicFramePr>
+          <p:cNvPr id="7" name="Objekt 6" hidden="1">
+            <a:extLst>
+              <a:ext uri="{FF2B5EF4-FFF2-40B4-BE49-F238E27FC236}">
+                <a16:creationId xmlns:a16="http://schemas.microsoft.com/office/drawing/2014/main" id="{79F15764-8645-417C-A8F5-F40DDE03DEA9}"/>
+              </a:ext>
+            </a:extLst>
+          </p:cNvPr>
+          <p:cNvGraphicFramePr>
+            <a:graphicFrameLocks noChangeAspect="1"/>
+          </p:cNvGraphicFramePr>
+          <p:nvPr>
+            <p:custDataLst>
+              <p:tags r:id="rId2"/>
+            </p:custDataLst>
+            <p:extLst>
+              <p:ext uri="{D42A27DB-BD31-4B8C-83A1-F6EECF244321}">
+                <p14:modId xmlns:p14="http://schemas.microsoft.com/office/powerpoint/2010/main" val="2907686186"/>
+              </p:ext>
+            </p:extLst>
+          </p:nvPr>
+        </p:nvGraphicFramePr>
+        <p:xfrm>
+          <a:off x="1588" y="1588"/>
+          <a:ext cx="1588" cy="1588"/>
+        </p:xfrm>
+        <a:graphic>
+          <a:graphicData uri="http://schemas.openxmlformats.org/presentationml/2006/ole">
+            <mc:AlternateContent xmlns:mc="http://schemas.openxmlformats.org/markup-compatibility/2006">
+              <mc:Choice xmlns:v="urn:schemas-microsoft-com:vml" Requires="v">
+                <p:oleObj spid="_x0000_s5126" name="think-cell Folie" r:id="rId6" imgW="624" imgH="623" progId="TCLayout.ActiveDocument.1">
+                  <p:embed/>
+                </p:oleObj>
+              </mc:Choice>
+              <mc:Fallback>
+                <p:oleObj name="think-cell Folie" r:id="rId6" imgW="624" imgH="623" progId="TCLayout.ActiveDocument.1">
+                  <p:embed/>
+                  <p:pic>
+                    <p:nvPicPr>
+                      <p:cNvPr id="0" name=""/>
+                      <p:cNvPicPr/>
+                      <p:nvPr/>
+                    </p:nvPicPr>
+                    <p:blipFill>
+                      <a:blip r:embed="rId7"/>
+                      <a:stretch>
+                        <a:fillRect/>
+                      </a:stretch>
+                    </p:blipFill>
+                    <p:spPr>
+                      <a:xfrm>
+                        <a:off x="1588" y="1588"/>
+                        <a:ext cx="1588" cy="1588"/>
+                      </a:xfrm>
+                      <a:prstGeom prst="rect">
+                        <a:avLst/>
+                      </a:prstGeom>
+                    </p:spPr>
+                  </p:pic>
+                </p:oleObj>
+              </mc:Fallback>
+            </mc:AlternateContent>
+          </a:graphicData>
+        </a:graphic>
+      </p:graphicFrame>
+      <p:sp>
+        <p:nvSpPr>
+          <p:cNvPr id="6" name="Rechteck 5" hidden="1">
+            <a:extLst>
+              <a:ext uri="{FF2B5EF4-FFF2-40B4-BE49-F238E27FC236}">
+                <a16:creationId xmlns:a16="http://schemas.microsoft.com/office/drawing/2014/main" id="{12D0C613-B704-4D25-B7C9-BE88395369A9}"/>
+              </a:ext>
+            </a:extLst>
+          </p:cNvPr>
+          <p:cNvSpPr/>
+          <p:nvPr>
+            <p:custDataLst>
+              <p:tags r:id="rId3"/>
+            </p:custDataLst>
+          </p:nvPr>
+        </p:nvSpPr>
+        <p:spPr>
+          <a:xfrm>
+            <a:off x="0" y="0"/>
+            <a:ext cx="158750" cy="158750"/>
+          </a:xfrm>
+          <a:prstGeom prst="rect">
+            <a:avLst/>
+          </a:prstGeom>
+        </p:spPr>
+        <p:style>
+          <a:lnRef idx="2">
+            <a:schemeClr val="accent1">
+              <a:shade val="50000"/>
+            </a:schemeClr>
+          </a:lnRef>
+          <a:fillRef idx="1">
+            <a:schemeClr val="accent1"/>
+          </a:fillRef>
+          <a:effectRef idx="0">
+            <a:schemeClr val="accent1"/>
+          </a:effectRef>
+          <a:fontRef idx="minor">
+            <a:schemeClr val="lt1"/>
+          </a:fontRef>
+        </p:style>
+        <p:txBody>
+          <a:bodyPr vert="horz" wrap="none" lIns="0" tIns="0" rIns="0" bIns="0" numCol="1" spcCol="0" rtlCol="0" anchor="ctr" anchorCtr="0">
+            <a:noAutofit/>
+          </a:bodyPr>
+          <a:lstStyle/>
+          <a:p>
+            <a:pPr algn="ctr">
+              <a:lnSpc>
+                <a:spcPct val="90000"/>
+              </a:lnSpc>
+              <a:spcBef>
+                <a:spcPct val="0"/>
+              </a:spcBef>
+              <a:spcAft>
+                <a:spcPct val="0"/>
+              </a:spcAft>
+            </a:pPr>
+            <a:endParaRPr lang="de-DE" sz="3200" dirty="0">
+              <a:latin typeface="Times New Roman" panose="02020603050405020304" pitchFamily="18" charset="0"/>
+              <a:ea typeface="+mj-ea"/>
+              <a:cs typeface="+mj-cs"/>
+              <a:sym typeface="Times New Roman" panose="02020603050405020304" pitchFamily="18" charset="0"/>
+            </a:endParaRPr>
+          </a:p>
+        </p:txBody>
+      </p:sp>
+      <p:sp>
+        <p:nvSpPr>
+          <p:cNvPr id="2" name="Titel 1"/>
+          <p:cNvSpPr>
+            <a:spLocks noGrp="1"/>
+          </p:cNvSpPr>
+          <p:nvPr>
+            <p:ph type="title"/>
+          </p:nvPr>
+        </p:nvSpPr>
+        <p:spPr/>
+        <p:txBody>
+          <a:bodyPr rtlCol="0"/>
+          <a:lstStyle/>
+          <a:p>
+            <a:pPr rtl="0"/>
+            <a:r>
+              <a:rPr lang="de-DE" dirty="0"/>
+              <a:t>VCS – Version Control Systems</a:t>
+            </a:r>
+          </a:p>
+        </p:txBody>
+      </p:sp>
+      <p:sp>
+        <p:nvSpPr>
+          <p:cNvPr id="3" name="Textplatzhalter 2"/>
+          <p:cNvSpPr>
+            <a:spLocks noGrp="1"/>
+          </p:cNvSpPr>
+          <p:nvPr>
+            <p:ph type="body" sz="half" idx="2"/>
+          </p:nvPr>
+        </p:nvSpPr>
+        <p:spPr>
+          <a:xfrm>
+            <a:off x="7010400" y="1628800"/>
+            <a:ext cx="3657600" cy="2811755"/>
+          </a:xfrm>
+        </p:spPr>
+        <p:txBody>
+          <a:bodyPr rtlCol="0"/>
+          <a:lstStyle/>
+          <a:p>
+            <a:pPr rtl="0"/>
+            <a:r>
+              <a:rPr lang="de-DE" b="1" dirty="0"/>
+              <a:t>Optimistisch:</a:t>
+            </a:r>
+          </a:p>
+          <a:p>
+            <a:pPr rtl="0"/>
+            <a:r>
+              <a:rPr lang="de-DE" dirty="0"/>
+              <a:t>Keine Konflikte erwartet</a:t>
+            </a:r>
+          </a:p>
+          <a:p>
+            <a:pPr rtl="0"/>
+            <a:endParaRPr lang="de-DE" dirty="0"/>
+          </a:p>
+          <a:p>
+            <a:pPr rtl="0"/>
+            <a:r>
+              <a:rPr lang="de-DE" b="1" dirty="0" err="1"/>
+              <a:t>Pesimistisch</a:t>
+            </a:r>
+            <a:r>
+              <a:rPr lang="de-DE" b="1" dirty="0"/>
+              <a:t>:</a:t>
+            </a:r>
+          </a:p>
+          <a:p>
+            <a:pPr rtl="0"/>
+            <a:r>
+              <a:rPr lang="de-DE" dirty="0"/>
+              <a:t>Konflikte erwartet</a:t>
+            </a:r>
+          </a:p>
+        </p:txBody>
+      </p:sp>
+      <p:pic>
+        <p:nvPicPr>
+          <p:cNvPr id="12" name="Grafik 11">
+            <a:extLst>
+              <a:ext uri="{FF2B5EF4-FFF2-40B4-BE49-F238E27FC236}">
+                <a16:creationId xmlns:a16="http://schemas.microsoft.com/office/drawing/2014/main" id="{395D1116-7DB5-45A6-9A95-8469FF770712}"/>
+              </a:ext>
+            </a:extLst>
+          </p:cNvPr>
+          <p:cNvPicPr>
+            <a:picLocks noChangeAspect="1"/>
+          </p:cNvPicPr>
+          <p:nvPr/>
+        </p:nvPicPr>
+        <p:blipFill>
+          <a:blip r:embed="rId8"/>
+          <a:stretch>
+            <a:fillRect/>
+          </a:stretch>
+        </p:blipFill>
+        <p:spPr>
+          <a:xfrm>
+            <a:off x="1271464" y="2636912"/>
+            <a:ext cx="4580852" cy="1593156"/>
+          </a:xfrm>
+          <a:prstGeom prst="rect">
+            <a:avLst/>
+          </a:prstGeom>
+        </p:spPr>
+      </p:pic>
+    </p:spTree>
+    <p:extLst>
+      <p:ext uri="{BB962C8B-B14F-4D97-AF65-F5344CB8AC3E}">
+        <p14:creationId xmlns:p14="http://schemas.microsoft.com/office/powerpoint/2010/main" val="2333893970"/>
+      </p:ext>
+    </p:extLst>
+  </p:cSld>
+  <p:clrMapOvr>
+    <a:masterClrMapping/>
+  </p:clrMapOvr>
+  <mc:AlternateContent xmlns:mc="http://schemas.openxmlformats.org/markup-compatibility/2006" xmlns:p14="http://schemas.microsoft.com/office/powerpoint/2010/main">
+    <mc:Choice Requires="p14">
+      <p:transition spd="med" p14:dur="700">
+        <p:fade/>
+      </p:transition>
+    </mc:Choice>
+    <mc:Fallback xmlns="">
+      <p:transition spd="med">
+        <p:fade/>
+      </p:transition>
+    </mc:Fallback>
+  </mc:AlternateContent>
+</p:sld>
+</file>
+
+<file path=ppt/slides/slide3.xml><?xml version="1.0" encoding="utf-8"?>
+<p:sld xmlns:a="http://schemas.openxmlformats.org/drawingml/2006/main" xmlns:r="http://schemas.openxmlformats.org/officeDocument/2006/relationships" xmlns:p="http://schemas.openxmlformats.org/presentationml/2006/main">
+  <p:cSld>
+    <p:spTree>
+      <p:nvGrpSpPr>
+        <p:cNvPr id="1" name=""/>
+        <p:cNvGrpSpPr/>
+        <p:nvPr/>
+      </p:nvGrpSpPr>
+      <p:grpSpPr>
+        <a:xfrm>
+          <a:off x="0" y="0"/>
+          <a:ext cx="0" cy="0"/>
+          <a:chOff x="0" y="0"/>
+          <a:chExt cx="0" cy="0"/>
+        </a:xfrm>
+      </p:grpSpPr>
+      <p:graphicFrame>
+        <p:nvGraphicFramePr>
+          <p:cNvPr id="7" name="Objekt 6" hidden="1">
+            <a:extLst>
+              <a:ext uri="{FF2B5EF4-FFF2-40B4-BE49-F238E27FC236}">
+                <a16:creationId xmlns:a16="http://schemas.microsoft.com/office/drawing/2014/main" id="{79F15764-8645-417C-A8F5-F40DDE03DEA9}"/>
+              </a:ext>
+            </a:extLst>
+          </p:cNvPr>
+          <p:cNvGraphicFramePr>
+            <a:graphicFrameLocks noChangeAspect="1"/>
+          </p:cNvGraphicFramePr>
+          <p:nvPr>
+            <p:custDataLst>
+              <p:tags r:id="rId2"/>
+            </p:custDataLst>
+          </p:nvPr>
+        </p:nvGraphicFramePr>
+        <p:xfrm>
+          <a:off x="1588" y="1588"/>
+          <a:ext cx="1588" cy="1588"/>
+        </p:xfrm>
+        <a:graphic>
+          <a:graphicData uri="http://schemas.openxmlformats.org/presentationml/2006/ole">
+            <mc:AlternateContent xmlns:mc="http://schemas.openxmlformats.org/markup-compatibility/2006">
+              <mc:Choice xmlns:v="urn:schemas-microsoft-com:vml" Requires="v">
+                <p:oleObj spid="_x0000_s10246" name="think-cell Folie" r:id="rId6" imgW="624" imgH="623" progId="TCLayout.ActiveDocument.1">
+                  <p:embed/>
+                </p:oleObj>
+              </mc:Choice>
+              <mc:Fallback>
+                <p:oleObj name="think-cell Folie" r:id="rId6" imgW="624" imgH="623" progId="TCLayout.ActiveDocument.1">
+                  <p:embed/>
+                  <p:pic>
+                    <p:nvPicPr>
+                      <p:cNvPr id="7" name="Objekt 6" hidden="1">
+                        <a:extLst>
+                          <a:ext uri="{FF2B5EF4-FFF2-40B4-BE49-F238E27FC236}">
+                            <a16:creationId xmlns:a16="http://schemas.microsoft.com/office/drawing/2014/main" id="{79F15764-8645-417C-A8F5-F40DDE03DEA9}"/>
+                          </a:ext>
+                        </a:extLst>
+                      </p:cNvPr>
+                      <p:cNvPicPr/>
+                      <p:nvPr/>
+                    </p:nvPicPr>
+                    <p:blipFill>
+                      <a:blip r:embed="rId7"/>
+                      <a:stretch>
+                        <a:fillRect/>
+                      </a:stretch>
+                    </p:blipFill>
+                    <p:spPr>
+                      <a:xfrm>
+                        <a:off x="1588" y="1588"/>
+                        <a:ext cx="1588" cy="1588"/>
+                      </a:xfrm>
+                      <a:prstGeom prst="rect">
+                        <a:avLst/>
+                      </a:prstGeom>
+                    </p:spPr>
+                  </p:pic>
+                </p:oleObj>
+              </mc:Fallback>
+            </mc:AlternateContent>
+          </a:graphicData>
+        </a:graphic>
+      </p:graphicFrame>
+      <p:sp>
+        <p:nvSpPr>
+          <p:cNvPr id="6" name="Rechteck 5" hidden="1">
+            <a:extLst>
+              <a:ext uri="{FF2B5EF4-FFF2-40B4-BE49-F238E27FC236}">
+                <a16:creationId xmlns:a16="http://schemas.microsoft.com/office/drawing/2014/main" id="{12D0C613-B704-4D25-B7C9-BE88395369A9}"/>
+              </a:ext>
+            </a:extLst>
+          </p:cNvPr>
+          <p:cNvSpPr/>
+          <p:nvPr>
+            <p:custDataLst>
+              <p:tags r:id="rId3"/>
+            </p:custDataLst>
+          </p:nvPr>
+        </p:nvSpPr>
+        <p:spPr>
+          <a:xfrm>
+            <a:off x="0" y="0"/>
+            <a:ext cx="158750" cy="158750"/>
+          </a:xfrm>
+          <a:prstGeom prst="rect">
+            <a:avLst/>
+          </a:prstGeom>
+        </p:spPr>
+        <p:style>
+          <a:lnRef idx="2">
+            <a:schemeClr val="accent1">
+              <a:shade val="50000"/>
+            </a:schemeClr>
+          </a:lnRef>
+          <a:fillRef idx="1">
+            <a:schemeClr val="accent1"/>
+          </a:fillRef>
+          <a:effectRef idx="0">
+            <a:schemeClr val="accent1"/>
+          </a:effectRef>
+          <a:fontRef idx="minor">
+            <a:schemeClr val="lt1"/>
+          </a:fontRef>
+        </p:style>
+        <p:txBody>
+          <a:bodyPr vert="horz" wrap="none" lIns="0" tIns="0" rIns="0" bIns="0" numCol="1" spcCol="0" rtlCol="0" anchor="ctr" anchorCtr="0">
+            <a:noAutofit/>
+          </a:bodyPr>
+          <a:lstStyle/>
+          <a:p>
+            <a:pPr algn="ctr">
+              <a:lnSpc>
+                <a:spcPct val="90000"/>
+              </a:lnSpc>
+              <a:spcBef>
+                <a:spcPct val="0"/>
+              </a:spcBef>
+              <a:spcAft>
+                <a:spcPct val="0"/>
+              </a:spcAft>
+            </a:pPr>
+            <a:endParaRPr lang="de-DE" sz="3200" dirty="0">
+              <a:latin typeface="Times New Roman" panose="02020603050405020304" pitchFamily="18" charset="0"/>
+              <a:ea typeface="+mj-ea"/>
+              <a:cs typeface="+mj-cs"/>
+              <a:sym typeface="Times New Roman" panose="02020603050405020304" pitchFamily="18" charset="0"/>
+            </a:endParaRPr>
+          </a:p>
+        </p:txBody>
+      </p:sp>
+      <p:sp>
+        <p:nvSpPr>
+          <p:cNvPr id="2" name="Titel 1"/>
+          <p:cNvSpPr>
+            <a:spLocks noGrp="1"/>
+          </p:cNvSpPr>
+          <p:nvPr>
+            <p:ph type="title"/>
+          </p:nvPr>
+        </p:nvSpPr>
+        <p:spPr/>
+        <p:txBody>
+          <a:bodyPr rtlCol="0"/>
+          <a:lstStyle/>
+          <a:p>
+            <a:pPr rtl="0"/>
+            <a:r>
+              <a:rPr lang="de-DE" dirty="0"/>
+              <a:t>VCS – Version Control Systems</a:t>
+            </a:r>
+          </a:p>
+        </p:txBody>
+      </p:sp>
+      <p:sp>
+        <p:nvSpPr>
+          <p:cNvPr id="3" name="Textplatzhalter 2"/>
+          <p:cNvSpPr>
+            <a:spLocks noGrp="1"/>
+          </p:cNvSpPr>
+          <p:nvPr>
+            <p:ph type="body" sz="half" idx="2"/>
+          </p:nvPr>
+        </p:nvSpPr>
+        <p:spPr>
+          <a:xfrm>
+            <a:off x="6528048" y="1628800"/>
+            <a:ext cx="5184576" cy="3312368"/>
+          </a:xfrm>
+        </p:spPr>
+        <p:txBody>
+          <a:bodyPr rtlCol="0"/>
+          <a:lstStyle/>
+          <a:p>
+            <a:pPr rtl="0"/>
+            <a:r>
+              <a:rPr lang="de-DE" b="1" dirty="0"/>
+              <a:t>Zentralisiert: (Single Server)</a:t>
+            </a:r>
+          </a:p>
+          <a:p>
+            <a:pPr rtl="0"/>
+            <a:r>
+              <a:rPr lang="de-DE" dirty="0"/>
+              <a:t>-Daten auf Server</a:t>
+            </a:r>
+            <a:br>
+              <a:rPr lang="de-DE" dirty="0"/>
+            </a:br>
+            <a:r>
+              <a:rPr lang="de-DE" dirty="0"/>
+              <a:t>-Lokale Kopie</a:t>
+            </a:r>
+            <a:br>
+              <a:rPr lang="de-DE" dirty="0"/>
+            </a:br>
+            <a:r>
+              <a:rPr lang="de-DE" dirty="0"/>
+              <a:t>-Vergleich wenn Verbindung</a:t>
+            </a:r>
+          </a:p>
+          <a:p>
+            <a:pPr rtl="0"/>
+            <a:r>
+              <a:rPr lang="de-DE" b="1" dirty="0"/>
+              <a:t>Verteilt: (multiple Server)</a:t>
+            </a:r>
+          </a:p>
+          <a:p>
+            <a:r>
+              <a:rPr lang="de-DE" dirty="0"/>
+              <a:t>-Daten auf Server und Client</a:t>
+            </a:r>
+            <a:br>
+              <a:rPr lang="de-DE" dirty="0"/>
+            </a:br>
+            <a:r>
+              <a:rPr lang="de-DE" dirty="0"/>
+              <a:t>-lokale Kopie mit voller </a:t>
+            </a:r>
+            <a:r>
+              <a:rPr lang="de-DE" dirty="0" err="1"/>
+              <a:t>repository</a:t>
+            </a:r>
+            <a:r>
+              <a:rPr lang="de-DE" dirty="0"/>
+              <a:t> </a:t>
+            </a:r>
+            <a:r>
+              <a:rPr lang="de-DE" dirty="0" err="1"/>
+              <a:t>history</a:t>
+            </a:r>
+            <a:endParaRPr lang="de-DE" dirty="0"/>
+          </a:p>
+        </p:txBody>
+      </p:sp>
+      <p:pic>
+        <p:nvPicPr>
+          <p:cNvPr id="10244" name="Picture 4" descr="https://cdn-images-1.medium.com/max/1600/1*XW-5GTADs-dg4yKwDCYrMw.png">
+            <a:extLst>
+              <a:ext uri="{FF2B5EF4-FFF2-40B4-BE49-F238E27FC236}">
+                <a16:creationId xmlns:a16="http://schemas.microsoft.com/office/drawing/2014/main" id="{501D78CC-C93F-45FB-80C9-981B4A65C62E}"/>
+              </a:ext>
+            </a:extLst>
+          </p:cNvPr>
+          <p:cNvPicPr>
+            <a:picLocks noChangeAspect="1" noChangeArrowheads="1"/>
+          </p:cNvPicPr>
+          <p:nvPr/>
+        </p:nvPicPr>
+        <p:blipFill>
+          <a:blip r:embed="rId8">
+            <a:extLst>
+              <a:ext uri="{28A0092B-C50C-407E-A947-70E740481C1C}">
+                <a14:useLocalDpi xmlns:a14="http://schemas.microsoft.com/office/drawing/2010/main" val="0"/>
+              </a:ext>
+            </a:extLst>
+          </a:blip>
+          <a:srcRect/>
+          <a:stretch>
+            <a:fillRect/>
+          </a:stretch>
+        </p:blipFill>
+        <p:spPr bwMode="auto">
+          <a:xfrm>
+            <a:off x="1487488" y="2420888"/>
+            <a:ext cx="4400550" cy="1857375"/>
+          </a:xfrm>
+          <a:prstGeom prst="rect">
+            <a:avLst/>
+          </a:prstGeom>
+          <a:noFill/>
+          <a:extLst>
+            <a:ext uri="{909E8E84-426E-40DD-AFC4-6F175D3DCCD1}">
+              <a14:hiddenFill xmlns:a14="http://schemas.microsoft.com/office/drawing/2010/main">
+                <a:solidFill>
+                  <a:srgbClr val="FFFFFF"/>
+                </a:solidFill>
+              </a14:hiddenFill>
+            </a:ext>
+          </a:extLst>
+        </p:spPr>
+      </p:pic>
+    </p:spTree>
+    <p:extLst>
+      <p:ext uri="{BB962C8B-B14F-4D97-AF65-F5344CB8AC3E}">
+        <p14:creationId xmlns:p14="http://schemas.microsoft.com/office/powerpoint/2010/main" val="4286446013"/>
+      </p:ext>
+    </p:extLst>
+  </p:cSld>
+  <p:clrMapOvr>
+    <a:masterClrMapping/>
+  </p:clrMapOvr>
+  <mc:AlternateContent xmlns:mc="http://schemas.openxmlformats.org/markup-compatibility/2006" xmlns:p14="http://schemas.microsoft.com/office/powerpoint/2010/main">
+    <mc:Choice Requires="p14">
+      <p:transition spd="med" p14:dur="700">
+        <p:fade/>
+      </p:transition>
+    </mc:Choice>
+    <mc:Fallback xmlns="">
+      <p:transition spd="med">
+        <p:fade/>
+      </p:transition>
+    </mc:Fallback>
+  </mc:AlternateContent>
+</p:sld>
+</file>
+
+<file path=ppt/slides/slide4.xml><?xml version="1.0" encoding="utf-8"?>
+<p:sld xmlns:a="http://schemas.openxmlformats.org/drawingml/2006/main" xmlns:r="http://schemas.openxmlformats.org/officeDocument/2006/relationships" xmlns:p="http://schemas.openxmlformats.org/presentationml/2006/main">
+  <p:cSld>
+    <p:spTree>
+      <p:nvGrpSpPr>
+        <p:cNvPr id="1" name=""/>
+        <p:cNvGrpSpPr/>
+        <p:nvPr/>
+      </p:nvGrpSpPr>
+      <p:grpSpPr>
+        <a:xfrm>
+          <a:off x="0" y="0"/>
+          <a:ext cx="0" cy="0"/>
+          <a:chOff x="0" y="0"/>
+          <a:chExt cx="0" cy="0"/>
+        </a:xfrm>
+      </p:grpSpPr>
+      <p:graphicFrame>
+        <p:nvGraphicFramePr>
+          <p:cNvPr id="4" name="Objekt 3" hidden="1">
+            <a:extLst>
+              <a:ext uri="{FF2B5EF4-FFF2-40B4-BE49-F238E27FC236}">
+                <a16:creationId xmlns:a16="http://schemas.microsoft.com/office/drawing/2014/main" id="{3FFABD67-EFA4-46C3-9F73-390E2CA85C22}"/>
+              </a:ext>
+            </a:extLst>
+          </p:cNvPr>
+          <p:cNvGraphicFramePr>
+            <a:graphicFrameLocks noChangeAspect="1"/>
+          </p:cNvGraphicFramePr>
+          <p:nvPr>
+            <p:custDataLst>
+              <p:tags r:id="rId2"/>
+            </p:custDataLst>
+            <p:extLst>
+              <p:ext uri="{D42A27DB-BD31-4B8C-83A1-F6EECF244321}">
+                <p14:modId xmlns:p14="http://schemas.microsoft.com/office/powerpoint/2010/main" val="844711590"/>
+              </p:ext>
+            </p:extLst>
+          </p:nvPr>
+        </p:nvGraphicFramePr>
+        <p:xfrm>
+          <a:off x="1588" y="1588"/>
+          <a:ext cx="1588" cy="1588"/>
+        </p:xfrm>
+        <a:graphic>
+          <a:graphicData uri="http://schemas.openxmlformats.org/presentationml/2006/ole">
+            <mc:AlternateContent xmlns:mc="http://schemas.openxmlformats.org/markup-compatibility/2006">
+              <mc:Choice xmlns:v="urn:schemas-microsoft-com:vml" Requires="v">
+                <p:oleObj spid="_x0000_s9220" name="think-cell Folie" r:id="rId6" imgW="624" imgH="623" progId="TCLayout.ActiveDocument.1">
+                  <p:embed/>
+                </p:oleObj>
+              </mc:Choice>
+              <mc:Fallback>
+                <p:oleObj name="think-cell Folie" r:id="rId6" imgW="624" imgH="623" progId="TCLayout.ActiveDocument.1">
+                  <p:embed/>
+                  <p:pic>
+                    <p:nvPicPr>
+                      <p:cNvPr id="4" name="Objekt 3" hidden="1">
+                        <a:extLst>
+                          <a:ext uri="{FF2B5EF4-FFF2-40B4-BE49-F238E27FC236}">
+                            <a16:creationId xmlns:a16="http://schemas.microsoft.com/office/drawing/2014/main" id="{3FFABD67-EFA4-46C3-9F73-390E2CA85C22}"/>
+                          </a:ext>
+                        </a:extLst>
+                      </p:cNvPr>
+                      <p:cNvPicPr/>
+                      <p:nvPr/>
+                    </p:nvPicPr>
+                    <p:blipFill>
+                      <a:blip r:embed="rId7"/>
+                      <a:stretch>
+                        <a:fillRect/>
+                      </a:stretch>
+                    </p:blipFill>
+                    <p:spPr>
+                      <a:xfrm>
+                        <a:off x="1588" y="1588"/>
+                        <a:ext cx="1588" cy="1588"/>
+                      </a:xfrm>
+                      <a:prstGeom prst="rect">
+                        <a:avLst/>
+                      </a:prstGeom>
+                    </p:spPr>
+                  </p:pic>
+                </p:oleObj>
+              </mc:Fallback>
+            </mc:AlternateContent>
+          </a:graphicData>
+        </a:graphic>
+      </p:graphicFrame>
+      <p:sp>
+        <p:nvSpPr>
+          <p:cNvPr id="5" name="Rechteck 4" hidden="1">
+            <a:extLst>
+              <a:ext uri="{FF2B5EF4-FFF2-40B4-BE49-F238E27FC236}">
+                <a16:creationId xmlns:a16="http://schemas.microsoft.com/office/drawing/2014/main" id="{DB6A2D9B-5517-4DBF-A205-FEB8F95834DD}"/>
+              </a:ext>
+            </a:extLst>
+          </p:cNvPr>
+          <p:cNvSpPr/>
+          <p:nvPr>
+            <p:custDataLst>
+              <p:tags r:id="rId3"/>
+            </p:custDataLst>
+          </p:nvPr>
+        </p:nvSpPr>
+        <p:spPr>
+          <a:xfrm>
+            <a:off x="0" y="0"/>
+            <a:ext cx="158750" cy="158750"/>
+          </a:xfrm>
+          <a:prstGeom prst="rect">
+            <a:avLst/>
+          </a:prstGeom>
+        </p:spPr>
+        <p:style>
+          <a:lnRef idx="2">
+            <a:schemeClr val="accent1">
+              <a:shade val="50000"/>
+            </a:schemeClr>
+          </a:lnRef>
+          <a:fillRef idx="1">
+            <a:schemeClr val="accent1"/>
+          </a:fillRef>
+          <a:effectRef idx="0">
+            <a:schemeClr val="accent1"/>
+          </a:effectRef>
+          <a:fontRef idx="minor">
+            <a:schemeClr val="lt1"/>
+          </a:fontRef>
+        </p:style>
+        <p:txBody>
+          <a:bodyPr vert="horz" wrap="none" lIns="0" tIns="0" rIns="0" bIns="0" numCol="1" spcCol="0" rtlCol="0" anchor="ctr" anchorCtr="0">
+            <a:noAutofit/>
+          </a:bodyPr>
+          <a:lstStyle/>
+          <a:p>
+            <a:pPr algn="ctr">
+              <a:lnSpc>
+                <a:spcPct val="90000"/>
+              </a:lnSpc>
+              <a:spcBef>
+                <a:spcPct val="0"/>
+              </a:spcBef>
+              <a:spcAft>
+                <a:spcPct val="0"/>
+              </a:spcAft>
+            </a:pPr>
+            <a:endParaRPr lang="de-DE" sz="4400" dirty="0">
+              <a:latin typeface="Times New Roman" panose="02020603050405020304" pitchFamily="18" charset="0"/>
+              <a:ea typeface="+mj-ea"/>
+              <a:cs typeface="+mj-cs"/>
+              <a:sym typeface="Times New Roman" panose="02020603050405020304" pitchFamily="18" charset="0"/>
+            </a:endParaRPr>
+          </a:p>
+        </p:txBody>
+      </p:sp>
+      <p:sp>
+        <p:nvSpPr>
+          <p:cNvPr id="3" name="Untertitel 2"/>
+          <p:cNvSpPr>
+            <a:spLocks noGrp="1"/>
+          </p:cNvSpPr>
+          <p:nvPr>
+            <p:ph type="subTitle" idx="1"/>
+          </p:nvPr>
+        </p:nvSpPr>
+        <p:spPr>
+          <a:xfrm>
+            <a:off x="838200" y="1628800"/>
+            <a:ext cx="7086600" cy="2808312"/>
+          </a:xfrm>
+        </p:spPr>
+        <p:txBody>
+          <a:bodyPr rtlCol="0"/>
+          <a:lstStyle/>
+          <a:p>
+            <a:pPr rtl="0"/>
+            <a:r>
+              <a:rPr lang="de-DE" dirty="0"/>
+              <a:t>Zentralisiert:</a:t>
+            </a:r>
+          </a:p>
+          <a:p>
+            <a:pPr rtl="0"/>
+            <a:endParaRPr lang="de-DE" dirty="0"/>
+          </a:p>
+          <a:p>
+            <a:pPr rtl="0"/>
+            <a:r>
+              <a:rPr lang="de-DE" dirty="0"/>
+              <a:t>Verteilt:</a:t>
+            </a:r>
+          </a:p>
+        </p:txBody>
+      </p:sp>
+      <p:sp>
+        <p:nvSpPr>
+          <p:cNvPr id="6" name="Titel 1">
+            <a:extLst>
+              <a:ext uri="{FF2B5EF4-FFF2-40B4-BE49-F238E27FC236}">
+                <a16:creationId xmlns:a16="http://schemas.microsoft.com/office/drawing/2014/main" id="{D44350E5-1001-4466-9B7D-3AA695202DD7}"/>
+              </a:ext>
+            </a:extLst>
+          </p:cNvPr>
+          <p:cNvSpPr txBox="1">
+            <a:spLocks/>
+          </p:cNvSpPr>
+          <p:nvPr/>
+        </p:nvSpPr>
+        <p:spPr>
+          <a:xfrm>
+            <a:off x="838200" y="365126"/>
+            <a:ext cx="9829800" cy="1082674"/>
+          </a:xfrm>
+          <a:prstGeom prst="rect">
+            <a:avLst/>
+          </a:prstGeom>
+        </p:spPr>
+        <p:txBody>
+          <a:bodyPr vert="horz" lIns="91440" tIns="45720" rIns="91440" bIns="45720" rtlCol="0" anchor="b">
+            <a:normAutofit/>
+          </a:bodyPr>
+          <a:lstStyle>
+            <a:lvl1pPr algn="l" defTabSz="914400" rtl="0" eaLnBrk="1" latinLnBrk="0" hangingPunct="1">
+              <a:lnSpc>
+                <a:spcPct val="90000"/>
+              </a:lnSpc>
+              <a:spcBef>
+                <a:spcPct val="0"/>
+              </a:spcBef>
+              <a:buNone/>
+              <a:defRPr sz="4400" kern="1200">
+                <a:solidFill>
+                  <a:schemeClr val="tx1"/>
+                </a:solidFill>
+                <a:latin typeface="+mj-lt"/>
+                <a:ea typeface="+mj-ea"/>
+                <a:cs typeface="+mj-cs"/>
+              </a:defRPr>
+            </a:lvl1pPr>
+          </a:lstStyle>
+          <a:p>
+            <a:r>
+              <a:rPr lang="de-DE" dirty="0"/>
+              <a:t>VCS - Arten</a:t>
+            </a:r>
+          </a:p>
+        </p:txBody>
+      </p:sp>
+    </p:spTree>
+    <p:extLst>
+      <p:ext uri="{BB962C8B-B14F-4D97-AF65-F5344CB8AC3E}">
+        <p14:creationId xmlns:p14="http://schemas.microsoft.com/office/powerpoint/2010/main" val="1373628678"/>
+      </p:ext>
+    </p:extLst>
+  </p:cSld>
+  <p:clrMapOvr>
+    <a:masterClrMapping/>
+  </p:clrMapOvr>
+  <mc:AlternateContent xmlns:mc="http://schemas.openxmlformats.org/markup-compatibility/2006" xmlns:p14="http://schemas.microsoft.com/office/powerpoint/2010/main">
+    <mc:Choice Requires="p14">
+      <p:transition spd="med" p14:dur="700">
+        <p:fade/>
+      </p:transition>
+    </mc:Choice>
+    <mc:Fallback xmlns="">
+      <p:transition spd="med">
+        <p:fade/>
+      </p:transition>
+    </mc:Fallback>
+  </mc:AlternateContent>
+</p:sld>
+</file>
+
+<file path=ppt/slides/slide5.xml><?xml version="1.0" encoding="utf-8"?>
+<p:sld xmlns:a="http://schemas.openxmlformats.org/drawingml/2006/main" xmlns:r="http://schemas.openxmlformats.org/officeDocument/2006/relationships" xmlns:p="http://schemas.openxmlformats.org/presentationml/2006/main">
+  <p:cSld>
+    <p:spTree>
+      <p:nvGrpSpPr>
+        <p:cNvPr id="1" name=""/>
+        <p:cNvGrpSpPr/>
+        <p:nvPr/>
+      </p:nvGrpSpPr>
+      <p:grpSpPr>
+        <a:xfrm>
+          <a:off x="0" y="0"/>
+          <a:ext cx="0" cy="0"/>
+          <a:chOff x="0" y="0"/>
+          <a:chExt cx="0" cy="0"/>
+        </a:xfrm>
+      </p:grpSpPr>
+      <p:sp>
+        <p:nvSpPr>
+          <p:cNvPr id="11" name="Titel 10"/>
+          <p:cNvSpPr>
+            <a:spLocks noGrp="1"/>
+          </p:cNvSpPr>
+          <p:nvPr>
+            <p:ph type="title"/>
+          </p:nvPr>
+        </p:nvSpPr>
+        <p:spPr/>
+        <p:txBody>
+          <a:bodyPr rtlCol="0"/>
+          <a:lstStyle/>
+          <a:p>
+            <a:pPr rtl="0"/>
+            <a:r>
+              <a:rPr lang="de-DE" dirty="0"/>
+              <a:t>Zwei Bilder mit Beschriftungen</a:t>
+            </a:r>
+          </a:p>
+        </p:txBody>
+      </p:sp>
+      <p:pic>
+        <p:nvPicPr>
+          <p:cNvPr id="6" name="Bildplatzhalter 5" descr="Mädchen mit einer Eiswaffel"/>
+          <p:cNvPicPr>
+            <a:picLocks noGrp="1" noChangeAspect="1"/>
+          </p:cNvPicPr>
+          <p:nvPr>
+            <p:ph type="pic" sz="quarter" idx="13"/>
+          </p:nvPr>
+        </p:nvPicPr>
+        <p:blipFill rotWithShape="1">
+          <a:blip r:embed="rId3" cstate="print">
+            <a:extLst>
+              <a:ext uri="{28A0092B-C50C-407E-A947-70E740481C1C}">
+                <a14:useLocalDpi xmlns:a14="http://schemas.microsoft.com/office/drawing/2010/main" val="0"/>
+              </a:ext>
+            </a:extLst>
+          </a:blip>
+          <a:srcRect l="165" r="165"/>
+          <a:stretch/>
+        </p:blipFill>
+        <p:spPr/>
+      </p:pic>
+      <p:sp>
+        <p:nvSpPr>
+          <p:cNvPr id="4" name="Textplatzhalter 3"/>
+          <p:cNvSpPr>
+            <a:spLocks noGrp="1"/>
+          </p:cNvSpPr>
+          <p:nvPr>
+            <p:ph type="body" sz="quarter" idx="14"/>
+          </p:nvPr>
+        </p:nvSpPr>
+        <p:spPr/>
+        <p:txBody>
+          <a:bodyPr rtlCol="0"/>
+          <a:lstStyle/>
+          <a:p>
+            <a:pPr rtl="0"/>
+            <a:r>
+              <a:rPr lang="de-DE" dirty="0"/>
+              <a:t>Beschriftung</a:t>
+            </a:r>
+          </a:p>
+        </p:txBody>
+      </p:sp>
+      <p:pic>
+        <p:nvPicPr>
+          <p:cNvPr id="3" name="Bildplatzhalter 2" descr="Fliegende Ballons vor Wolken"/>
+          <p:cNvPicPr>
+            <a:picLocks noGrp="1" noChangeAspect="1"/>
+          </p:cNvPicPr>
+          <p:nvPr>
+            <p:ph type="pic" sz="quarter" idx="15"/>
+          </p:nvPr>
+        </p:nvPicPr>
+        <p:blipFill>
+          <a:blip r:embed="rId4" cstate="print">
+            <a:extLst>
+              <a:ext uri="{28A0092B-C50C-407E-A947-70E740481C1C}">
+                <a14:useLocalDpi xmlns:a14="http://schemas.microsoft.com/office/drawing/2010/main" val="0"/>
+              </a:ext>
+            </a:extLst>
+          </a:blip>
+          <a:srcRect l="1502" r="1502"/>
+          <a:stretch>
+            <a:fillRect/>
+          </a:stretch>
+        </p:blipFill>
+        <p:spPr/>
+      </p:pic>
+      <p:sp>
+        <p:nvSpPr>
+          <p:cNvPr id="5" name="Textplatzhalter 4"/>
+          <p:cNvSpPr>
+            <a:spLocks noGrp="1"/>
+          </p:cNvSpPr>
+          <p:nvPr>
+            <p:ph type="body" sz="quarter" idx="16"/>
+          </p:nvPr>
+        </p:nvSpPr>
+        <p:spPr/>
+        <p:txBody>
+          <a:bodyPr rtlCol="0"/>
+          <a:lstStyle/>
+          <a:p>
+            <a:pPr rtl="0"/>
+            <a:r>
+              <a:rPr lang="de-DE" dirty="0"/>
+              <a:t>Beschriftung</a:t>
+            </a:r>
+          </a:p>
+        </p:txBody>
+      </p:sp>
+    </p:spTree>
+    <p:extLst>
+      <p:ext uri="{BB962C8B-B14F-4D97-AF65-F5344CB8AC3E}">
+        <p14:creationId xmlns:p14="http://schemas.microsoft.com/office/powerpoint/2010/main" val="3864440091"/>
+      </p:ext>
+    </p:extLst>
+  </p:cSld>
+  <p:clrMapOvr>
+    <a:masterClrMapping/>
+  </p:clrMapOvr>
+  <mc:AlternateContent xmlns:mc="http://schemas.openxmlformats.org/markup-compatibility/2006" xmlns:p14="http://schemas.microsoft.com/office/powerpoint/2010/main">
+    <mc:Choice Requires="p14">
+      <p:transition spd="med" p14:dur="700">
+        <p:fade/>
+      </p:transition>
+    </mc:Choice>
+    <mc:Fallback xmlns="">
+      <p:transition spd="med">
+        <p:fade/>
+      </p:transition>
+    </mc:Fallback>
+  </mc:AlternateContent>
+</p:sld>
+</file>
+
+<file path=ppt/slides/slide6.xml><?xml version="1.0" encoding="utf-8"?>
+<p:sld xmlns:a="http://schemas.openxmlformats.org/drawingml/2006/main" xmlns:r="http://schemas.openxmlformats.org/officeDocument/2006/relationships" xmlns:p="http://schemas.openxmlformats.org/presentationml/2006/main">
+  <p:cSld>
+    <p:spTree>
+      <p:nvGrpSpPr>
+        <p:cNvPr id="1" name=""/>
+        <p:cNvGrpSpPr/>
+        <p:nvPr/>
+      </p:nvGrpSpPr>
+      <p:grpSpPr>
+        <a:xfrm>
+          <a:off x="0" y="0"/>
+          <a:ext cx="0" cy="0"/>
+          <a:chOff x="0" y="0"/>
+          <a:chExt cx="0" cy="0"/>
+        </a:xfrm>
+      </p:grpSpPr>
+      <p:sp>
+        <p:nvSpPr>
+          <p:cNvPr id="6" name="Titel 5"/>
+          <p:cNvSpPr>
+            <a:spLocks noGrp="1"/>
+          </p:cNvSpPr>
+          <p:nvPr>
+            <p:ph type="title"/>
+          </p:nvPr>
+        </p:nvSpPr>
+        <p:spPr/>
+        <p:txBody>
+          <a:bodyPr rtlCol="0"/>
+          <a:lstStyle/>
+          <a:p>
+            <a:pPr rtl="0"/>
+            <a:r>
+              <a:rPr lang="de-DE" dirty="0"/>
+              <a:t>Drei Bilder mit Beschriftung</a:t>
+            </a:r>
+          </a:p>
+        </p:txBody>
+      </p:sp>
+      <p:pic>
+        <p:nvPicPr>
+          <p:cNvPr id="7" name="Bildplatzhalter 6" descr="Gelber Labrador-Retriever in einem Fluss"/>
+          <p:cNvPicPr>
+            <a:picLocks noGrp="1" noChangeAspect="1"/>
+          </p:cNvPicPr>
+          <p:nvPr>
+            <p:ph type="pic" sz="quarter" idx="13"/>
+          </p:nvPr>
+        </p:nvPicPr>
+        <p:blipFill rotWithShape="1">
+          <a:blip r:embed="rId3" cstate="print">
+            <a:extLst>
+              <a:ext uri="{28A0092B-C50C-407E-A947-70E740481C1C}">
+                <a14:useLocalDpi xmlns:a14="http://schemas.microsoft.com/office/drawing/2010/main" val="0"/>
+              </a:ext>
+            </a:extLst>
+          </a:blip>
+          <a:srcRect/>
+          <a:stretch/>
+        </p:blipFill>
+        <p:spPr/>
+      </p:pic>
+      <p:pic>
+        <p:nvPicPr>
+          <p:cNvPr id="8" name="Bildplatzhalter 7" descr="Zwei junge Mädchen, am Strand stehend"/>
+          <p:cNvPicPr>
+            <a:picLocks noGrp="1" noChangeAspect="1"/>
+          </p:cNvPicPr>
+          <p:nvPr>
+            <p:ph type="pic" sz="quarter" idx="15"/>
+          </p:nvPr>
+        </p:nvPicPr>
+        <p:blipFill rotWithShape="1">
+          <a:blip r:embed="rId4" cstate="print">
+            <a:extLst>
+              <a:ext uri="{28A0092B-C50C-407E-A947-70E740481C1C}">
+                <a14:useLocalDpi xmlns:a14="http://schemas.microsoft.com/office/drawing/2010/main" val="0"/>
+              </a:ext>
+            </a:extLst>
+          </a:blip>
+          <a:srcRect/>
+          <a:stretch/>
+        </p:blipFill>
+        <p:spPr/>
+      </p:pic>
+      <p:pic>
+        <p:nvPicPr>
+          <p:cNvPr id="9" name="Bildplatzhalter 8" descr="Junges Mädchen mit Seifenblasen"/>
+          <p:cNvPicPr>
+            <a:picLocks noGrp="1" noChangeAspect="1"/>
+          </p:cNvPicPr>
+          <p:nvPr>
+            <p:ph type="pic" sz="quarter" idx="16"/>
+          </p:nvPr>
+        </p:nvPicPr>
+        <p:blipFill rotWithShape="1">
+          <a:blip r:embed="rId5" cstate="print">
+            <a:extLst>
+              <a:ext uri="{28A0092B-C50C-407E-A947-70E740481C1C}">
+                <a14:useLocalDpi xmlns:a14="http://schemas.microsoft.com/office/drawing/2010/main" val="0"/>
+              </a:ext>
+            </a:extLst>
+          </a:blip>
+          <a:srcRect/>
+          <a:stretch/>
+        </p:blipFill>
+        <p:spPr/>
+      </p:pic>
+      <p:sp>
+        <p:nvSpPr>
+          <p:cNvPr id="4" name="Textplatzhalter 3"/>
+          <p:cNvSpPr>
+            <a:spLocks noGrp="1"/>
+          </p:cNvSpPr>
+          <p:nvPr>
+            <p:ph type="body" sz="quarter" idx="14"/>
+          </p:nvPr>
+        </p:nvSpPr>
+        <p:spPr/>
+        <p:txBody>
+          <a:bodyPr rtlCol="0"/>
+          <a:lstStyle/>
+          <a:p>
+            <a:pPr rtl="0"/>
+            <a:r>
+              <a:rPr lang="de-DE" dirty="0"/>
+              <a:t>Beschriftung</a:t>
+            </a:r>
+          </a:p>
+        </p:txBody>
+      </p:sp>
+    </p:spTree>
+    <p:extLst>
+      <p:ext uri="{BB962C8B-B14F-4D97-AF65-F5344CB8AC3E}">
+        <p14:creationId xmlns:p14="http://schemas.microsoft.com/office/powerpoint/2010/main" val="2560558900"/>
+      </p:ext>
+    </p:extLst>
+  </p:cSld>
+  <p:clrMapOvr>
+    <a:masterClrMapping/>
+  </p:clrMapOvr>
+  <mc:AlternateContent xmlns:mc="http://schemas.openxmlformats.org/markup-compatibility/2006" xmlns:p14="http://schemas.microsoft.com/office/powerpoint/2010/main">
+    <mc:Choice Requires="p14">
+      <p:transition spd="med" p14:dur="700">
+        <p:fade/>
+      </p:transition>
+    </mc:Choice>
+    <mc:Fallback xmlns="">
+      <p:transition spd="med">
+        <p:fade/>
+      </p:transition>
+    </mc:Fallback>
+  </mc:AlternateContent>
+</p:sld>
+</file>
+
+<file path=ppt/slides/slide7.xml><?xml version="1.0" encoding="utf-8"?>
+<p:sld xmlns:a="http://schemas.openxmlformats.org/drawingml/2006/main" xmlns:r="http://schemas.openxmlformats.org/officeDocument/2006/relationships" xmlns:p="http://schemas.openxmlformats.org/presentationml/2006/main">
+  <p:cSld>
+    <p:spTree>
+      <p:nvGrpSpPr>
+        <p:cNvPr id="1" name=""/>
+        <p:cNvGrpSpPr/>
+        <p:nvPr/>
+      </p:nvGrpSpPr>
+      <p:grpSpPr>
+        <a:xfrm>
+          <a:off x="0" y="0"/>
+          <a:ext cx="0" cy="0"/>
+          <a:chOff x="0" y="0"/>
+          <a:chExt cx="0" cy="0"/>
+        </a:xfrm>
+      </p:grpSpPr>
+      <p:graphicFrame>
+        <p:nvGraphicFramePr>
+          <p:cNvPr id="20" name="Objekt 19" hidden="1">
+            <a:extLst>
+              <a:ext uri="{FF2B5EF4-FFF2-40B4-BE49-F238E27FC236}">
+                <a16:creationId xmlns:a16="http://schemas.microsoft.com/office/drawing/2014/main" id="{44D96803-4611-4207-A720-E67F5A8661ED}"/>
+              </a:ext>
+            </a:extLst>
+          </p:cNvPr>
+          <p:cNvGraphicFramePr>
+            <a:graphicFrameLocks noChangeAspect="1"/>
+          </p:cNvGraphicFramePr>
+          <p:nvPr>
+            <p:custDataLst>
+              <p:tags r:id="rId2"/>
+            </p:custDataLst>
+            <p:extLst>
+              <p:ext uri="{D42A27DB-BD31-4B8C-83A1-F6EECF244321}">
+                <p14:modId xmlns:p14="http://schemas.microsoft.com/office/powerpoint/2010/main" val="837744726"/>
+              </p:ext>
+            </p:extLst>
+          </p:nvPr>
+        </p:nvGraphicFramePr>
+        <p:xfrm>
+          <a:off x="1588" y="1588"/>
+          <a:ext cx="1588" cy="1588"/>
+        </p:xfrm>
+        <a:graphic>
+          <a:graphicData uri="http://schemas.openxmlformats.org/presentationml/2006/ole">
+            <mc:AlternateContent xmlns:mc="http://schemas.openxmlformats.org/markup-compatibility/2006">
+              <mc:Choice xmlns:v="urn:schemas-microsoft-com:vml" Requires="v">
+                <p:oleObj spid="_x0000_s11266" name="think-cell Folie" r:id="rId5" imgW="624" imgH="623" progId="TCLayout.ActiveDocument.1">
+                  <p:embed/>
+                </p:oleObj>
+              </mc:Choice>
+              <mc:Fallback>
+                <p:oleObj name="think-cell Folie" r:id="rId5" imgW="624" imgH="623" progId="TCLayout.ActiveDocument.1">
+                  <p:embed/>
+                  <p:pic>
+                    <p:nvPicPr>
+                      <p:cNvPr id="0" name=""/>
+                      <p:cNvPicPr/>
+                      <p:nvPr/>
+                    </p:nvPicPr>
+                    <p:blipFill>
+                      <a:blip r:embed="rId6"/>
+                      <a:stretch>
+                        <a:fillRect/>
+                      </a:stretch>
+                    </p:blipFill>
+                    <p:spPr>
+                      <a:xfrm>
+                        <a:off x="1588" y="1588"/>
+                        <a:ext cx="1588" cy="1588"/>
+                      </a:xfrm>
+                      <a:prstGeom prst="rect">
+                        <a:avLst/>
+                      </a:prstGeom>
+                    </p:spPr>
+                  </p:pic>
+                </p:oleObj>
+              </mc:Fallback>
+            </mc:AlternateContent>
+          </a:graphicData>
+        </a:graphic>
+      </p:graphicFrame>
+      <p:sp>
+        <p:nvSpPr>
+          <p:cNvPr id="19" name="Titel 18">
+            <a:extLst>
+              <a:ext uri="{FF2B5EF4-FFF2-40B4-BE49-F238E27FC236}">
+                <a16:creationId xmlns:a16="http://schemas.microsoft.com/office/drawing/2014/main" id="{1BE8A55C-AFAC-4C54-9C5B-A993678B0D17}"/>
+              </a:ext>
+            </a:extLst>
+          </p:cNvPr>
+          <p:cNvSpPr>
+            <a:spLocks noGrp="1"/>
+          </p:cNvSpPr>
+          <p:nvPr>
+            <p:ph type="title"/>
+          </p:nvPr>
+        </p:nvSpPr>
+        <p:spPr/>
+        <p:txBody>
+          <a:bodyPr/>
+          <a:lstStyle/>
+          <a:p>
+            <a:endParaRPr lang="de-CH"/>
+          </a:p>
+        </p:txBody>
+      </p:sp>
+      <p:pic>
+        <p:nvPicPr>
+          <p:cNvPr id="21" name="Grafik 20">
+            <a:extLst>
+              <a:ext uri="{FF2B5EF4-FFF2-40B4-BE49-F238E27FC236}">
+                <a16:creationId xmlns:a16="http://schemas.microsoft.com/office/drawing/2014/main" id="{5108C3A8-81FC-4FC9-AEFE-196E48F2BB46}"/>
+              </a:ext>
+            </a:extLst>
+          </p:cNvPr>
+          <p:cNvPicPr>
+            <a:picLocks noChangeAspect="1"/>
+          </p:cNvPicPr>
+          <p:nvPr/>
+        </p:nvPicPr>
+        <p:blipFill>
+          <a:blip r:embed="rId7"/>
+          <a:stretch>
+            <a:fillRect/>
+          </a:stretch>
+        </p:blipFill>
+        <p:spPr>
+          <a:xfrm>
+            <a:off x="5807968" y="404664"/>
+            <a:ext cx="2119777" cy="2803970"/>
+          </a:xfrm>
+          <a:prstGeom prst="rect">
+            <a:avLst/>
+          </a:prstGeom>
+        </p:spPr>
+      </p:pic>
+      <p:pic>
+        <p:nvPicPr>
+          <p:cNvPr id="22" name="Grafik 21">
+            <a:extLst>
+              <a:ext uri="{FF2B5EF4-FFF2-40B4-BE49-F238E27FC236}">
+                <a16:creationId xmlns:a16="http://schemas.microsoft.com/office/drawing/2014/main" id="{17366787-0EF6-4054-AF3E-A979D7B3C61E}"/>
+              </a:ext>
+            </a:extLst>
+          </p:cNvPr>
+          <p:cNvPicPr>
+            <a:picLocks noChangeAspect="1"/>
+          </p:cNvPicPr>
+          <p:nvPr/>
+        </p:nvPicPr>
+        <p:blipFill>
+          <a:blip r:embed="rId8"/>
+          <a:stretch>
+            <a:fillRect/>
+          </a:stretch>
+        </p:blipFill>
+        <p:spPr>
+          <a:xfrm>
+            <a:off x="5519936" y="3789040"/>
+            <a:ext cx="2330400" cy="2260588"/>
+          </a:xfrm>
+          <a:prstGeom prst="rect">
+            <a:avLst/>
+          </a:prstGeom>
+        </p:spPr>
+      </p:pic>
+      <p:pic>
+        <p:nvPicPr>
+          <p:cNvPr id="23" name="Grafik 22">
+            <a:extLst>
+              <a:ext uri="{FF2B5EF4-FFF2-40B4-BE49-F238E27FC236}">
+                <a16:creationId xmlns:a16="http://schemas.microsoft.com/office/drawing/2014/main" id="{578D13C6-03DF-4E94-AEAA-7B397AC33B82}"/>
+              </a:ext>
+            </a:extLst>
+          </p:cNvPr>
+          <p:cNvPicPr>
+            <a:picLocks noChangeAspect="1"/>
+          </p:cNvPicPr>
+          <p:nvPr/>
+        </p:nvPicPr>
+        <p:blipFill>
+          <a:blip r:embed="rId9"/>
+          <a:stretch>
+            <a:fillRect/>
+          </a:stretch>
+        </p:blipFill>
+        <p:spPr>
+          <a:xfrm>
+            <a:off x="983432" y="692696"/>
+            <a:ext cx="2864823" cy="1426468"/>
+          </a:xfrm>
+          <a:prstGeom prst="rect">
+            <a:avLst/>
+          </a:prstGeom>
+        </p:spPr>
+      </p:pic>
+    </p:spTree>
+    <p:extLst>
+      <p:ext uri="{BB962C8B-B14F-4D97-AF65-F5344CB8AC3E}">
+        <p14:creationId xmlns:p14="http://schemas.microsoft.com/office/powerpoint/2010/main" val="807962408"/>
+      </p:ext>
+    </p:extLst>
+  </p:cSld>
+  <p:clrMapOvr>
+    <a:masterClrMapping/>
+  </p:clrMapOvr>
+  <mc:AlternateContent xmlns:mc="http://schemas.openxmlformats.org/markup-compatibility/2006" xmlns:p14="http://schemas.microsoft.com/office/powerpoint/2010/main">
+    <mc:Choice Requires="p14">
+      <p:transition spd="med" p14:dur="700">
+        <p:fade/>
+      </p:transition>
+    </mc:Choice>
+    <mc:Fallback xmlns="">
+      <p:transition spd="med">
+        <p:fade/>
+      </p:transition>
+    </mc:Fallback>
+  </mc:AlternateContent>
+</p:sld>
+</file>
+
+<file path=ppt/slides/slide8.xml><?xml version="1.0" encoding="utf-8"?>
+<p:sld xmlns:a="http://schemas.openxmlformats.org/drawingml/2006/main" xmlns:r="http://schemas.openxmlformats.org/officeDocument/2006/relationships" xmlns:p="http://schemas.openxmlformats.org/presentationml/2006/main">
+  <p:cSld>
+    <p:spTree>
+      <p:nvGrpSpPr>
+        <p:cNvPr id="1" name=""/>
+        <p:cNvGrpSpPr/>
+        <p:nvPr/>
+      </p:nvGrpSpPr>
+      <p:grpSpPr>
+        <a:xfrm>
+          <a:off x="0" y="0"/>
+          <a:ext cx="0" cy="0"/>
+          <a:chOff x="0" y="0"/>
+          <a:chExt cx="0" cy="0"/>
+        </a:xfrm>
+      </p:grpSpPr>
+      <p:graphicFrame>
+        <p:nvGraphicFramePr>
+          <p:cNvPr id="4" name="Objekt 3" hidden="1">
+            <a:extLst>
+              <a:ext uri="{FF2B5EF4-FFF2-40B4-BE49-F238E27FC236}">
+                <a16:creationId xmlns:a16="http://schemas.microsoft.com/office/drawing/2014/main" id="{A8BDBCCE-6B85-4CDA-9B56-9F43D2A75F2F}"/>
+              </a:ext>
+            </a:extLst>
+          </p:cNvPr>
+          <p:cNvGraphicFramePr>
+            <a:graphicFrameLocks noChangeAspect="1"/>
+          </p:cNvGraphicFramePr>
+          <p:nvPr>
+            <p:custDataLst>
+              <p:tags r:id="rId2"/>
+            </p:custDataLst>
+            <p:extLst>
+              <p:ext uri="{D42A27DB-BD31-4B8C-83A1-F6EECF244321}">
+                <p14:modId xmlns:p14="http://schemas.microsoft.com/office/powerpoint/2010/main" val="3545052205"/>
+              </p:ext>
+            </p:extLst>
+          </p:nvPr>
+        </p:nvGraphicFramePr>
+        <p:xfrm>
+          <a:off x="1588" y="1588"/>
+          <a:ext cx="1588" cy="1588"/>
+        </p:xfrm>
+        <a:graphic>
+          <a:graphicData uri="http://schemas.openxmlformats.org/presentationml/2006/ole">
+            <mc:AlternateContent xmlns:mc="http://schemas.openxmlformats.org/markup-compatibility/2006">
+              <mc:Choice xmlns:v="urn:schemas-microsoft-com:vml" Requires="v">
+                <p:oleObj spid="_x0000_s6149" name="think-cell Folie" r:id="rId6" imgW="624" imgH="623" progId="TCLayout.ActiveDocument.1">
+                  <p:embed/>
+                </p:oleObj>
+              </mc:Choice>
+              <mc:Fallback>
+                <p:oleObj name="think-cell Folie" r:id="rId6" imgW="624" imgH="623" progId="TCLayout.ActiveDocument.1">
+                  <p:embed/>
+                  <p:pic>
+                    <p:nvPicPr>
+                      <p:cNvPr id="0" name=""/>
+                      <p:cNvPicPr/>
+                      <p:nvPr/>
+                    </p:nvPicPr>
+                    <p:blipFill>
+                      <a:blip r:embed="rId7"/>
+                      <a:stretch>
+                        <a:fillRect/>
+                      </a:stretch>
+                    </p:blipFill>
+                    <p:spPr>
+                      <a:xfrm>
+                        <a:off x="1588" y="1588"/>
+                        <a:ext cx="1588" cy="1588"/>
+                      </a:xfrm>
+                      <a:prstGeom prst="rect">
+                        <a:avLst/>
+                      </a:prstGeom>
+                    </p:spPr>
+                  </p:pic>
+                </p:oleObj>
+              </mc:Fallback>
+            </mc:AlternateContent>
+          </a:graphicData>
+        </a:graphic>
+      </p:graphicFrame>
+      <p:sp>
+        <p:nvSpPr>
+          <p:cNvPr id="5" name="Rechteck 4" hidden="1">
+            <a:extLst>
+              <a:ext uri="{FF2B5EF4-FFF2-40B4-BE49-F238E27FC236}">
+                <a16:creationId xmlns:a16="http://schemas.microsoft.com/office/drawing/2014/main" id="{7F4FDDED-2FDB-4466-A0A3-EB455EE68E18}"/>
+              </a:ext>
+            </a:extLst>
+          </p:cNvPr>
+          <p:cNvSpPr/>
+          <p:nvPr>
+            <p:custDataLst>
+              <p:tags r:id="rId3"/>
+            </p:custDataLst>
+          </p:nvPr>
+        </p:nvSpPr>
+        <p:spPr>
+          <a:xfrm>
+            <a:off x="0" y="0"/>
+            <a:ext cx="158750" cy="158750"/>
+          </a:xfrm>
+          <a:prstGeom prst="rect">
+            <a:avLst/>
+          </a:prstGeom>
+        </p:spPr>
+        <p:style>
+          <a:lnRef idx="2">
+            <a:schemeClr val="accent1">
+              <a:shade val="50000"/>
+            </a:schemeClr>
+          </a:lnRef>
+          <a:fillRef idx="1">
+            <a:schemeClr val="accent1"/>
+          </a:fillRef>
+          <a:effectRef idx="0">
+            <a:schemeClr val="accent1"/>
+          </a:effectRef>
+          <a:fontRef idx="minor">
+            <a:schemeClr val="lt1"/>
+          </a:fontRef>
+        </p:style>
+        <p:txBody>
+          <a:bodyPr vert="horz" wrap="none" lIns="0" tIns="0" rIns="0" bIns="0" numCol="1" spcCol="0" rtlCol="0" anchor="ctr" anchorCtr="0">
+            <a:noAutofit/>
+          </a:bodyPr>
+          <a:lstStyle/>
+          <a:p>
+            <a:pPr algn="ctr">
+              <a:lnSpc>
+                <a:spcPct val="90000"/>
+              </a:lnSpc>
+              <a:spcBef>
+                <a:spcPct val="0"/>
+              </a:spcBef>
+              <a:spcAft>
+                <a:spcPct val="0"/>
+              </a:spcAft>
+            </a:pPr>
+            <a:endParaRPr lang="de-DE" sz="4400" dirty="0">
+              <a:latin typeface="Times New Roman" panose="02020603050405020304" pitchFamily="18" charset="0"/>
+              <a:ea typeface="+mj-ea"/>
+              <a:cs typeface="+mj-cs"/>
+              <a:sym typeface="Times New Roman" panose="02020603050405020304" pitchFamily="18" charset="0"/>
+            </a:endParaRPr>
+          </a:p>
+        </p:txBody>
+      </p:sp>
+      <p:sp>
+        <p:nvSpPr>
+          <p:cNvPr id="2" name="Titel 1"/>
+          <p:cNvSpPr>
+            <a:spLocks noGrp="1"/>
+          </p:cNvSpPr>
+          <p:nvPr>
+            <p:ph type="title"/>
+          </p:nvPr>
+        </p:nvSpPr>
+        <p:spPr>
+          <a:xfrm>
+            <a:off x="3431704" y="1700808"/>
+            <a:ext cx="7315200" cy="1828800"/>
+          </a:xfrm>
+        </p:spPr>
+        <p:txBody>
+          <a:bodyPr rtlCol="0"/>
+          <a:lstStyle/>
+          <a:p>
+            <a:pPr rtl="0"/>
+            <a:r>
+              <a:rPr lang="de-DE" dirty="0"/>
+              <a:t>QUIZ QUESTIONS</a:t>
+            </a:r>
+          </a:p>
+        </p:txBody>
+      </p:sp>
+    </p:spTree>
+    <p:extLst>
+      <p:ext uri="{BB962C8B-B14F-4D97-AF65-F5344CB8AC3E}">
+        <p14:creationId xmlns:p14="http://schemas.microsoft.com/office/powerpoint/2010/main" val="684342303"/>
+      </p:ext>
+    </p:extLst>
+  </p:cSld>
+  <p:clrMapOvr>
+    <a:masterClrMapping/>
+  </p:clrMapOvr>
+  <mc:AlternateContent xmlns:mc="http://schemas.openxmlformats.org/markup-compatibility/2006" xmlns:p14="http://schemas.microsoft.com/office/powerpoint/2010/main">
+    <mc:Choice Requires="p14">
+      <p:transition spd="med" p14:dur="700">
+        <p:fade/>
+      </p:transition>
+    </mc:Choice>
+    <mc:Fallback xmlns="">
+      <p:transition spd="med">
+        <p:fade/>
+      </p:transition>
+    </mc:Fallback>
+  </mc:AlternateContent>
+</p:sld>
+</file>
+
+<file path=ppt/slides/slide9.xml><?xml version="1.0" encoding="utf-8"?>
+<p:sld xmlns:a="http://schemas.openxmlformats.org/drawingml/2006/main" xmlns:r="http://schemas.openxmlformats.org/officeDocument/2006/relationships" xmlns:p="http://schemas.openxmlformats.org/presentationml/2006/main">
+  <p:cSld>
+    <p:spTree>
+      <p:nvGrpSpPr>
+        <p:cNvPr id="1" name=""/>
+        <p:cNvGrpSpPr/>
+        <p:nvPr/>
+      </p:nvGrpSpPr>
+      <p:grpSpPr>
+        <a:xfrm>
+          <a:off x="0" y="0"/>
+          <a:ext cx="0" cy="0"/>
+          <a:chOff x="0" y="0"/>
+          <a:chExt cx="0" cy="0"/>
+        </a:xfrm>
+      </p:grpSpPr>
+      <p:graphicFrame>
+        <p:nvGraphicFramePr>
+          <p:cNvPr id="5" name="Objekt 4" hidden="1">
+            <a:extLst>
+              <a:ext uri="{FF2B5EF4-FFF2-40B4-BE49-F238E27FC236}">
+                <a16:creationId xmlns:a16="http://schemas.microsoft.com/office/drawing/2014/main" id="{B98CE904-E53C-4803-82DC-1758881BF8AA}"/>
+              </a:ext>
+            </a:extLst>
+          </p:cNvPr>
+          <p:cNvGraphicFramePr>
+            <a:graphicFrameLocks noChangeAspect="1"/>
+          </p:cNvGraphicFramePr>
+          <p:nvPr>
+            <p:custDataLst>
+              <p:tags r:id="rId2"/>
+            </p:custDataLst>
+            <p:extLst>
+              <p:ext uri="{D42A27DB-BD31-4B8C-83A1-F6EECF244321}">
+                <p14:modId xmlns:p14="http://schemas.microsoft.com/office/powerpoint/2010/main" val="546565352"/>
+              </p:ext>
+            </p:extLst>
+          </p:nvPr>
+        </p:nvGraphicFramePr>
+        <p:xfrm>
+          <a:off x="1588" y="1588"/>
+          <a:ext cx="1588" cy="1588"/>
+        </p:xfrm>
+        <a:graphic>
+          <a:graphicData uri="http://schemas.openxmlformats.org/presentationml/2006/ole">
+            <mc:AlternateContent xmlns:mc="http://schemas.openxmlformats.org/markup-compatibility/2006">
+              <mc:Choice xmlns:v="urn:schemas-microsoft-com:vml" Requires="v">
+                <p:oleObj spid="_x0000_s7173" name="think-cell Folie" r:id="rId6" imgW="624" imgH="623" progId="TCLayout.ActiveDocument.1">
+                  <p:embed/>
+                </p:oleObj>
+              </mc:Choice>
+              <mc:Fallback>
+                <p:oleObj name="think-cell Folie" r:id="rId6" imgW="624" imgH="623" progId="TCLayout.ActiveDocument.1">
+                  <p:embed/>
+                  <p:pic>
+                    <p:nvPicPr>
+                      <p:cNvPr id="5" name="Objekt 4" hidden="1">
+                        <a:extLst>
+                          <a:ext uri="{FF2B5EF4-FFF2-40B4-BE49-F238E27FC236}">
+                            <a16:creationId xmlns:a16="http://schemas.microsoft.com/office/drawing/2014/main" id="{B98CE904-E53C-4803-82DC-1758881BF8AA}"/>
+                          </a:ext>
+                        </a:extLst>
+                      </p:cNvPr>
+                      <p:cNvPicPr/>
+                      <p:nvPr/>
+                    </p:nvPicPr>
+                    <p:blipFill>
+                      <a:blip r:embed="rId7"/>
+                      <a:stretch>
+                        <a:fillRect/>
+                      </a:stretch>
+                    </p:blipFill>
+                    <p:spPr>
+                      <a:xfrm>
+                        <a:off x="1588" y="1588"/>
+                        <a:ext cx="1588" cy="1588"/>
+                      </a:xfrm>
+                      <a:prstGeom prst="rect">
+                        <a:avLst/>
+                      </a:prstGeom>
+                    </p:spPr>
+                  </p:pic>
+                </p:oleObj>
+              </mc:Fallback>
+            </mc:AlternateContent>
+          </a:graphicData>
+        </a:graphic>
+      </p:graphicFrame>
+      <p:sp>
+        <p:nvSpPr>
+          <p:cNvPr id="6" name="Rechteck 5" hidden="1">
+            <a:extLst>
+              <a:ext uri="{FF2B5EF4-FFF2-40B4-BE49-F238E27FC236}">
+                <a16:creationId xmlns:a16="http://schemas.microsoft.com/office/drawing/2014/main" id="{01203DCD-D588-46F0-AEEF-C908EA47801A}"/>
+              </a:ext>
+            </a:extLst>
+          </p:cNvPr>
+          <p:cNvSpPr/>
+          <p:nvPr>
+            <p:custDataLst>
+              <p:tags r:id="rId3"/>
+            </p:custDataLst>
+          </p:nvPr>
+        </p:nvSpPr>
+        <p:spPr>
+          <a:xfrm>
+            <a:off x="0" y="0"/>
+            <a:ext cx="158750" cy="158750"/>
+          </a:xfrm>
+          <a:prstGeom prst="rect">
+            <a:avLst/>
+          </a:prstGeom>
+        </p:spPr>
+        <p:style>
+          <a:lnRef idx="2">
+            <a:schemeClr val="accent1">
+              <a:shade val="50000"/>
+            </a:schemeClr>
+          </a:lnRef>
+          <a:fillRef idx="1">
+            <a:schemeClr val="accent1"/>
+          </a:fillRef>
+          <a:effectRef idx="0">
+            <a:schemeClr val="accent1"/>
+          </a:effectRef>
+          <a:fontRef idx="minor">
+            <a:schemeClr val="lt1"/>
+          </a:fontRef>
+        </p:style>
+        <p:txBody>
+          <a:bodyPr vert="horz" wrap="none" lIns="0" tIns="0" rIns="0" bIns="0" numCol="1" spcCol="0" rtlCol="0" anchor="ctr" anchorCtr="0">
+            <a:noAutofit/>
+          </a:bodyPr>
+          <a:lstStyle/>
+          <a:p>
+            <a:pPr algn="ctr">
+              <a:lnSpc>
+                <a:spcPct val="90000"/>
+              </a:lnSpc>
+              <a:spcBef>
+                <a:spcPct val="0"/>
+              </a:spcBef>
+              <a:spcAft>
+                <a:spcPct val="0"/>
+              </a:spcAft>
+            </a:pPr>
+            <a:endParaRPr lang="de-DE" sz="3200" dirty="0">
+              <a:latin typeface="Times New Roman" panose="02020603050405020304" pitchFamily="18" charset="0"/>
+              <a:ea typeface="+mj-ea"/>
+              <a:cs typeface="+mj-cs"/>
+              <a:sym typeface="Times New Roman" panose="02020603050405020304" pitchFamily="18" charset="0"/>
+            </a:endParaRPr>
+          </a:p>
+        </p:txBody>
+      </p:sp>
+      <p:sp>
+        <p:nvSpPr>
+          <p:cNvPr id="2" name="Titel 1"/>
+          <p:cNvSpPr>
+            <a:spLocks noGrp="1"/>
+          </p:cNvSpPr>
+          <p:nvPr>
+            <p:ph type="title"/>
+          </p:nvPr>
+        </p:nvSpPr>
+        <p:spPr/>
+        <p:txBody>
+          <a:bodyPr rtlCol="0"/>
+          <a:lstStyle/>
+          <a:p>
+            <a:pPr rtl="0"/>
+            <a:r>
+              <a:rPr lang="de-DE" dirty="0"/>
+              <a:t>QUIZ QUESTION 1</a:t>
+            </a:r>
+          </a:p>
+        </p:txBody>
+      </p:sp>
+      <p:sp>
+        <p:nvSpPr>
+          <p:cNvPr id="3" name="Inhaltsplatzhalter 2"/>
+          <p:cNvSpPr>
+            <a:spLocks noGrp="1"/>
+          </p:cNvSpPr>
+          <p:nvPr>
+            <p:ph sz="half" idx="1"/>
+          </p:nvPr>
+        </p:nvSpPr>
+        <p:spPr/>
+        <p:txBody>
+          <a:bodyPr rtlCol="0">
+            <a:normAutofit lnSpcReduction="10000"/>
+          </a:bodyPr>
+          <a:lstStyle/>
+          <a:p>
+            <a:pPr rtl="0"/>
+            <a:r>
+              <a:rPr lang="de-DE" b="1" dirty="0"/>
+              <a:t>F: </a:t>
+            </a:r>
+            <a:r>
+              <a:rPr lang="de-DE" dirty="0"/>
+              <a:t>Was wird bei einem pessimistischen VCS erwartet und welche Handhabung ergibt sich damit ?</a:t>
+            </a:r>
+          </a:p>
+          <a:p>
+            <a:pPr rtl="0"/>
+            <a:r>
+              <a:rPr lang="de-DE" b="1" dirty="0"/>
+              <a:t>A: </a:t>
+            </a:r>
+            <a:r>
+              <a:rPr lang="de-DE" dirty="0"/>
+              <a:t>Es wird erwartet, dass Konflikte entstehen, daher wird mittels Lock-Vergaben die entsprechende Datei gesperrt für den Zugriff. Dabei muss der Lock aufgehoben werden, bevor jemand anderes an der Datei Änderungen machen kann.</a:t>
+            </a:r>
+          </a:p>
+        </p:txBody>
+      </p:sp>
+      <p:sp>
+        <p:nvSpPr>
+          <p:cNvPr id="4" name="Inhaltsplatzhalter 3"/>
+          <p:cNvSpPr>
+            <a:spLocks noGrp="1"/>
+          </p:cNvSpPr>
+          <p:nvPr>
+            <p:ph sz="half" idx="2"/>
+          </p:nvPr>
+        </p:nvSpPr>
+        <p:spPr/>
+        <p:txBody>
+          <a:bodyPr rtlCol="0"/>
+          <a:lstStyle/>
+          <a:p>
+            <a:pPr marL="0" indent="0" rtl="0">
+              <a:buNone/>
+            </a:pPr>
+            <a:endParaRPr lang="de-DE" dirty="0"/>
+          </a:p>
+        </p:txBody>
+      </p:sp>
+    </p:spTree>
+    <p:extLst>
+      <p:ext uri="{BB962C8B-B14F-4D97-AF65-F5344CB8AC3E}">
+        <p14:creationId xmlns:p14="http://schemas.microsoft.com/office/powerpoint/2010/main" val="611777097"/>
+      </p:ext>
+    </p:extLst>
+  </p:cSld>
+  <p:clrMapOvr>
+    <a:masterClrMapping/>
+  </p:clrMapOvr>
+  <mc:AlternateContent xmlns:mc="http://schemas.openxmlformats.org/markup-compatibility/2006" xmlns:p14="http://schemas.microsoft.com/office/powerpoint/2010/main">
+    <mc:Choice Requires="p14">
+      <p:transition spd="med" p14:dur="700">
+        <p:fade/>
+      </p:transition>
+    </mc:Choice>
+    <mc:Fallback xmlns="">
+      <p:transition spd="med">
+        <p:fade/>
+      </p:transition>
+    </mc:Fallback>
+  </mc:AlternateContent>
+  <p:timing>
+    <p:tnLst>
+      <p:par>
+        <p:cTn id="1" dur="indefinite" restart="never" nodeType="tmRoot">
+          <p:childTnLst>
+            <p:seq concurrent="1" nextAc="seek">
+              <p:cTn id="2" dur="indefinite" nodeType="mainSeq">
+                <p:childTnLst>
+                  <p:par>
+                    <p:cTn id="3" fill="hold">
+                      <p:stCondLst>
+                        <p:cond delay="indefinite"/>
+                      </p:stCondLst>
+                      <p:childTnLst>
+                        <p:par>
+                          <p:cTn id="4" fill="hold">
+                            <p:stCondLst>
+                              <p:cond delay="0"/>
+                            </p:stCondLst>
+                            <p:childTnLst>
+                              <p:par>
+                                <p:cTn id="5" presetID="1" presetClass="entr" presetSubtype="0" fill="hold" nodeType="clickEffect">
+                                  <p:stCondLst>
+                                    <p:cond delay="0"/>
+                                  </p:stCondLst>
+                                  <p:childTnLst>
+                                    <p:set>
+                                      <p:cBhvr>
+                                        <p:cTn id="6" dur="1" fill="hold">
+                                          <p:stCondLst>
+                                            <p:cond delay="0"/>
+                                          </p:stCondLst>
+                                        </p:cTn>
+                                        <p:tgtEl>
+                                          <p:spTgt spid="3">
+                                            <p:txEl>
+                                              <p:pRg st="1" end="1"/>
+                                            </p:txEl>
+                                          </p:spTgt>
+                                        </p:tgtEl>
+                                        <p:attrNameLst>
+                                          <p:attrName>style.visibility</p:attrName>
+                                        </p:attrNameLst>
+                                      </p:cBhvr>
+                                      <p:to>
+                                        <p:strVal val="visible"/>
+                                      </p:to>
+                                    </p:set>
+                                  </p:childTnLst>
+                                </p:cTn>
+                              </p:par>
+                            </p:childTnLst>
+                          </p:cTn>
+                        </p:par>
+                      </p:childTnLst>
+                    </p:cTn>
+                  </p:par>
+                </p:childTnLst>
+              </p:cTn>
+              <p:prevCondLst>
+                <p:cond evt="onPrev" delay="0">
+                  <p:tgtEl>
+                    <p:sldTgt/>
+                  </p:tgtEl>
+                </p:cond>
+              </p:prevCondLst>
+              <p:nextCondLst>
+                <p:cond evt="onNext" delay="0">
+                  <p:tgtEl>
+                    <p:sldTgt/>
+                  </p:tgtEl>
+                </p:cond>
+              </p:nextCondLst>
+            </p:seq>
+          </p:childTnLst>
+        </p:cTn>
+      </p:par>
+    </p:tnLst>
+  </p:timing>
+</p:sld>
+</file>
+
 <file path=ppt/tags/tag1.xml><?xml version="1.0" encoding="utf-8"?>
 <p:tagLst xmlns:a="http://schemas.openxmlformats.org/drawingml/2006/main" xmlns:r="http://schemas.openxmlformats.org/officeDocument/2006/relationships" xmlns:p="http://schemas.openxmlformats.org/presentationml/2006/main">
   <p:tag name="THINKCELLUNDODONOTDELETE" val="0"/>
@@ -9981,37 +10817,67 @@
 
 <file path=ppt/tags/tag11.xml><?xml version="1.0" encoding="utf-8"?>
 <p:tagLst xmlns:a="http://schemas.openxmlformats.org/drawingml/2006/main" xmlns:r="http://schemas.openxmlformats.org/officeDocument/2006/relationships" xmlns:p="http://schemas.openxmlformats.org/presentationml/2006/main">
-  <p:tag name="THINKCELLSHAPEDONOTDELETE" val="tqd2cb32ZQkqaKVJLtkjegQ"/>
+  <p:tag name="THINKCELLSHAPEDONOTDELETE" val="thinkcellActiveDocDoNotDelete"/>
 </p:tagLst>
 </file>
 
 <file path=ppt/tags/tag12.xml><?xml version="1.0" encoding="utf-8"?>
 <p:tagLst xmlns:a="http://schemas.openxmlformats.org/drawingml/2006/main" xmlns:r="http://schemas.openxmlformats.org/officeDocument/2006/relationships" xmlns:p="http://schemas.openxmlformats.org/presentationml/2006/main">
-  <p:tag name="THINKCELLSHAPEDONOTDELETE" val="thinkcellActiveDocDoNotDelete"/>
+  <p:tag name="THINKCELLSHAPEDONOTDELETE" val="ti_m7J4YsS2KjZ3V6OXZpBQ"/>
 </p:tagLst>
 </file>
 
 <file path=ppt/tags/tag13.xml><?xml version="1.0" encoding="utf-8"?>
 <p:tagLst xmlns:a="http://schemas.openxmlformats.org/drawingml/2006/main" xmlns:r="http://schemas.openxmlformats.org/officeDocument/2006/relationships" xmlns:p="http://schemas.openxmlformats.org/presentationml/2006/main">
-  <p:tag name="THINKCELLSHAPEDONOTDELETE" val="tqd2cb32ZQkqaKVJLtkjegQ"/>
+  <p:tag name="THINKCELLSHAPEDONOTDELETE" val="thinkcellActiveDocDoNotDelete"/>
 </p:tagLst>
 </file>
 
 <file path=ppt/tags/tag14.xml><?xml version="1.0" encoding="utf-8"?>
 <p:tagLst xmlns:a="http://schemas.openxmlformats.org/drawingml/2006/main" xmlns:r="http://schemas.openxmlformats.org/officeDocument/2006/relationships" xmlns:p="http://schemas.openxmlformats.org/presentationml/2006/main">
-  <p:tag name="THINKCELLSHAPEDONOTDELETE" val="thinkcellActiveDocDoNotDelete"/>
+  <p:tag name="THINKCELLSHAPEDONOTDELETE" val="tqd2cb32ZQkqaKVJLtkjegQ"/>
 </p:tagLst>
 </file>
 
 <file path=ppt/tags/tag15.xml><?xml version="1.0" encoding="utf-8"?>
 <p:tagLst xmlns:a="http://schemas.openxmlformats.org/drawingml/2006/main" xmlns:r="http://schemas.openxmlformats.org/officeDocument/2006/relationships" xmlns:p="http://schemas.openxmlformats.org/presentationml/2006/main">
-  <p:tag name="THINKCELLSHAPEDONOTDELETE" val="tKWe1Bb6UQqSyzY7tkz4J2g"/>
+  <p:tag name="THINKCELLSHAPEDONOTDELETE" val="thinkcellActiveDocDoNotDelete"/>
+</p:tagLst>
+</file>
+
+<file path=ppt/tags/tag16.xml><?xml version="1.0" encoding="utf-8"?>
+<p:tagLst xmlns:a="http://schemas.openxmlformats.org/drawingml/2006/main" xmlns:r="http://schemas.openxmlformats.org/officeDocument/2006/relationships" xmlns:p="http://schemas.openxmlformats.org/presentationml/2006/main">
+  <p:tag name="THINKCELLSHAPEDONOTDELETE" val="tqd2cb32ZQkqaKVJLtkjegQ"/>
+</p:tagLst>
+</file>
+
+<file path=ppt/tags/tag17.xml><?xml version="1.0" encoding="utf-8"?>
+<p:tagLst xmlns:a="http://schemas.openxmlformats.org/drawingml/2006/main" xmlns:r="http://schemas.openxmlformats.org/officeDocument/2006/relationships" xmlns:p="http://schemas.openxmlformats.org/presentationml/2006/main">
+  <p:tag name="THINKCELLSHAPEDONOTDELETE" val="thinkcellActiveDocDoNotDelete"/>
+</p:tagLst>
+</file>
+
+<file path=ppt/tags/tag18.xml><?xml version="1.0" encoding="utf-8"?>
+<p:tagLst xmlns:a="http://schemas.openxmlformats.org/drawingml/2006/main" xmlns:r="http://schemas.openxmlformats.org/officeDocument/2006/relationships" xmlns:p="http://schemas.openxmlformats.org/presentationml/2006/main">
+  <p:tag name="THINKCELLSHAPEDONOTDELETE" val="tqd2cb32ZQkqaKVJLtkjegQ"/>
+</p:tagLst>
+</file>
+
+<file path=ppt/tags/tag19.xml><?xml version="1.0" encoding="utf-8"?>
+<p:tagLst xmlns:a="http://schemas.openxmlformats.org/drawingml/2006/main" xmlns:r="http://schemas.openxmlformats.org/officeDocument/2006/relationships" xmlns:p="http://schemas.openxmlformats.org/presentationml/2006/main">
+  <p:tag name="THINKCELLSHAPEDONOTDELETE" val="thinkcellActiveDocDoNotDelete"/>
 </p:tagLst>
 </file>
 
 <file path=ppt/tags/tag2.xml><?xml version="1.0" encoding="utf-8"?>
 <p:tagLst xmlns:a="http://schemas.openxmlformats.org/drawingml/2006/main" xmlns:r="http://schemas.openxmlformats.org/officeDocument/2006/relationships" xmlns:p="http://schemas.openxmlformats.org/presentationml/2006/main">
   <p:tag name="THINKCELLSHAPEDONOTDELETE" val="thinkcellActiveDocDoNotDelete"/>
+</p:tagLst>
+</file>
+
+<file path=ppt/tags/tag20.xml><?xml version="1.0" encoding="utf-8"?>
+<p:tagLst xmlns:a="http://schemas.openxmlformats.org/drawingml/2006/main" xmlns:r="http://schemas.openxmlformats.org/officeDocument/2006/relationships" xmlns:p="http://schemas.openxmlformats.org/presentationml/2006/main">
+  <p:tag name="THINKCELLSHAPEDONOTDELETE" val="tKWe1Bb6UQqSyzY7tkz4J2g"/>
 </p:tagLst>
 </file>
 
@@ -10041,7 +10907,7 @@
 
 <file path=ppt/tags/tag7.xml><?xml version="1.0" encoding="utf-8"?>
 <p:tagLst xmlns:a="http://schemas.openxmlformats.org/drawingml/2006/main" xmlns:r="http://schemas.openxmlformats.org/officeDocument/2006/relationships" xmlns:p="http://schemas.openxmlformats.org/presentationml/2006/main">
-  <p:tag name="THINKCELLSHAPEDONOTDELETE" val="ti_m7J4YsS2KjZ3V6OXZpBQ"/>
+  <p:tag name="THINKCELLSHAPEDONOTDELETE" val="tLjSbRRWWRhewStM98COTig"/>
 </p:tagLst>
 </file>
 
@@ -10053,7 +10919,7 @@
 
 <file path=ppt/tags/tag9.xml><?xml version="1.0" encoding="utf-8"?>
 <p:tagLst xmlns:a="http://schemas.openxmlformats.org/drawingml/2006/main" xmlns:r="http://schemas.openxmlformats.org/officeDocument/2006/relationships" xmlns:p="http://schemas.openxmlformats.org/presentationml/2006/main">
-  <p:tag name="THINKCELLSHAPEDONOTDELETE" val="tqd2cb32ZQkqaKVJLtkjegQ"/>
+  <p:tag name="THINKCELLSHAPEDONOTDELETE" val="tFSvwoB6vQri361h8Z9IN8g"/>
 </p:tagLst>
 </file>
 
@@ -11071,16 +11937,16 @@
 <file path=customXml/itemProps3.xml><?xml version="1.0" encoding="utf-8"?>
 <ds:datastoreItem xmlns:ds="http://schemas.openxmlformats.org/officeDocument/2006/customXml" ds:itemID="{1DA15C6C-6BB6-4DB6-B7D6-7F14EAB2CC5C}">
   <ds:schemaRefs>
+    <ds:schemaRef ds:uri="http://schemas.microsoft.com/office/2006/metadata/properties"/>
+    <ds:schemaRef ds:uri="http://purl.org/dc/dcmitype/"/>
+    <ds:schemaRef ds:uri="http://purl.org/dc/terms/"/>
+    <ds:schemaRef ds:uri="a4f35948-e619-41b3-aa29-22878b09cfd2"/>
+    <ds:schemaRef ds:uri="http://www.w3.org/XML/1998/namespace"/>
+    <ds:schemaRef ds:uri="http://purl.org/dc/elements/1.1/"/>
     <ds:schemaRef ds:uri="http://schemas.microsoft.com/office/2006/documentManagement/types"/>
+    <ds:schemaRef ds:uri="http://schemas.microsoft.com/office/infopath/2007/PartnerControls"/>
     <ds:schemaRef ds:uri="http://schemas.openxmlformats.org/package/2006/metadata/core-properties"/>
-    <ds:schemaRef ds:uri="http://purl.org/dc/elements/1.1/"/>
-    <ds:schemaRef ds:uri="http://www.w3.org/XML/1998/namespace"/>
     <ds:schemaRef ds:uri="40262f94-9f35-4ac3-9a90-690165a166b7"/>
-    <ds:schemaRef ds:uri="http://purl.org/dc/dcmitype/"/>
-    <ds:schemaRef ds:uri="a4f35948-e619-41b3-aa29-22878b09cfd2"/>
-    <ds:schemaRef ds:uri="http://schemas.microsoft.com/office/infopath/2007/PartnerControls"/>
-    <ds:schemaRef ds:uri="http://schemas.microsoft.com/office/2006/metadata/properties"/>
-    <ds:schemaRef ds:uri="http://purl.org/dc/terms/"/>
   </ds:schemaRefs>
 </ds:datastoreItem>
 </file>